--- a/Conceptual Figure/WedgeHypothesis.pptx
+++ b/Conceptual Figure/WedgeHypothesis.pptx
@@ -8,6 +8,8 @@
     <p:sldId id="256" r:id="rId2"/>
     <p:sldId id="257" r:id="rId3"/>
     <p:sldId id="258" r:id="rId4"/>
+    <p:sldId id="259" r:id="rId5"/>
+    <p:sldId id="260" r:id="rId6"/>
   </p:sldIdLst>
   <p:sldSz cx="12192000" cy="6858000"/>
   <p:notesSz cx="6858000" cy="9144000"/>
@@ -114,7 +116,7 @@
             <a:srgbClr val="A4A3A4"/>
           </p15:clr>
         </p15:guide>
-        <p15:guide id="2" pos="48" userDrawn="1">
+        <p15:guide id="2" pos="2688" userDrawn="1">
           <p15:clr>
             <a:srgbClr val="A4A3A4"/>
           </p15:clr>
@@ -128,7 +130,7 @@
 <file path=ppt/revisionInfo.xml><?xml version="1.0" encoding="utf-8"?>
 <p1510:revInfo xmlns:a="http://schemas.openxmlformats.org/drawingml/2006/main" xmlns:r="http://schemas.openxmlformats.org/officeDocument/2006/relationships" xmlns:p1510="http://schemas.microsoft.com/office/powerpoint/2015/10/main">
   <p1510:revLst>
-    <p1510:client id="{6ED2A364-35CF-4D67-81DC-9ACAA2B0C504}" v="91" dt="2024-12-05T17:50:52.761"/>
+    <p1510:client id="{6ED2A364-35CF-4D67-81DC-9ACAA2B0C504}" v="937" dt="2024-12-17T22:42:56.139"/>
   </p1510:revLst>
 </p1510:revInfo>
 </file>
@@ -137,8 +139,8 @@
 <pc:chgInfo xmlns:a="http://schemas.openxmlformats.org/drawingml/2006/main" xmlns:r="http://schemas.openxmlformats.org/officeDocument/2006/relationships" xmlns:ac="http://schemas.microsoft.com/office/drawing/2013/main/command" xmlns:pc="http://schemas.microsoft.com/office/powerpoint/2013/main/command">
   <pc:docChgLst>
     <pc:chgData name="Baldock, Jeffrey R" userId="408142dd-9c78-4ea0-a9ee-c6293c99b9cc" providerId="ADAL" clId="{6ED2A364-35CF-4D67-81DC-9ACAA2B0C504}"/>
-    <pc:docChg chg="undo custSel addSld modSld">
-      <pc:chgData name="Baldock, Jeffrey R" userId="408142dd-9c78-4ea0-a9ee-c6293c99b9cc" providerId="ADAL" clId="{6ED2A364-35CF-4D67-81DC-9ACAA2B0C504}" dt="2024-12-05T17:50:52.761" v="2041" actId="164"/>
+    <pc:docChg chg="undo custSel addSld delSld modSld">
+      <pc:chgData name="Baldock, Jeffrey R" userId="408142dd-9c78-4ea0-a9ee-c6293c99b9cc" providerId="ADAL" clId="{6ED2A364-35CF-4D67-81DC-9ACAA2B0C504}" dt="2024-12-17T23:19:50.554" v="3771" actId="2696"/>
       <pc:docMkLst>
         <pc:docMk/>
       </pc:docMkLst>
@@ -2136,6 +2138,539 @@
             <pc:docMk/>
             <pc:sldMk cId="822824839" sldId="258"/>
             <ac:cxnSpMk id="60" creationId="{0EE40A5C-1933-1083-3BA5-9C0DB570FED9}"/>
+          </ac:cxnSpMkLst>
+        </pc:cxnChg>
+      </pc:sldChg>
+      <pc:sldChg chg="addSp delSp modSp new mod">
+        <pc:chgData name="Baldock, Jeffrey R" userId="408142dd-9c78-4ea0-a9ee-c6293c99b9cc" providerId="ADAL" clId="{6ED2A364-35CF-4D67-81DC-9ACAA2B0C504}" dt="2024-12-17T21:43:13.032" v="2758" actId="404"/>
+        <pc:sldMkLst>
+          <pc:docMk/>
+          <pc:sldMk cId="306170294" sldId="259"/>
+        </pc:sldMkLst>
+        <pc:spChg chg="add mod">
+          <ac:chgData name="Baldock, Jeffrey R" userId="408142dd-9c78-4ea0-a9ee-c6293c99b9cc" providerId="ADAL" clId="{6ED2A364-35CF-4D67-81DC-9ACAA2B0C504}" dt="2024-12-17T21:43:13.032" v="2758" actId="404"/>
+          <ac:spMkLst>
+            <pc:docMk/>
+            <pc:sldMk cId="306170294" sldId="259"/>
+            <ac:spMk id="8" creationId="{2A531961-4373-EB58-FF9F-1277522B7C9F}"/>
+          </ac:spMkLst>
+        </pc:spChg>
+        <pc:spChg chg="add mod">
+          <ac:chgData name="Baldock, Jeffrey R" userId="408142dd-9c78-4ea0-a9ee-c6293c99b9cc" providerId="ADAL" clId="{6ED2A364-35CF-4D67-81DC-9ACAA2B0C504}" dt="2024-12-17T18:38:18.359" v="2505" actId="14100"/>
+          <ac:spMkLst>
+            <pc:docMk/>
+            <pc:sldMk cId="306170294" sldId="259"/>
+            <ac:spMk id="9" creationId="{AFBB93E6-A6C7-1FBF-7B2A-330DDAB06F83}"/>
+          </ac:spMkLst>
+        </pc:spChg>
+        <pc:picChg chg="add del mod modCrop">
+          <ac:chgData name="Baldock, Jeffrey R" userId="408142dd-9c78-4ea0-a9ee-c6293c99b9cc" providerId="ADAL" clId="{6ED2A364-35CF-4D67-81DC-9ACAA2B0C504}" dt="2024-12-17T18:19:51.418" v="2049" actId="478"/>
+          <ac:picMkLst>
+            <pc:docMk/>
+            <pc:sldMk cId="306170294" sldId="259"/>
+            <ac:picMk id="3" creationId="{2919ABC7-4DB4-F568-93F9-CC4C7B94995C}"/>
+          </ac:picMkLst>
+        </pc:picChg>
+        <pc:picChg chg="add mod">
+          <ac:chgData name="Baldock, Jeffrey R" userId="408142dd-9c78-4ea0-a9ee-c6293c99b9cc" providerId="ADAL" clId="{6ED2A364-35CF-4D67-81DC-9ACAA2B0C504}" dt="2024-12-17T18:21:03.918" v="2060" actId="1076"/>
+          <ac:picMkLst>
+            <pc:docMk/>
+            <pc:sldMk cId="306170294" sldId="259"/>
+            <ac:picMk id="5" creationId="{CCA6337B-5E7C-4776-D214-BF0EB4DCA24E}"/>
+          </ac:picMkLst>
+        </pc:picChg>
+        <pc:picChg chg="add mod">
+          <ac:chgData name="Baldock, Jeffrey R" userId="408142dd-9c78-4ea0-a9ee-c6293c99b9cc" providerId="ADAL" clId="{6ED2A364-35CF-4D67-81DC-9ACAA2B0C504}" dt="2024-12-17T18:37:22.850" v="2446" actId="1076"/>
+          <ac:picMkLst>
+            <pc:docMk/>
+            <pc:sldMk cId="306170294" sldId="259"/>
+            <ac:picMk id="7" creationId="{60051F1C-CAA8-EE2E-E512-E6DD04A5F27F}"/>
+          </ac:picMkLst>
+        </pc:picChg>
+      </pc:sldChg>
+      <pc:sldChg chg="addSp modSp new mod">
+        <pc:chgData name="Baldock, Jeffrey R" userId="408142dd-9c78-4ea0-a9ee-c6293c99b9cc" providerId="ADAL" clId="{6ED2A364-35CF-4D67-81DC-9ACAA2B0C504}" dt="2024-12-17T22:50:35.508" v="3770" actId="20577"/>
+        <pc:sldMkLst>
+          <pc:docMk/>
+          <pc:sldMk cId="1252221003" sldId="260"/>
+        </pc:sldMkLst>
+        <pc:spChg chg="add mod">
+          <ac:chgData name="Baldock, Jeffrey R" userId="408142dd-9c78-4ea0-a9ee-c6293c99b9cc" providerId="ADAL" clId="{6ED2A364-35CF-4D67-81DC-9ACAA2B0C504}" dt="2024-12-17T22:32:36.915" v="3483" actId="404"/>
+          <ac:spMkLst>
+            <pc:docMk/>
+            <pc:sldMk cId="1252221003" sldId="260"/>
+            <ac:spMk id="2" creationId="{22EE6A7C-B0E6-530D-1B1F-F97B3C176468}"/>
+          </ac:spMkLst>
+        </pc:spChg>
+        <pc:spChg chg="add mod">
+          <ac:chgData name="Baldock, Jeffrey R" userId="408142dd-9c78-4ea0-a9ee-c6293c99b9cc" providerId="ADAL" clId="{6ED2A364-35CF-4D67-81DC-9ACAA2B0C504}" dt="2024-12-17T22:32:47.491" v="3494" actId="1076"/>
+          <ac:spMkLst>
+            <pc:docMk/>
+            <pc:sldMk cId="1252221003" sldId="260"/>
+            <ac:spMk id="3" creationId="{8F78BE17-C73E-0409-F14E-DC6B8F7C2A44}"/>
+          </ac:spMkLst>
+        </pc:spChg>
+        <pc:spChg chg="add mod">
+          <ac:chgData name="Baldock, Jeffrey R" userId="408142dd-9c78-4ea0-a9ee-c6293c99b9cc" providerId="ADAL" clId="{6ED2A364-35CF-4D67-81DC-9ACAA2B0C504}" dt="2024-12-17T22:46:39.628" v="3762" actId="1035"/>
+          <ac:spMkLst>
+            <pc:docMk/>
+            <pc:sldMk cId="1252221003" sldId="260"/>
+            <ac:spMk id="6" creationId="{3CFA36DE-A1A0-DB59-E4CD-975D540831B9}"/>
+          </ac:spMkLst>
+        </pc:spChg>
+        <pc:spChg chg="add mod">
+          <ac:chgData name="Baldock, Jeffrey R" userId="408142dd-9c78-4ea0-a9ee-c6293c99b9cc" providerId="ADAL" clId="{6ED2A364-35CF-4D67-81DC-9ACAA2B0C504}" dt="2024-12-17T22:46:39.628" v="3762" actId="1035"/>
+          <ac:spMkLst>
+            <pc:docMk/>
+            <pc:sldMk cId="1252221003" sldId="260"/>
+            <ac:spMk id="7" creationId="{ABF8D940-D2DE-6321-F36A-CAB58BE76DD0}"/>
+          </ac:spMkLst>
+        </pc:spChg>
+        <pc:spChg chg="add mod">
+          <ac:chgData name="Baldock, Jeffrey R" userId="408142dd-9c78-4ea0-a9ee-c6293c99b9cc" providerId="ADAL" clId="{6ED2A364-35CF-4D67-81DC-9ACAA2B0C504}" dt="2024-12-17T22:46:39.628" v="3762" actId="1035"/>
+          <ac:spMkLst>
+            <pc:docMk/>
+            <pc:sldMk cId="1252221003" sldId="260"/>
+            <ac:spMk id="8" creationId="{A842E7BB-6F72-71C0-6A53-8AA72E7E30EB}"/>
+          </ac:spMkLst>
+        </pc:spChg>
+        <pc:spChg chg="add mod">
+          <ac:chgData name="Baldock, Jeffrey R" userId="408142dd-9c78-4ea0-a9ee-c6293c99b9cc" providerId="ADAL" clId="{6ED2A364-35CF-4D67-81DC-9ACAA2B0C504}" dt="2024-12-17T22:46:39.628" v="3762" actId="1035"/>
+          <ac:spMkLst>
+            <pc:docMk/>
+            <pc:sldMk cId="1252221003" sldId="260"/>
+            <ac:spMk id="9" creationId="{52B000AD-6E5C-AF7C-D400-CD2015409A5B}"/>
+          </ac:spMkLst>
+        </pc:spChg>
+        <pc:spChg chg="add mod">
+          <ac:chgData name="Baldock, Jeffrey R" userId="408142dd-9c78-4ea0-a9ee-c6293c99b9cc" providerId="ADAL" clId="{6ED2A364-35CF-4D67-81DC-9ACAA2B0C504}" dt="2024-12-17T22:50:35.508" v="3770" actId="20577"/>
+          <ac:spMkLst>
+            <pc:docMk/>
+            <pc:sldMk cId="1252221003" sldId="260"/>
+            <ac:spMk id="10" creationId="{217B569A-04B4-3857-8392-EF6BA2F9CAF8}"/>
+          </ac:spMkLst>
+        </pc:spChg>
+        <pc:picChg chg="add mod">
+          <ac:chgData name="Baldock, Jeffrey R" userId="408142dd-9c78-4ea0-a9ee-c6293c99b9cc" providerId="ADAL" clId="{6ED2A364-35CF-4D67-81DC-9ACAA2B0C504}" dt="2024-12-17T22:47:23.678" v="3768" actId="1076"/>
+          <ac:picMkLst>
+            <pc:docMk/>
+            <pc:sldMk cId="1252221003" sldId="260"/>
+            <ac:picMk id="52" creationId="{4E61533C-A5F7-F3D0-BC80-846DF53371B5}"/>
+          </ac:picMkLst>
+        </pc:picChg>
+        <pc:cxnChg chg="add mod">
+          <ac:chgData name="Baldock, Jeffrey R" userId="408142dd-9c78-4ea0-a9ee-c6293c99b9cc" providerId="ADAL" clId="{6ED2A364-35CF-4D67-81DC-9ACAA2B0C504}" dt="2024-12-17T22:32:44.128" v="3493" actId="1038"/>
+          <ac:cxnSpMkLst>
+            <pc:docMk/>
+            <pc:sldMk cId="1252221003" sldId="260"/>
+            <ac:cxnSpMk id="5" creationId="{63B6712C-5732-FE9F-C4CE-3C3EB97CE856}"/>
+          </ac:cxnSpMkLst>
+        </pc:cxnChg>
+      </pc:sldChg>
+      <pc:sldChg chg="addSp delSp modSp new del mod">
+        <pc:chgData name="Baldock, Jeffrey R" userId="408142dd-9c78-4ea0-a9ee-c6293c99b9cc" providerId="ADAL" clId="{6ED2A364-35CF-4D67-81DC-9ACAA2B0C504}" dt="2024-12-17T23:19:50.554" v="3771" actId="2696"/>
+        <pc:sldMkLst>
+          <pc:docMk/>
+          <pc:sldMk cId="1863209710" sldId="261"/>
+        </pc:sldMkLst>
+        <pc:spChg chg="del mod topLvl">
+          <ac:chgData name="Baldock, Jeffrey R" userId="408142dd-9c78-4ea0-a9ee-c6293c99b9cc" providerId="ADAL" clId="{6ED2A364-35CF-4D67-81DC-9ACAA2B0C504}" dt="2024-12-17T22:33:33.375" v="3495" actId="478"/>
+          <ac:spMkLst>
+            <pc:docMk/>
+            <pc:sldMk cId="1863209710" sldId="261"/>
+            <ac:spMk id="3" creationId="{D623B2E1-D2AC-55B7-20F1-0948D5E5D77F}"/>
+          </ac:spMkLst>
+        </pc:spChg>
+        <pc:spChg chg="del mod topLvl">
+          <ac:chgData name="Baldock, Jeffrey R" userId="408142dd-9c78-4ea0-a9ee-c6293c99b9cc" providerId="ADAL" clId="{6ED2A364-35CF-4D67-81DC-9ACAA2B0C504}" dt="2024-12-17T22:33:33.375" v="3495" actId="478"/>
+          <ac:spMkLst>
+            <pc:docMk/>
+            <pc:sldMk cId="1863209710" sldId="261"/>
+            <ac:spMk id="4" creationId="{E3BB2F3E-BE92-0F60-1BAC-F8B6375F754E}"/>
+          </ac:spMkLst>
+        </pc:spChg>
+        <pc:spChg chg="del mod topLvl">
+          <ac:chgData name="Baldock, Jeffrey R" userId="408142dd-9c78-4ea0-a9ee-c6293c99b9cc" providerId="ADAL" clId="{6ED2A364-35CF-4D67-81DC-9ACAA2B0C504}" dt="2024-12-17T22:33:33.375" v="3495" actId="478"/>
+          <ac:spMkLst>
+            <pc:docMk/>
+            <pc:sldMk cId="1863209710" sldId="261"/>
+            <ac:spMk id="5" creationId="{EA2CA8A1-5187-8921-8408-CF4D78452BA6}"/>
+          </ac:spMkLst>
+        </pc:spChg>
+        <pc:spChg chg="del mod topLvl">
+          <ac:chgData name="Baldock, Jeffrey R" userId="408142dd-9c78-4ea0-a9ee-c6293c99b9cc" providerId="ADAL" clId="{6ED2A364-35CF-4D67-81DC-9ACAA2B0C504}" dt="2024-12-17T22:33:33.375" v="3495" actId="478"/>
+          <ac:spMkLst>
+            <pc:docMk/>
+            <pc:sldMk cId="1863209710" sldId="261"/>
+            <ac:spMk id="6" creationId="{A1A85B65-8737-B1B9-3DB8-C538CF7E8CA3}"/>
+          </ac:spMkLst>
+        </pc:spChg>
+        <pc:spChg chg="del mod topLvl">
+          <ac:chgData name="Baldock, Jeffrey R" userId="408142dd-9c78-4ea0-a9ee-c6293c99b9cc" providerId="ADAL" clId="{6ED2A364-35CF-4D67-81DC-9ACAA2B0C504}" dt="2024-12-17T22:33:33.375" v="3495" actId="478"/>
+          <ac:spMkLst>
+            <pc:docMk/>
+            <pc:sldMk cId="1863209710" sldId="261"/>
+            <ac:spMk id="7" creationId="{767443AB-1089-0189-ADC2-E93DFBEF32A6}"/>
+          </ac:spMkLst>
+        </pc:spChg>
+        <pc:spChg chg="del mod topLvl">
+          <ac:chgData name="Baldock, Jeffrey R" userId="408142dd-9c78-4ea0-a9ee-c6293c99b9cc" providerId="ADAL" clId="{6ED2A364-35CF-4D67-81DC-9ACAA2B0C504}" dt="2024-12-17T22:33:33.375" v="3495" actId="478"/>
+          <ac:spMkLst>
+            <pc:docMk/>
+            <pc:sldMk cId="1863209710" sldId="261"/>
+            <ac:spMk id="8" creationId="{13C3D68E-F730-D59E-8CE2-47EDD90FFB0B}"/>
+          </ac:spMkLst>
+        </pc:spChg>
+        <pc:spChg chg="del mod topLvl">
+          <ac:chgData name="Baldock, Jeffrey R" userId="408142dd-9c78-4ea0-a9ee-c6293c99b9cc" providerId="ADAL" clId="{6ED2A364-35CF-4D67-81DC-9ACAA2B0C504}" dt="2024-12-17T22:33:33.375" v="3495" actId="478"/>
+          <ac:spMkLst>
+            <pc:docMk/>
+            <pc:sldMk cId="1863209710" sldId="261"/>
+            <ac:spMk id="9" creationId="{E66B3004-0C8B-E101-57BC-FC18454A2FAE}"/>
+          </ac:spMkLst>
+        </pc:spChg>
+        <pc:spChg chg="del mod topLvl">
+          <ac:chgData name="Baldock, Jeffrey R" userId="408142dd-9c78-4ea0-a9ee-c6293c99b9cc" providerId="ADAL" clId="{6ED2A364-35CF-4D67-81DC-9ACAA2B0C504}" dt="2024-12-17T22:33:33.375" v="3495" actId="478"/>
+          <ac:spMkLst>
+            <pc:docMk/>
+            <pc:sldMk cId="1863209710" sldId="261"/>
+            <ac:spMk id="10" creationId="{74C13E40-152A-6176-A362-C468334F72EC}"/>
+          </ac:spMkLst>
+        </pc:spChg>
+        <pc:spChg chg="del mod topLvl">
+          <ac:chgData name="Baldock, Jeffrey R" userId="408142dd-9c78-4ea0-a9ee-c6293c99b9cc" providerId="ADAL" clId="{6ED2A364-35CF-4D67-81DC-9ACAA2B0C504}" dt="2024-12-17T22:33:33.375" v="3495" actId="478"/>
+          <ac:spMkLst>
+            <pc:docMk/>
+            <pc:sldMk cId="1863209710" sldId="261"/>
+            <ac:spMk id="14" creationId="{27504E06-7705-702B-25C1-2D1A1890CCC7}"/>
+          </ac:spMkLst>
+        </pc:spChg>
+        <pc:spChg chg="del mod topLvl">
+          <ac:chgData name="Baldock, Jeffrey R" userId="408142dd-9c78-4ea0-a9ee-c6293c99b9cc" providerId="ADAL" clId="{6ED2A364-35CF-4D67-81DC-9ACAA2B0C504}" dt="2024-12-17T22:33:33.375" v="3495" actId="478"/>
+          <ac:spMkLst>
+            <pc:docMk/>
+            <pc:sldMk cId="1863209710" sldId="261"/>
+            <ac:spMk id="15" creationId="{18DAB93A-C254-2D12-6D05-C7033DB350F9}"/>
+          </ac:spMkLst>
+        </pc:spChg>
+        <pc:spChg chg="del mod topLvl">
+          <ac:chgData name="Baldock, Jeffrey R" userId="408142dd-9c78-4ea0-a9ee-c6293c99b9cc" providerId="ADAL" clId="{6ED2A364-35CF-4D67-81DC-9ACAA2B0C504}" dt="2024-12-17T22:33:33.375" v="3495" actId="478"/>
+          <ac:spMkLst>
+            <pc:docMk/>
+            <pc:sldMk cId="1863209710" sldId="261"/>
+            <ac:spMk id="16" creationId="{D19AC33B-84EF-6BE3-0966-E02EC7CDF38B}"/>
+          </ac:spMkLst>
+        </pc:spChg>
+        <pc:spChg chg="del mod topLvl">
+          <ac:chgData name="Baldock, Jeffrey R" userId="408142dd-9c78-4ea0-a9ee-c6293c99b9cc" providerId="ADAL" clId="{6ED2A364-35CF-4D67-81DC-9ACAA2B0C504}" dt="2024-12-17T22:33:33.375" v="3495" actId="478"/>
+          <ac:spMkLst>
+            <pc:docMk/>
+            <pc:sldMk cId="1863209710" sldId="261"/>
+            <ac:spMk id="17" creationId="{5BCFE4C5-FEA0-52C8-0F72-71E920B46574}"/>
+          </ac:spMkLst>
+        </pc:spChg>
+        <pc:spChg chg="del mod topLvl">
+          <ac:chgData name="Baldock, Jeffrey R" userId="408142dd-9c78-4ea0-a9ee-c6293c99b9cc" providerId="ADAL" clId="{6ED2A364-35CF-4D67-81DC-9ACAA2B0C504}" dt="2024-12-17T22:33:33.375" v="3495" actId="478"/>
+          <ac:spMkLst>
+            <pc:docMk/>
+            <pc:sldMk cId="1863209710" sldId="261"/>
+            <ac:spMk id="18" creationId="{3110C2B5-7590-2A09-C8AB-363C6E3625B1}"/>
+          </ac:spMkLst>
+        </pc:spChg>
+        <pc:spChg chg="del mod topLvl">
+          <ac:chgData name="Baldock, Jeffrey R" userId="408142dd-9c78-4ea0-a9ee-c6293c99b9cc" providerId="ADAL" clId="{6ED2A364-35CF-4D67-81DC-9ACAA2B0C504}" dt="2024-12-17T22:33:33.375" v="3495" actId="478"/>
+          <ac:spMkLst>
+            <pc:docMk/>
+            <pc:sldMk cId="1863209710" sldId="261"/>
+            <ac:spMk id="19" creationId="{86160088-F389-9069-A296-BD690F9A734F}"/>
+          </ac:spMkLst>
+        </pc:spChg>
+        <pc:spChg chg="del mod topLvl">
+          <ac:chgData name="Baldock, Jeffrey R" userId="408142dd-9c78-4ea0-a9ee-c6293c99b9cc" providerId="ADAL" clId="{6ED2A364-35CF-4D67-81DC-9ACAA2B0C504}" dt="2024-12-17T22:33:33.375" v="3495" actId="478"/>
+          <ac:spMkLst>
+            <pc:docMk/>
+            <pc:sldMk cId="1863209710" sldId="261"/>
+            <ac:spMk id="23" creationId="{29E931EA-84CA-E022-039F-941095E3911E}"/>
+          </ac:spMkLst>
+        </pc:spChg>
+        <pc:spChg chg="del mod topLvl">
+          <ac:chgData name="Baldock, Jeffrey R" userId="408142dd-9c78-4ea0-a9ee-c6293c99b9cc" providerId="ADAL" clId="{6ED2A364-35CF-4D67-81DC-9ACAA2B0C504}" dt="2024-12-17T22:33:33.375" v="3495" actId="478"/>
+          <ac:spMkLst>
+            <pc:docMk/>
+            <pc:sldMk cId="1863209710" sldId="261"/>
+            <ac:spMk id="24" creationId="{17F2CE5E-00F6-F7B6-8FF4-D9544BB6AEC1}"/>
+          </ac:spMkLst>
+        </pc:spChg>
+        <pc:spChg chg="del mod topLvl">
+          <ac:chgData name="Baldock, Jeffrey R" userId="408142dd-9c78-4ea0-a9ee-c6293c99b9cc" providerId="ADAL" clId="{6ED2A364-35CF-4D67-81DC-9ACAA2B0C504}" dt="2024-12-17T22:33:33.375" v="3495" actId="478"/>
+          <ac:spMkLst>
+            <pc:docMk/>
+            <pc:sldMk cId="1863209710" sldId="261"/>
+            <ac:spMk id="25" creationId="{69ED1218-D5A7-1099-64F8-DC0D95EF6A1B}"/>
+          </ac:spMkLst>
+        </pc:spChg>
+        <pc:spChg chg="del mod topLvl">
+          <ac:chgData name="Baldock, Jeffrey R" userId="408142dd-9c78-4ea0-a9ee-c6293c99b9cc" providerId="ADAL" clId="{6ED2A364-35CF-4D67-81DC-9ACAA2B0C504}" dt="2024-12-17T22:33:33.375" v="3495" actId="478"/>
+          <ac:spMkLst>
+            <pc:docMk/>
+            <pc:sldMk cId="1863209710" sldId="261"/>
+            <ac:spMk id="26" creationId="{08C5B030-A292-B117-3D80-0BEDC89BD95F}"/>
+          </ac:spMkLst>
+        </pc:spChg>
+        <pc:spChg chg="del mod topLvl">
+          <ac:chgData name="Baldock, Jeffrey R" userId="408142dd-9c78-4ea0-a9ee-c6293c99b9cc" providerId="ADAL" clId="{6ED2A364-35CF-4D67-81DC-9ACAA2B0C504}" dt="2024-12-17T22:33:33.375" v="3495" actId="478"/>
+          <ac:spMkLst>
+            <pc:docMk/>
+            <pc:sldMk cId="1863209710" sldId="261"/>
+            <ac:spMk id="27" creationId="{0B661FE4-DF22-1C9C-E35D-822E858D6190}"/>
+          </ac:spMkLst>
+        </pc:spChg>
+        <pc:spChg chg="del mod topLvl">
+          <ac:chgData name="Baldock, Jeffrey R" userId="408142dd-9c78-4ea0-a9ee-c6293c99b9cc" providerId="ADAL" clId="{6ED2A364-35CF-4D67-81DC-9ACAA2B0C504}" dt="2024-12-17T22:33:33.375" v="3495" actId="478"/>
+          <ac:spMkLst>
+            <pc:docMk/>
+            <pc:sldMk cId="1863209710" sldId="261"/>
+            <ac:spMk id="28" creationId="{ED7EEC98-AFEF-2532-AF6F-E0C622074DDA}"/>
+          </ac:spMkLst>
+        </pc:spChg>
+        <pc:spChg chg="del mod topLvl">
+          <ac:chgData name="Baldock, Jeffrey R" userId="408142dd-9c78-4ea0-a9ee-c6293c99b9cc" providerId="ADAL" clId="{6ED2A364-35CF-4D67-81DC-9ACAA2B0C504}" dt="2024-12-17T22:33:33.375" v="3495" actId="478"/>
+          <ac:spMkLst>
+            <pc:docMk/>
+            <pc:sldMk cId="1863209710" sldId="261"/>
+            <ac:spMk id="29" creationId="{27A45FC3-D0E3-5E67-04FF-AEAF6EC042B9}"/>
+          </ac:spMkLst>
+        </pc:spChg>
+        <pc:spChg chg="del mod topLvl">
+          <ac:chgData name="Baldock, Jeffrey R" userId="408142dd-9c78-4ea0-a9ee-c6293c99b9cc" providerId="ADAL" clId="{6ED2A364-35CF-4D67-81DC-9ACAA2B0C504}" dt="2024-12-17T22:33:33.375" v="3495" actId="478"/>
+          <ac:spMkLst>
+            <pc:docMk/>
+            <pc:sldMk cId="1863209710" sldId="261"/>
+            <ac:spMk id="30" creationId="{DA6F6186-8466-87F8-49EF-7C1A63B73FF7}"/>
+          </ac:spMkLst>
+        </pc:spChg>
+        <pc:spChg chg="del mod topLvl">
+          <ac:chgData name="Baldock, Jeffrey R" userId="408142dd-9c78-4ea0-a9ee-c6293c99b9cc" providerId="ADAL" clId="{6ED2A364-35CF-4D67-81DC-9ACAA2B0C504}" dt="2024-12-17T22:33:33.375" v="3495" actId="478"/>
+          <ac:spMkLst>
+            <pc:docMk/>
+            <pc:sldMk cId="1863209710" sldId="261"/>
+            <ac:spMk id="31" creationId="{8FE9666E-8F2A-1BE3-1EF4-03E056D1FD43}"/>
+          </ac:spMkLst>
+        </pc:spChg>
+        <pc:spChg chg="del mod topLvl">
+          <ac:chgData name="Baldock, Jeffrey R" userId="408142dd-9c78-4ea0-a9ee-c6293c99b9cc" providerId="ADAL" clId="{6ED2A364-35CF-4D67-81DC-9ACAA2B0C504}" dt="2024-12-17T22:33:33.375" v="3495" actId="478"/>
+          <ac:spMkLst>
+            <pc:docMk/>
+            <pc:sldMk cId="1863209710" sldId="261"/>
+            <ac:spMk id="32" creationId="{BDF4343C-DF2D-D88E-989B-F7DE7C174617}"/>
+          </ac:spMkLst>
+        </pc:spChg>
+        <pc:spChg chg="del mod topLvl">
+          <ac:chgData name="Baldock, Jeffrey R" userId="408142dd-9c78-4ea0-a9ee-c6293c99b9cc" providerId="ADAL" clId="{6ED2A364-35CF-4D67-81DC-9ACAA2B0C504}" dt="2024-12-17T22:33:33.375" v="3495" actId="478"/>
+          <ac:spMkLst>
+            <pc:docMk/>
+            <pc:sldMk cId="1863209710" sldId="261"/>
+            <ac:spMk id="33" creationId="{27E7D12F-BEDC-6CEB-5B05-7E7346D1F421}"/>
+          </ac:spMkLst>
+        </pc:spChg>
+        <pc:spChg chg="del mod topLvl">
+          <ac:chgData name="Baldock, Jeffrey R" userId="408142dd-9c78-4ea0-a9ee-c6293c99b9cc" providerId="ADAL" clId="{6ED2A364-35CF-4D67-81DC-9ACAA2B0C504}" dt="2024-12-17T22:33:33.375" v="3495" actId="478"/>
+          <ac:spMkLst>
+            <pc:docMk/>
+            <pc:sldMk cId="1863209710" sldId="261"/>
+            <ac:spMk id="34" creationId="{6727D5B6-2E5C-8C83-9345-FDCDC434E2DF}"/>
+          </ac:spMkLst>
+        </pc:spChg>
+        <pc:spChg chg="del mod topLvl">
+          <ac:chgData name="Baldock, Jeffrey R" userId="408142dd-9c78-4ea0-a9ee-c6293c99b9cc" providerId="ADAL" clId="{6ED2A364-35CF-4D67-81DC-9ACAA2B0C504}" dt="2024-12-17T22:33:33.375" v="3495" actId="478"/>
+          <ac:spMkLst>
+            <pc:docMk/>
+            <pc:sldMk cId="1863209710" sldId="261"/>
+            <ac:spMk id="35" creationId="{7DD0ED29-7E63-6D1B-B8CE-CC978C11426F}"/>
+          </ac:spMkLst>
+        </pc:spChg>
+        <pc:spChg chg="del mod topLvl">
+          <ac:chgData name="Baldock, Jeffrey R" userId="408142dd-9c78-4ea0-a9ee-c6293c99b9cc" providerId="ADAL" clId="{6ED2A364-35CF-4D67-81DC-9ACAA2B0C504}" dt="2024-12-17T22:33:33.375" v="3495" actId="478"/>
+          <ac:spMkLst>
+            <pc:docMk/>
+            <pc:sldMk cId="1863209710" sldId="261"/>
+            <ac:spMk id="36" creationId="{8BE09DA0-D1EC-2E80-7B7A-CB793FFE32DE}"/>
+          </ac:spMkLst>
+        </pc:spChg>
+        <pc:spChg chg="del mod topLvl">
+          <ac:chgData name="Baldock, Jeffrey R" userId="408142dd-9c78-4ea0-a9ee-c6293c99b9cc" providerId="ADAL" clId="{6ED2A364-35CF-4D67-81DC-9ACAA2B0C504}" dt="2024-12-17T22:03:07.284" v="3172" actId="478"/>
+          <ac:spMkLst>
+            <pc:docMk/>
+            <pc:sldMk cId="1863209710" sldId="261"/>
+            <ac:spMk id="37" creationId="{2B2B9305-6522-B8B0-4820-6D0F218545E2}"/>
+          </ac:spMkLst>
+        </pc:spChg>
+        <pc:spChg chg="del mod topLvl">
+          <ac:chgData name="Baldock, Jeffrey R" userId="408142dd-9c78-4ea0-a9ee-c6293c99b9cc" providerId="ADAL" clId="{6ED2A364-35CF-4D67-81DC-9ACAA2B0C504}" dt="2024-12-17T22:03:07.284" v="3172" actId="478"/>
+          <ac:spMkLst>
+            <pc:docMk/>
+            <pc:sldMk cId="1863209710" sldId="261"/>
+            <ac:spMk id="40" creationId="{A6BFD157-25BC-4F11-4955-B4B064CF837D}"/>
+          </ac:spMkLst>
+        </pc:spChg>
+        <pc:spChg chg="del mod topLvl">
+          <ac:chgData name="Baldock, Jeffrey R" userId="408142dd-9c78-4ea0-a9ee-c6293c99b9cc" providerId="ADAL" clId="{6ED2A364-35CF-4D67-81DC-9ACAA2B0C504}" dt="2024-12-17T22:03:07.284" v="3172" actId="478"/>
+          <ac:spMkLst>
+            <pc:docMk/>
+            <pc:sldMk cId="1863209710" sldId="261"/>
+            <ac:spMk id="41" creationId="{0782C697-FF2E-ED5F-D129-EBCFE718F4FD}"/>
+          </ac:spMkLst>
+        </pc:spChg>
+        <pc:spChg chg="del mod topLvl">
+          <ac:chgData name="Baldock, Jeffrey R" userId="408142dd-9c78-4ea0-a9ee-c6293c99b9cc" providerId="ADAL" clId="{6ED2A364-35CF-4D67-81DC-9ACAA2B0C504}" dt="2024-12-17T22:03:07.284" v="3172" actId="478"/>
+          <ac:spMkLst>
+            <pc:docMk/>
+            <pc:sldMk cId="1863209710" sldId="261"/>
+            <ac:spMk id="43" creationId="{A5B5E504-CD98-1D0B-68C1-AC6623FFAFCA}"/>
+          </ac:spMkLst>
+        </pc:spChg>
+        <pc:spChg chg="del mod topLvl">
+          <ac:chgData name="Baldock, Jeffrey R" userId="408142dd-9c78-4ea0-a9ee-c6293c99b9cc" providerId="ADAL" clId="{6ED2A364-35CF-4D67-81DC-9ACAA2B0C504}" dt="2024-12-17T22:03:07.284" v="3172" actId="478"/>
+          <ac:spMkLst>
+            <pc:docMk/>
+            <pc:sldMk cId="1863209710" sldId="261"/>
+            <ac:spMk id="44" creationId="{4452EBD1-1590-D137-4A71-58B7C77B34D3}"/>
+          </ac:spMkLst>
+        </pc:spChg>
+        <pc:spChg chg="del mod topLvl">
+          <ac:chgData name="Baldock, Jeffrey R" userId="408142dd-9c78-4ea0-a9ee-c6293c99b9cc" providerId="ADAL" clId="{6ED2A364-35CF-4D67-81DC-9ACAA2B0C504}" dt="2024-12-17T22:03:07.284" v="3172" actId="478"/>
+          <ac:spMkLst>
+            <pc:docMk/>
+            <pc:sldMk cId="1863209710" sldId="261"/>
+            <ac:spMk id="45" creationId="{42D11DE3-4D18-F5E0-AB9C-18E1B925314B}"/>
+          </ac:spMkLst>
+        </pc:spChg>
+        <pc:spChg chg="del mod topLvl">
+          <ac:chgData name="Baldock, Jeffrey R" userId="408142dd-9c78-4ea0-a9ee-c6293c99b9cc" providerId="ADAL" clId="{6ED2A364-35CF-4D67-81DC-9ACAA2B0C504}" dt="2024-12-17T22:03:07.284" v="3172" actId="478"/>
+          <ac:spMkLst>
+            <pc:docMk/>
+            <pc:sldMk cId="1863209710" sldId="261"/>
+            <ac:spMk id="46" creationId="{0E395CDB-416C-91C6-0C17-7957F93008BB}"/>
+          </ac:spMkLst>
+        </pc:spChg>
+        <pc:spChg chg="del mod topLvl">
+          <ac:chgData name="Baldock, Jeffrey R" userId="408142dd-9c78-4ea0-a9ee-c6293c99b9cc" providerId="ADAL" clId="{6ED2A364-35CF-4D67-81DC-9ACAA2B0C504}" dt="2024-12-17T22:03:07.284" v="3172" actId="478"/>
+          <ac:spMkLst>
+            <pc:docMk/>
+            <pc:sldMk cId="1863209710" sldId="261"/>
+            <ac:spMk id="47" creationId="{4978ACAE-C833-5AAA-DA83-A4367E068646}"/>
+          </ac:spMkLst>
+        </pc:spChg>
+        <pc:spChg chg="del mod topLvl">
+          <ac:chgData name="Baldock, Jeffrey R" userId="408142dd-9c78-4ea0-a9ee-c6293c99b9cc" providerId="ADAL" clId="{6ED2A364-35CF-4D67-81DC-9ACAA2B0C504}" dt="2024-12-17T22:03:07.284" v="3172" actId="478"/>
+          <ac:spMkLst>
+            <pc:docMk/>
+            <pc:sldMk cId="1863209710" sldId="261"/>
+            <ac:spMk id="48" creationId="{7B16281B-BC21-C37E-562F-A0054339EBAC}"/>
+          </ac:spMkLst>
+        </pc:spChg>
+        <pc:spChg chg="del mod topLvl">
+          <ac:chgData name="Baldock, Jeffrey R" userId="408142dd-9c78-4ea0-a9ee-c6293c99b9cc" providerId="ADAL" clId="{6ED2A364-35CF-4D67-81DC-9ACAA2B0C504}" dt="2024-12-17T22:03:07.284" v="3172" actId="478"/>
+          <ac:spMkLst>
+            <pc:docMk/>
+            <pc:sldMk cId="1863209710" sldId="261"/>
+            <ac:spMk id="49" creationId="{CD8D7202-71D4-F9C1-EDD6-1BEA941CC661}"/>
+          </ac:spMkLst>
+        </pc:spChg>
+        <pc:spChg chg="del mod topLvl">
+          <ac:chgData name="Baldock, Jeffrey R" userId="408142dd-9c78-4ea0-a9ee-c6293c99b9cc" providerId="ADAL" clId="{6ED2A364-35CF-4D67-81DC-9ACAA2B0C504}" dt="2024-12-17T22:03:07.284" v="3172" actId="478"/>
+          <ac:spMkLst>
+            <pc:docMk/>
+            <pc:sldMk cId="1863209710" sldId="261"/>
+            <ac:spMk id="50" creationId="{FC295478-0389-5B5B-041F-684E7C2397A3}"/>
+          </ac:spMkLst>
+        </pc:spChg>
+        <pc:grpChg chg="add del mod">
+          <ac:chgData name="Baldock, Jeffrey R" userId="408142dd-9c78-4ea0-a9ee-c6293c99b9cc" providerId="ADAL" clId="{6ED2A364-35CF-4D67-81DC-9ACAA2B0C504}" dt="2024-12-17T22:02:58.575" v="3171" actId="165"/>
+          <ac:grpSpMkLst>
+            <pc:docMk/>
+            <pc:sldMk cId="1863209710" sldId="261"/>
+            <ac:grpSpMk id="2" creationId="{4BB08685-5ABB-AAD4-C262-7BAEB338768D}"/>
+          </ac:grpSpMkLst>
+        </pc:grpChg>
+        <pc:picChg chg="add del mod modCrop">
+          <ac:chgData name="Baldock, Jeffrey R" userId="408142dd-9c78-4ea0-a9ee-c6293c99b9cc" providerId="ADAL" clId="{6ED2A364-35CF-4D67-81DC-9ACAA2B0C504}" dt="2024-12-17T22:33:49.687" v="3500" actId="21"/>
+          <ac:picMkLst>
+            <pc:docMk/>
+            <pc:sldMk cId="1863209710" sldId="261"/>
+            <ac:picMk id="52" creationId="{4E61533C-A5F7-F3D0-BC80-846DF53371B5}"/>
+          </ac:picMkLst>
+        </pc:picChg>
+        <pc:cxnChg chg="del mod topLvl">
+          <ac:chgData name="Baldock, Jeffrey R" userId="408142dd-9c78-4ea0-a9ee-c6293c99b9cc" providerId="ADAL" clId="{6ED2A364-35CF-4D67-81DC-9ACAA2B0C504}" dt="2024-12-17T22:33:33.375" v="3495" actId="478"/>
+          <ac:cxnSpMkLst>
+            <pc:docMk/>
+            <pc:sldMk cId="1863209710" sldId="261"/>
+            <ac:cxnSpMk id="11" creationId="{8B91FF12-26C6-AC89-701A-8F7E9C1E769A}"/>
+          </ac:cxnSpMkLst>
+        </pc:cxnChg>
+        <pc:cxnChg chg="del mod topLvl">
+          <ac:chgData name="Baldock, Jeffrey R" userId="408142dd-9c78-4ea0-a9ee-c6293c99b9cc" providerId="ADAL" clId="{6ED2A364-35CF-4D67-81DC-9ACAA2B0C504}" dt="2024-12-17T22:33:33.375" v="3495" actId="478"/>
+          <ac:cxnSpMkLst>
+            <pc:docMk/>
+            <pc:sldMk cId="1863209710" sldId="261"/>
+            <ac:cxnSpMk id="12" creationId="{5B37360D-D506-D556-91CC-92FF6B92FFF2}"/>
+          </ac:cxnSpMkLst>
+        </pc:cxnChg>
+        <pc:cxnChg chg="del mod topLvl">
+          <ac:chgData name="Baldock, Jeffrey R" userId="408142dd-9c78-4ea0-a9ee-c6293c99b9cc" providerId="ADAL" clId="{6ED2A364-35CF-4D67-81DC-9ACAA2B0C504}" dt="2024-12-17T22:33:33.375" v="3495" actId="478"/>
+          <ac:cxnSpMkLst>
+            <pc:docMk/>
+            <pc:sldMk cId="1863209710" sldId="261"/>
+            <ac:cxnSpMk id="13" creationId="{150563DF-A510-8366-AF15-3C8DACAB1AE3}"/>
+          </ac:cxnSpMkLst>
+        </pc:cxnChg>
+        <pc:cxnChg chg="del mod topLvl">
+          <ac:chgData name="Baldock, Jeffrey R" userId="408142dd-9c78-4ea0-a9ee-c6293c99b9cc" providerId="ADAL" clId="{6ED2A364-35CF-4D67-81DC-9ACAA2B0C504}" dt="2024-12-17T22:33:33.375" v="3495" actId="478"/>
+          <ac:cxnSpMkLst>
+            <pc:docMk/>
+            <pc:sldMk cId="1863209710" sldId="261"/>
+            <ac:cxnSpMk id="20" creationId="{1F7C161D-386C-E066-4636-B8CD0A460A32}"/>
+          </ac:cxnSpMkLst>
+        </pc:cxnChg>
+        <pc:cxnChg chg="del mod topLvl">
+          <ac:chgData name="Baldock, Jeffrey R" userId="408142dd-9c78-4ea0-a9ee-c6293c99b9cc" providerId="ADAL" clId="{6ED2A364-35CF-4D67-81DC-9ACAA2B0C504}" dt="2024-12-17T22:33:33.375" v="3495" actId="478"/>
+          <ac:cxnSpMkLst>
+            <pc:docMk/>
+            <pc:sldMk cId="1863209710" sldId="261"/>
+            <ac:cxnSpMk id="21" creationId="{C240B893-FD6F-AC15-A477-B5F7176C0B65}"/>
+          </ac:cxnSpMkLst>
+        </pc:cxnChg>
+        <pc:cxnChg chg="del mod topLvl">
+          <ac:chgData name="Baldock, Jeffrey R" userId="408142dd-9c78-4ea0-a9ee-c6293c99b9cc" providerId="ADAL" clId="{6ED2A364-35CF-4D67-81DC-9ACAA2B0C504}" dt="2024-12-17T22:33:33.375" v="3495" actId="478"/>
+          <ac:cxnSpMkLst>
+            <pc:docMk/>
+            <pc:sldMk cId="1863209710" sldId="261"/>
+            <ac:cxnSpMk id="22" creationId="{B7702E34-00DF-A8AD-27DA-1B1251EC0875}"/>
+          </ac:cxnSpMkLst>
+        </pc:cxnChg>
+        <pc:cxnChg chg="del mod topLvl">
+          <ac:chgData name="Baldock, Jeffrey R" userId="408142dd-9c78-4ea0-a9ee-c6293c99b9cc" providerId="ADAL" clId="{6ED2A364-35CF-4D67-81DC-9ACAA2B0C504}" dt="2024-12-17T22:03:07.284" v="3172" actId="478"/>
+          <ac:cxnSpMkLst>
+            <pc:docMk/>
+            <pc:sldMk cId="1863209710" sldId="261"/>
+            <ac:cxnSpMk id="38" creationId="{94C7765B-9004-BB09-7509-9C3A300916BE}"/>
+          </ac:cxnSpMkLst>
+        </pc:cxnChg>
+        <pc:cxnChg chg="del mod topLvl">
+          <ac:chgData name="Baldock, Jeffrey R" userId="408142dd-9c78-4ea0-a9ee-c6293c99b9cc" providerId="ADAL" clId="{6ED2A364-35CF-4D67-81DC-9ACAA2B0C504}" dt="2024-12-17T22:03:07.284" v="3172" actId="478"/>
+          <ac:cxnSpMkLst>
+            <pc:docMk/>
+            <pc:sldMk cId="1863209710" sldId="261"/>
+            <ac:cxnSpMk id="39" creationId="{48CABA13-D4DA-4174-A299-4884B9AB71B9}"/>
+          </ac:cxnSpMkLst>
+        </pc:cxnChg>
+        <pc:cxnChg chg="del mod topLvl">
+          <ac:chgData name="Baldock, Jeffrey R" userId="408142dd-9c78-4ea0-a9ee-c6293c99b9cc" providerId="ADAL" clId="{6ED2A364-35CF-4D67-81DC-9ACAA2B0C504}" dt="2024-12-17T22:03:07.284" v="3172" actId="478"/>
+          <ac:cxnSpMkLst>
+            <pc:docMk/>
+            <pc:sldMk cId="1863209710" sldId="261"/>
+            <ac:cxnSpMk id="42" creationId="{07A701F1-9F98-A741-8C14-E4B216016A4C}"/>
           </ac:cxnSpMkLst>
         </pc:cxnChg>
       </pc:sldChg>
@@ -2291,7 +2826,7 @@
           <a:p>
             <a:fld id="{096A6FF4-7652-420B-862A-363F45ED38E3}" type="datetimeFigureOut">
               <a:rPr lang="en-US" smtClean="0"/>
-              <a:t>12/4/2024</a:t>
+              <a:t>12/17/2024</a:t>
             </a:fld>
             <a:endParaRPr lang="en-US"/>
           </a:p>
@@ -2489,7 +3024,7 @@
           <a:p>
             <a:fld id="{096A6FF4-7652-420B-862A-363F45ED38E3}" type="datetimeFigureOut">
               <a:rPr lang="en-US" smtClean="0"/>
-              <a:t>12/4/2024</a:t>
+              <a:t>12/17/2024</a:t>
             </a:fld>
             <a:endParaRPr lang="en-US"/>
           </a:p>
@@ -2697,7 +3232,7 @@
           <a:p>
             <a:fld id="{096A6FF4-7652-420B-862A-363F45ED38E3}" type="datetimeFigureOut">
               <a:rPr lang="en-US" smtClean="0"/>
-              <a:t>12/4/2024</a:t>
+              <a:t>12/17/2024</a:t>
             </a:fld>
             <a:endParaRPr lang="en-US"/>
           </a:p>
@@ -2895,7 +3430,7 @@
           <a:p>
             <a:fld id="{096A6FF4-7652-420B-862A-363F45ED38E3}" type="datetimeFigureOut">
               <a:rPr lang="en-US" smtClean="0"/>
-              <a:t>12/4/2024</a:t>
+              <a:t>12/17/2024</a:t>
             </a:fld>
             <a:endParaRPr lang="en-US"/>
           </a:p>
@@ -3170,7 +3705,7 @@
           <a:p>
             <a:fld id="{096A6FF4-7652-420B-862A-363F45ED38E3}" type="datetimeFigureOut">
               <a:rPr lang="en-US" smtClean="0"/>
-              <a:t>12/4/2024</a:t>
+              <a:t>12/17/2024</a:t>
             </a:fld>
             <a:endParaRPr lang="en-US"/>
           </a:p>
@@ -3435,7 +3970,7 @@
           <a:p>
             <a:fld id="{096A6FF4-7652-420B-862A-363F45ED38E3}" type="datetimeFigureOut">
               <a:rPr lang="en-US" smtClean="0"/>
-              <a:t>12/4/2024</a:t>
+              <a:t>12/17/2024</a:t>
             </a:fld>
             <a:endParaRPr lang="en-US"/>
           </a:p>
@@ -3847,7 +4382,7 @@
           <a:p>
             <a:fld id="{096A6FF4-7652-420B-862A-363F45ED38E3}" type="datetimeFigureOut">
               <a:rPr lang="en-US" smtClean="0"/>
-              <a:t>12/4/2024</a:t>
+              <a:t>12/17/2024</a:t>
             </a:fld>
             <a:endParaRPr lang="en-US"/>
           </a:p>
@@ -3988,7 +4523,7 @@
           <a:p>
             <a:fld id="{096A6FF4-7652-420B-862A-363F45ED38E3}" type="datetimeFigureOut">
               <a:rPr lang="en-US" smtClean="0"/>
-              <a:t>12/4/2024</a:t>
+              <a:t>12/17/2024</a:t>
             </a:fld>
             <a:endParaRPr lang="en-US"/>
           </a:p>
@@ -4101,7 +4636,7 @@
           <a:p>
             <a:fld id="{096A6FF4-7652-420B-862A-363F45ED38E3}" type="datetimeFigureOut">
               <a:rPr lang="en-US" smtClean="0"/>
-              <a:t>12/4/2024</a:t>
+              <a:t>12/17/2024</a:t>
             </a:fld>
             <a:endParaRPr lang="en-US"/>
           </a:p>
@@ -4412,7 +4947,7 @@
           <a:p>
             <a:fld id="{096A6FF4-7652-420B-862A-363F45ED38E3}" type="datetimeFigureOut">
               <a:rPr lang="en-US" smtClean="0"/>
-              <a:t>12/4/2024</a:t>
+              <a:t>12/17/2024</a:t>
             </a:fld>
             <a:endParaRPr lang="en-US"/>
           </a:p>
@@ -4700,7 +5235,7 @@
           <a:p>
             <a:fld id="{096A6FF4-7652-420B-862A-363F45ED38E3}" type="datetimeFigureOut">
               <a:rPr lang="en-US" smtClean="0"/>
-              <a:t>12/4/2024</a:t>
+              <a:t>12/17/2024</a:t>
             </a:fld>
             <a:endParaRPr lang="en-US"/>
           </a:p>
@@ -4941,7 +5476,7 @@
           <a:p>
             <a:fld id="{096A6FF4-7652-420B-862A-363F45ED38E3}" type="datetimeFigureOut">
               <a:rPr lang="en-US" smtClean="0"/>
-              <a:t>12/4/2024</a:t>
+              <a:t>12/17/2024</a:t>
             </a:fld>
             <a:endParaRPr lang="en-US"/>
           </a:p>
@@ -16980,6 +17515,5036 @@
 </p:sld>
 </file>
 
+<file path=ppt/slides/slide4.xml><?xml version="1.0" encoding="utf-8"?>
+<p:sld xmlns:a="http://schemas.openxmlformats.org/drawingml/2006/main" xmlns:r="http://schemas.openxmlformats.org/officeDocument/2006/relationships" xmlns:p="http://schemas.openxmlformats.org/presentationml/2006/main">
+  <p:cSld>
+    <p:spTree>
+      <p:nvGrpSpPr>
+        <p:cNvPr id="1" name=""/>
+        <p:cNvGrpSpPr/>
+        <p:nvPr/>
+      </p:nvGrpSpPr>
+      <p:grpSpPr>
+        <a:xfrm>
+          <a:off x="0" y="0"/>
+          <a:ext cx="0" cy="0"/>
+          <a:chOff x="0" y="0"/>
+          <a:chExt cx="0" cy="0"/>
+        </a:xfrm>
+      </p:grpSpPr>
+      <p:pic>
+        <p:nvPicPr>
+          <p:cNvPr id="5" name="Picture 4">
+            <a:extLst>
+              <a:ext uri="{FF2B5EF4-FFF2-40B4-BE49-F238E27FC236}">
+                <a16:creationId xmlns:a16="http://schemas.microsoft.com/office/drawing/2014/main" id="{CCA6337B-5E7C-4776-D214-BF0EB4DCA24E}"/>
+              </a:ext>
+            </a:extLst>
+          </p:cNvPr>
+          <p:cNvPicPr>
+            <a:picLocks noChangeAspect="1"/>
+          </p:cNvPicPr>
+          <p:nvPr/>
+        </p:nvPicPr>
+        <p:blipFill>
+          <a:blip r:embed="rId2"/>
+          <a:stretch>
+            <a:fillRect/>
+          </a:stretch>
+        </p:blipFill>
+        <p:spPr>
+          <a:xfrm>
+            <a:off x="6954997" y="106863"/>
+            <a:ext cx="5160803" cy="6644273"/>
+          </a:xfrm>
+          <a:prstGeom prst="rect">
+            <a:avLst/>
+          </a:prstGeom>
+          <a:ln>
+            <a:solidFill>
+              <a:schemeClr val="tx1"/>
+            </a:solidFill>
+          </a:ln>
+        </p:spPr>
+      </p:pic>
+      <p:pic>
+        <p:nvPicPr>
+          <p:cNvPr id="7" name="Picture 6">
+            <a:extLst>
+              <a:ext uri="{FF2B5EF4-FFF2-40B4-BE49-F238E27FC236}">
+                <a16:creationId xmlns:a16="http://schemas.microsoft.com/office/drawing/2014/main" id="{60051F1C-CAA8-EE2E-E512-E6DD04A5F27F}"/>
+              </a:ext>
+            </a:extLst>
+          </p:cNvPr>
+          <p:cNvPicPr>
+            <a:picLocks noChangeAspect="1"/>
+          </p:cNvPicPr>
+          <p:nvPr/>
+        </p:nvPicPr>
+        <p:blipFill>
+          <a:blip r:embed="rId3"/>
+          <a:stretch>
+            <a:fillRect/>
+          </a:stretch>
+        </p:blipFill>
+        <p:spPr>
+          <a:xfrm>
+            <a:off x="882151" y="701960"/>
+            <a:ext cx="4816520" cy="2967636"/>
+          </a:xfrm>
+          <a:prstGeom prst="rect">
+            <a:avLst/>
+          </a:prstGeom>
+        </p:spPr>
+      </p:pic>
+      <mc:AlternateContent xmlns:mc="http://schemas.openxmlformats.org/markup-compatibility/2006">
+        <mc:Choice xmlns:a14="http://schemas.microsoft.com/office/drawing/2010/main" Requires="a14">
+          <p:sp>
+            <p:nvSpPr>
+              <p:cNvPr id="8" name="TextBox 7">
+                <a:extLst>
+                  <a:ext uri="{FF2B5EF4-FFF2-40B4-BE49-F238E27FC236}">
+                    <a16:creationId xmlns:a16="http://schemas.microsoft.com/office/drawing/2014/main" id="{2A531961-4373-EB58-FF9F-1277522B7C9F}"/>
+                  </a:ext>
+                </a:extLst>
+              </p:cNvPr>
+              <p:cNvSpPr txBox="1"/>
+              <p:nvPr/>
+            </p:nvSpPr>
+            <p:spPr>
+              <a:xfrm>
+                <a:off x="76200" y="4098497"/>
+                <a:ext cx="6636204" cy="2614434"/>
+              </a:xfrm>
+              <a:prstGeom prst="rect">
+                <a:avLst/>
+              </a:prstGeom>
+              <a:noFill/>
+            </p:spPr>
+            <p:txBody>
+              <a:bodyPr wrap="square" rtlCol="0">
+                <a:spAutoFit/>
+              </a:bodyPr>
+              <a:lstStyle/>
+              <a:p>
+                <a:r>
+                  <a:rPr lang="en-US" sz="1600" dirty="0"/>
+                  <a:t>Variance explained by fixed effects: </a:t>
+                </a:r>
+                <a14:m>
+                  <m:oMath xmlns:m="http://schemas.openxmlformats.org/officeDocument/2006/math">
+                    <m:sSub>
+                      <m:sSubPr>
+                        <m:ctrlPr>
+                          <a:rPr lang="en-US" sz="1600" i="1" smtClean="0">
+                            <a:latin typeface="Cambria Math" panose="02040503050406030204" pitchFamily="18" charset="0"/>
+                          </a:rPr>
+                        </m:ctrlPr>
+                      </m:sSubPr>
+                      <m:e>
+                        <m:r>
+                          <a:rPr lang="en-US" sz="1600" b="0" i="1" smtClean="0">
+                            <a:latin typeface="Cambria Math" panose="02040503050406030204" pitchFamily="18" charset="0"/>
+                          </a:rPr>
+                          <m:t>𝑉</m:t>
+                        </m:r>
+                      </m:e>
+                      <m:sub>
+                        <m:r>
+                          <a:rPr lang="en-US" sz="1600" b="0" i="1" smtClean="0">
+                            <a:latin typeface="Cambria Math" panose="02040503050406030204" pitchFamily="18" charset="0"/>
+                          </a:rPr>
+                          <m:t>𝐹</m:t>
+                        </m:r>
+                      </m:sub>
+                    </m:sSub>
+                    <m:r>
+                      <a:rPr lang="en-US" sz="1600" b="0" i="1" smtClean="0">
+                        <a:latin typeface="Cambria Math" panose="02040503050406030204" pitchFamily="18" charset="0"/>
+                      </a:rPr>
+                      <m:t>= </m:t>
+                    </m:r>
+                    <m:sSup>
+                      <m:sSupPr>
+                        <m:ctrlPr>
+                          <a:rPr lang="en-US" sz="1600" b="0" i="1" smtClean="0">
+                            <a:latin typeface="Cambria Math" panose="02040503050406030204" pitchFamily="18" charset="0"/>
+                          </a:rPr>
+                        </m:ctrlPr>
+                      </m:sSupPr>
+                      <m:e>
+                        <m:r>
+                          <a:rPr lang="en-US" sz="1600" b="0" i="1" smtClean="0">
+                            <a:latin typeface="Cambria Math" panose="02040503050406030204" pitchFamily="18" charset="0"/>
+                            <a:ea typeface="Cambria Math" panose="02040503050406030204" pitchFamily="18" charset="0"/>
+                          </a:rPr>
+                          <m:t>𝛽</m:t>
+                        </m:r>
+                      </m:e>
+                      <m:sup>
+                        <m:r>
+                          <a:rPr lang="en-US" sz="1600" b="0" i="1" smtClean="0">
+                            <a:latin typeface="Cambria Math" panose="02040503050406030204" pitchFamily="18" charset="0"/>
+                          </a:rPr>
+                          <m:t>2</m:t>
+                        </m:r>
+                      </m:sup>
+                    </m:sSup>
+                    <m:sSub>
+                      <m:sSubPr>
+                        <m:ctrlPr>
+                          <a:rPr lang="en-US" sz="1600" b="0" i="1" smtClean="0">
+                            <a:latin typeface="Cambria Math" panose="02040503050406030204" pitchFamily="18" charset="0"/>
+                          </a:rPr>
+                        </m:ctrlPr>
+                      </m:sSubPr>
+                      <m:e>
+                        <m:r>
+                          <a:rPr lang="en-US" sz="1600" b="0" i="1" smtClean="0">
+                            <a:latin typeface="Cambria Math" panose="02040503050406030204" pitchFamily="18" charset="0"/>
+                          </a:rPr>
+                          <m:t>𝑉</m:t>
+                        </m:r>
+                      </m:e>
+                      <m:sub>
+                        <m:r>
+                          <a:rPr lang="en-US" sz="1600" b="0" i="1" smtClean="0">
+                            <a:latin typeface="Cambria Math" panose="02040503050406030204" pitchFamily="18" charset="0"/>
+                          </a:rPr>
+                          <m:t>𝑥</m:t>
+                        </m:r>
+                      </m:sub>
+                    </m:sSub>
+                  </m:oMath>
+                </a14:m>
+                <a:r>
+                  <a:rPr lang="en-US" sz="1600" dirty="0"/>
+                  <a:t>  </a:t>
+                </a:r>
+              </a:p>
+              <a:p>
+                <a:endParaRPr lang="en-US" sz="1600" dirty="0"/>
+              </a:p>
+              <a:p>
+                <a:r>
+                  <a:rPr lang="en-US" sz="1600" dirty="0"/>
+                  <a:t>Variance explained by individual, conditional on x: </a:t>
+                </a:r>
+                <a14:m>
+                  <m:oMath xmlns:m="http://schemas.openxmlformats.org/officeDocument/2006/math">
+                    <m:sSub>
+                      <m:sSubPr>
+                        <m:ctrlPr>
+                          <a:rPr lang="en-US" sz="1600" i="1" smtClean="0">
+                            <a:latin typeface="Cambria Math" panose="02040503050406030204" pitchFamily="18" charset="0"/>
+                          </a:rPr>
+                        </m:ctrlPr>
+                      </m:sSubPr>
+                      <m:e>
+                        <m:r>
+                          <a:rPr lang="en-US" sz="1600" b="0" i="1" smtClean="0">
+                            <a:latin typeface="Cambria Math" panose="02040503050406030204" pitchFamily="18" charset="0"/>
+                          </a:rPr>
+                          <m:t>𝑉</m:t>
+                        </m:r>
+                      </m:e>
+                      <m:sub>
+                        <m:r>
+                          <a:rPr lang="en-US" sz="1600" b="0" i="1" smtClean="0">
+                            <a:latin typeface="Cambria Math" panose="02040503050406030204" pitchFamily="18" charset="0"/>
+                          </a:rPr>
+                          <m:t>𝐼</m:t>
+                        </m:r>
+                      </m:sub>
+                    </m:sSub>
+                    <m:r>
+                      <a:rPr lang="en-US" sz="1600" b="0" i="1" smtClean="0">
+                        <a:latin typeface="Cambria Math" panose="02040503050406030204" pitchFamily="18" charset="0"/>
+                      </a:rPr>
+                      <m:t>=</m:t>
+                    </m:r>
+                    <m:sSub>
+                      <m:sSubPr>
+                        <m:ctrlPr>
+                          <a:rPr lang="en-US" sz="1600" b="0" i="1" smtClean="0">
+                            <a:latin typeface="Cambria Math" panose="02040503050406030204" pitchFamily="18" charset="0"/>
+                          </a:rPr>
+                        </m:ctrlPr>
+                      </m:sSubPr>
+                      <m:e>
+                        <m:r>
+                          <a:rPr lang="en-US" sz="1600" b="0" i="1" smtClean="0">
+                            <a:latin typeface="Cambria Math" panose="02040503050406030204" pitchFamily="18" charset="0"/>
+                          </a:rPr>
+                          <m:t>𝑉</m:t>
+                        </m:r>
+                      </m:e>
+                      <m:sub>
+                        <m:r>
+                          <a:rPr lang="en-US" sz="1600" b="0" i="1" smtClean="0">
+                            <a:latin typeface="Cambria Math" panose="02040503050406030204" pitchFamily="18" charset="0"/>
+                          </a:rPr>
+                          <m:t>𝑢</m:t>
+                        </m:r>
+                      </m:sub>
+                    </m:sSub>
+                    <m:r>
+                      <a:rPr lang="en-US" sz="1600" b="0" i="1" smtClean="0">
+                        <a:latin typeface="Cambria Math" panose="02040503050406030204" pitchFamily="18" charset="0"/>
+                      </a:rPr>
+                      <m:t>+</m:t>
+                    </m:r>
+                    <m:sSup>
+                      <m:sSupPr>
+                        <m:ctrlPr>
+                          <a:rPr lang="en-US" sz="1600" b="0" i="1" smtClean="0">
+                            <a:latin typeface="Cambria Math" panose="02040503050406030204" pitchFamily="18" charset="0"/>
+                          </a:rPr>
+                        </m:ctrlPr>
+                      </m:sSupPr>
+                      <m:e>
+                        <m:r>
+                          <a:rPr lang="en-US" sz="1600" b="0" i="1" smtClean="0">
+                            <a:latin typeface="Cambria Math" panose="02040503050406030204" pitchFamily="18" charset="0"/>
+                          </a:rPr>
+                          <m:t>𝑥</m:t>
+                        </m:r>
+                      </m:e>
+                      <m:sup>
+                        <m:r>
+                          <a:rPr lang="en-US" sz="1600" b="0" i="1" smtClean="0">
+                            <a:latin typeface="Cambria Math" panose="02040503050406030204" pitchFamily="18" charset="0"/>
+                          </a:rPr>
+                          <m:t>2</m:t>
+                        </m:r>
+                      </m:sup>
+                    </m:sSup>
+                    <m:sSub>
+                      <m:sSubPr>
+                        <m:ctrlPr>
+                          <a:rPr lang="en-US" sz="1600" i="1">
+                            <a:latin typeface="Cambria Math" panose="02040503050406030204" pitchFamily="18" charset="0"/>
+                          </a:rPr>
+                        </m:ctrlPr>
+                      </m:sSubPr>
+                      <m:e>
+                        <m:r>
+                          <a:rPr lang="en-US" sz="1600" i="1">
+                            <a:latin typeface="Cambria Math" panose="02040503050406030204" pitchFamily="18" charset="0"/>
+                          </a:rPr>
+                          <m:t>𝑉</m:t>
+                        </m:r>
+                      </m:e>
+                      <m:sub>
+                        <m:r>
+                          <a:rPr lang="en-US" sz="1600" b="0" i="1" smtClean="0">
+                            <a:latin typeface="Cambria Math" panose="02040503050406030204" pitchFamily="18" charset="0"/>
+                          </a:rPr>
+                          <m:t>𝑣</m:t>
+                        </m:r>
+                      </m:sub>
+                    </m:sSub>
+                    <m:r>
+                      <a:rPr lang="en-US" sz="1600" b="0" i="1" smtClean="0">
+                        <a:latin typeface="Cambria Math" panose="02040503050406030204" pitchFamily="18" charset="0"/>
+                      </a:rPr>
+                      <m:t>+2</m:t>
+                    </m:r>
+                    <m:r>
+                      <a:rPr lang="en-US" sz="1600" b="0" i="1" smtClean="0">
+                        <a:latin typeface="Cambria Math" panose="02040503050406030204" pitchFamily="18" charset="0"/>
+                      </a:rPr>
+                      <m:t>𝑥</m:t>
+                    </m:r>
+                    <m:sSub>
+                      <m:sSubPr>
+                        <m:ctrlPr>
+                          <a:rPr lang="en-US" sz="1600" i="1">
+                            <a:latin typeface="Cambria Math" panose="02040503050406030204" pitchFamily="18" charset="0"/>
+                          </a:rPr>
+                        </m:ctrlPr>
+                      </m:sSubPr>
+                      <m:e>
+                        <m:r>
+                          <a:rPr lang="en-US" sz="1600" b="0" i="1" smtClean="0">
+                            <a:latin typeface="Cambria Math" panose="02040503050406030204" pitchFamily="18" charset="0"/>
+                          </a:rPr>
+                          <m:t>𝐶</m:t>
+                        </m:r>
+                      </m:e>
+                      <m:sub>
+                        <m:r>
+                          <a:rPr lang="en-US" sz="1600" b="0" i="1" smtClean="0">
+                            <a:latin typeface="Cambria Math" panose="02040503050406030204" pitchFamily="18" charset="0"/>
+                          </a:rPr>
+                          <m:t>𝑢</m:t>
+                        </m:r>
+                        <m:r>
+                          <a:rPr lang="en-US" sz="1600" b="0" i="1" smtClean="0">
+                            <a:latin typeface="Cambria Math" panose="02040503050406030204" pitchFamily="18" charset="0"/>
+                          </a:rPr>
+                          <m:t>,</m:t>
+                        </m:r>
+                        <m:r>
+                          <a:rPr lang="en-US" sz="1600" b="0" i="1" smtClean="0">
+                            <a:latin typeface="Cambria Math" panose="02040503050406030204" pitchFamily="18" charset="0"/>
+                          </a:rPr>
+                          <m:t>𝑣</m:t>
+                        </m:r>
+                      </m:sub>
+                    </m:sSub>
+                  </m:oMath>
+                </a14:m>
+                <a:endParaRPr lang="en-US" sz="1600" dirty="0"/>
+              </a:p>
+              <a:p>
+                <a:r>
+                  <a:rPr lang="en-US" sz="1100" dirty="0"/>
+                  <a:t>(“between-individual variation in average phenotypes is condition on x”)</a:t>
+                </a:r>
+              </a:p>
+              <a:p>
+                <a:endParaRPr lang="en-US" sz="1600" dirty="0"/>
+              </a:p>
+              <a:p>
+                <a:r>
+                  <a:rPr lang="en-US" sz="1600" dirty="0"/>
+                  <a:t>Other variance components: </a:t>
+                </a:r>
+                <a14:m>
+                  <m:oMath xmlns:m="http://schemas.openxmlformats.org/officeDocument/2006/math">
+                    <m:sSub>
+                      <m:sSubPr>
+                        <m:ctrlPr>
+                          <a:rPr lang="en-US" sz="1600" b="0" i="1" smtClean="0">
+                            <a:latin typeface="Cambria Math" panose="02040503050406030204" pitchFamily="18" charset="0"/>
+                          </a:rPr>
+                        </m:ctrlPr>
+                      </m:sSubPr>
+                      <m:e>
+                        <m:r>
+                          <a:rPr lang="en-US" sz="1600" b="0" i="1" smtClean="0">
+                            <a:latin typeface="Cambria Math" panose="02040503050406030204" pitchFamily="18" charset="0"/>
+                          </a:rPr>
+                          <m:t>𝑉</m:t>
+                        </m:r>
+                      </m:e>
+                      <m:sub>
+                        <m:r>
+                          <a:rPr lang="en-US" sz="1600" b="0" i="1" smtClean="0">
+                            <a:latin typeface="Cambria Math" panose="02040503050406030204" pitchFamily="18" charset="0"/>
+                            <a:ea typeface="Cambria Math" panose="02040503050406030204" pitchFamily="18" charset="0"/>
+                          </a:rPr>
+                          <m:t>𝜑</m:t>
+                        </m:r>
+                      </m:sub>
+                    </m:sSub>
+                  </m:oMath>
+                </a14:m>
+                <a:endParaRPr lang="en-US" sz="1600" dirty="0"/>
+              </a:p>
+              <a:p>
+                <a:endParaRPr lang="en-US" sz="1600" dirty="0"/>
+              </a:p>
+              <a:p>
+                <a:r>
+                  <a:rPr lang="en-US" sz="1600" dirty="0"/>
+                  <a:t>Residual variance: </a:t>
+                </a:r>
+                <a14:m>
+                  <m:oMath xmlns:m="http://schemas.openxmlformats.org/officeDocument/2006/math">
+                    <m:sSub>
+                      <m:sSubPr>
+                        <m:ctrlPr>
+                          <a:rPr lang="en-US" sz="1600" b="0" i="1" smtClean="0">
+                            <a:latin typeface="Cambria Math" panose="02040503050406030204" pitchFamily="18" charset="0"/>
+                          </a:rPr>
+                        </m:ctrlPr>
+                      </m:sSubPr>
+                      <m:e>
+                        <m:r>
+                          <a:rPr lang="en-US" sz="1600" b="0" i="1" smtClean="0">
+                            <a:latin typeface="Cambria Math" panose="02040503050406030204" pitchFamily="18" charset="0"/>
+                          </a:rPr>
+                          <m:t>𝑉</m:t>
+                        </m:r>
+                      </m:e>
+                      <m:sub>
+                        <m:r>
+                          <a:rPr lang="en-US" sz="1600" b="0" i="1" smtClean="0">
+                            <a:latin typeface="Cambria Math" panose="02040503050406030204" pitchFamily="18" charset="0"/>
+                          </a:rPr>
+                          <m:t>𝑅</m:t>
+                        </m:r>
+                      </m:sub>
+                    </m:sSub>
+                  </m:oMath>
+                </a14:m>
+                <a:endParaRPr lang="en-US" sz="1600" dirty="0"/>
+              </a:p>
+              <a:p>
+                <a:endParaRPr lang="en-US" sz="1600" dirty="0"/>
+              </a:p>
+              <a:p>
+                <a:r>
+                  <a:rPr lang="en-US" sz="1600" b="1" dirty="0"/>
+                  <a:t>“Phenotypic” variance: </a:t>
+                </a:r>
+                <a14:m>
+                  <m:oMath xmlns:m="http://schemas.openxmlformats.org/officeDocument/2006/math">
+                    <m:sSub>
+                      <m:sSubPr>
+                        <m:ctrlPr>
+                          <a:rPr lang="en-US" sz="1600" b="1" i="1" smtClean="0">
+                            <a:latin typeface="Cambria Math" panose="02040503050406030204" pitchFamily="18" charset="0"/>
+                          </a:rPr>
+                        </m:ctrlPr>
+                      </m:sSubPr>
+                      <m:e>
+                        <m:r>
+                          <a:rPr lang="en-US" sz="1600" b="1" i="1" smtClean="0">
+                            <a:latin typeface="Cambria Math" panose="02040503050406030204" pitchFamily="18" charset="0"/>
+                          </a:rPr>
+                          <m:t>𝑽</m:t>
+                        </m:r>
+                      </m:e>
+                      <m:sub>
+                        <m:r>
+                          <a:rPr lang="en-US" sz="1600" b="1" i="1" smtClean="0">
+                            <a:latin typeface="Cambria Math" panose="02040503050406030204" pitchFamily="18" charset="0"/>
+                          </a:rPr>
+                          <m:t>𝑷</m:t>
+                        </m:r>
+                      </m:sub>
+                    </m:sSub>
+                    <m:r>
+                      <a:rPr lang="en-US" sz="1600" b="1" i="1" smtClean="0">
+                        <a:latin typeface="Cambria Math" panose="02040503050406030204" pitchFamily="18" charset="0"/>
+                      </a:rPr>
+                      <m:t>=</m:t>
+                    </m:r>
+                    <m:sSub>
+                      <m:sSubPr>
+                        <m:ctrlPr>
+                          <a:rPr lang="en-US" sz="1600" b="1" i="1">
+                            <a:latin typeface="Cambria Math" panose="02040503050406030204" pitchFamily="18" charset="0"/>
+                          </a:rPr>
+                        </m:ctrlPr>
+                      </m:sSubPr>
+                      <m:e>
+                        <m:r>
+                          <a:rPr lang="en-US" sz="1600" b="1" i="1">
+                            <a:latin typeface="Cambria Math" panose="02040503050406030204" pitchFamily="18" charset="0"/>
+                          </a:rPr>
+                          <m:t>𝑽</m:t>
+                        </m:r>
+                      </m:e>
+                      <m:sub>
+                        <m:r>
+                          <a:rPr lang="en-US" sz="1600" b="1" i="1">
+                            <a:latin typeface="Cambria Math" panose="02040503050406030204" pitchFamily="18" charset="0"/>
+                          </a:rPr>
+                          <m:t>𝑭</m:t>
+                        </m:r>
+                      </m:sub>
+                    </m:sSub>
+                    <m:r>
+                      <a:rPr lang="en-US" sz="1600" b="1" i="1" smtClean="0">
+                        <a:latin typeface="Cambria Math" panose="02040503050406030204" pitchFamily="18" charset="0"/>
+                      </a:rPr>
+                      <m:t>+</m:t>
+                    </m:r>
+                    <m:sSub>
+                      <m:sSubPr>
+                        <m:ctrlPr>
+                          <a:rPr lang="en-US" sz="1600" b="1" i="1">
+                            <a:latin typeface="Cambria Math" panose="02040503050406030204" pitchFamily="18" charset="0"/>
+                          </a:rPr>
+                        </m:ctrlPr>
+                      </m:sSubPr>
+                      <m:e>
+                        <m:r>
+                          <a:rPr lang="en-US" sz="1600" b="1" i="1">
+                            <a:latin typeface="Cambria Math" panose="02040503050406030204" pitchFamily="18" charset="0"/>
+                          </a:rPr>
+                          <m:t>𝑽</m:t>
+                        </m:r>
+                      </m:e>
+                      <m:sub>
+                        <m:r>
+                          <a:rPr lang="en-US" sz="1600" b="1" i="1" smtClean="0">
+                            <a:latin typeface="Cambria Math" panose="02040503050406030204" pitchFamily="18" charset="0"/>
+                          </a:rPr>
+                          <m:t>𝑰</m:t>
+                        </m:r>
+                      </m:sub>
+                    </m:sSub>
+                    <m:r>
+                      <a:rPr lang="en-US" sz="1600" b="1" i="1" smtClean="0">
+                        <a:latin typeface="Cambria Math" panose="02040503050406030204" pitchFamily="18" charset="0"/>
+                      </a:rPr>
+                      <m:t>+</m:t>
+                    </m:r>
+                    <m:sSub>
+                      <m:sSubPr>
+                        <m:ctrlPr>
+                          <a:rPr lang="en-US" sz="1600" b="1" i="1">
+                            <a:latin typeface="Cambria Math" panose="02040503050406030204" pitchFamily="18" charset="0"/>
+                          </a:rPr>
+                        </m:ctrlPr>
+                      </m:sSubPr>
+                      <m:e>
+                        <m:r>
+                          <a:rPr lang="en-US" sz="1600" b="1" i="1">
+                            <a:latin typeface="Cambria Math" panose="02040503050406030204" pitchFamily="18" charset="0"/>
+                          </a:rPr>
+                          <m:t>𝑽</m:t>
+                        </m:r>
+                      </m:e>
+                      <m:sub>
+                        <m:r>
+                          <a:rPr lang="en-US" sz="1600" b="1" i="1" smtClean="0">
+                            <a:latin typeface="Cambria Math" panose="02040503050406030204" pitchFamily="18" charset="0"/>
+                            <a:ea typeface="Cambria Math" panose="02040503050406030204" pitchFamily="18" charset="0"/>
+                          </a:rPr>
+                          <m:t>𝝋</m:t>
+                        </m:r>
+                      </m:sub>
+                    </m:sSub>
+                    <m:r>
+                      <a:rPr lang="en-US" sz="1600" b="1" i="1" smtClean="0">
+                        <a:latin typeface="Cambria Math" panose="02040503050406030204" pitchFamily="18" charset="0"/>
+                      </a:rPr>
+                      <m:t>+</m:t>
+                    </m:r>
+                    <m:sSub>
+                      <m:sSubPr>
+                        <m:ctrlPr>
+                          <a:rPr lang="en-US" sz="1600" b="1" i="1">
+                            <a:latin typeface="Cambria Math" panose="02040503050406030204" pitchFamily="18" charset="0"/>
+                          </a:rPr>
+                        </m:ctrlPr>
+                      </m:sSubPr>
+                      <m:e>
+                        <m:r>
+                          <a:rPr lang="en-US" sz="1600" b="1" i="1">
+                            <a:latin typeface="Cambria Math" panose="02040503050406030204" pitchFamily="18" charset="0"/>
+                          </a:rPr>
+                          <m:t>𝑽</m:t>
+                        </m:r>
+                      </m:e>
+                      <m:sub>
+                        <m:r>
+                          <a:rPr lang="en-US" sz="1600" b="1" i="1" smtClean="0">
+                            <a:latin typeface="Cambria Math" panose="02040503050406030204" pitchFamily="18" charset="0"/>
+                          </a:rPr>
+                          <m:t>𝑹</m:t>
+                        </m:r>
+                      </m:sub>
+                    </m:sSub>
+                  </m:oMath>
+                </a14:m>
+                <a:endParaRPr lang="en-US" sz="1600" b="1" dirty="0"/>
+              </a:p>
+            </p:txBody>
+          </p:sp>
+        </mc:Choice>
+        <mc:Fallback>
+          <p:sp>
+            <p:nvSpPr>
+              <p:cNvPr id="8" name="TextBox 7">
+                <a:extLst>
+                  <a:ext uri="{FF2B5EF4-FFF2-40B4-BE49-F238E27FC236}">
+                    <a16:creationId xmlns:a16="http://schemas.microsoft.com/office/drawing/2014/main" id="{2A531961-4373-EB58-FF9F-1277522B7C9F}"/>
+                  </a:ext>
+                </a:extLst>
+              </p:cNvPr>
+              <p:cNvSpPr txBox="1">
+                <a:spLocks noRot="1" noChangeAspect="1" noMove="1" noResize="1" noEditPoints="1" noAdjustHandles="1" noChangeArrowheads="1" noChangeShapeType="1" noTextEdit="1"/>
+              </p:cNvSpPr>
+              <p:nvPr/>
+            </p:nvSpPr>
+            <p:spPr>
+              <a:xfrm>
+                <a:off x="76200" y="4098497"/>
+                <a:ext cx="6636204" cy="2614434"/>
+              </a:xfrm>
+              <a:prstGeom prst="rect">
+                <a:avLst/>
+              </a:prstGeom>
+              <a:blipFill>
+                <a:blip r:embed="rId4"/>
+                <a:stretch>
+                  <a:fillRect l="-551" t="-699"/>
+                </a:stretch>
+              </a:blipFill>
+            </p:spPr>
+            <p:txBody>
+              <a:bodyPr/>
+              <a:lstStyle/>
+              <a:p>
+                <a:r>
+                  <a:rPr lang="en-US">
+                    <a:noFill/>
+                  </a:rPr>
+                  <a:t> </a:t>
+                </a:r>
+              </a:p>
+            </p:txBody>
+          </p:sp>
+        </mc:Fallback>
+      </mc:AlternateContent>
+      <p:sp>
+        <p:nvSpPr>
+          <p:cNvPr id="9" name="TextBox 8">
+            <a:extLst>
+              <a:ext uri="{FF2B5EF4-FFF2-40B4-BE49-F238E27FC236}">
+                <a16:creationId xmlns:a16="http://schemas.microsoft.com/office/drawing/2014/main" id="{AFBB93E6-A6C7-1FBF-7B2A-330DDAB06F83}"/>
+              </a:ext>
+            </a:extLst>
+          </p:cNvPr>
+          <p:cNvSpPr txBox="1"/>
+          <p:nvPr/>
+        </p:nvSpPr>
+        <p:spPr>
+          <a:xfrm>
+            <a:off x="76200" y="106863"/>
+            <a:ext cx="6749143" cy="369332"/>
+          </a:xfrm>
+          <a:prstGeom prst="rect">
+            <a:avLst/>
+          </a:prstGeom>
+          <a:noFill/>
+        </p:spPr>
+        <p:txBody>
+          <a:bodyPr wrap="square" rtlCol="0">
+            <a:spAutoFit/>
+          </a:bodyPr>
+          <a:lstStyle/>
+          <a:p>
+            <a:r>
+              <a:rPr lang="en-US" b="1" dirty="0"/>
+              <a:t>Random intercept, random slope model (with correlation structure):</a:t>
+            </a:r>
+          </a:p>
+        </p:txBody>
+      </p:sp>
+    </p:spTree>
+    <p:extLst>
+      <p:ext uri="{BB962C8B-B14F-4D97-AF65-F5344CB8AC3E}">
+        <p14:creationId xmlns:p14="http://schemas.microsoft.com/office/powerpoint/2010/main" val="306170294"/>
+      </p:ext>
+    </p:extLst>
+  </p:cSld>
+  <p:clrMapOvr>
+    <a:masterClrMapping/>
+  </p:clrMapOvr>
+</p:sld>
+</file>
+
+<file path=ppt/slides/slide5.xml><?xml version="1.0" encoding="utf-8"?>
+<p:sld xmlns:a="http://schemas.openxmlformats.org/drawingml/2006/main" xmlns:r="http://schemas.openxmlformats.org/officeDocument/2006/relationships" xmlns:p="http://schemas.openxmlformats.org/presentationml/2006/main">
+  <p:cSld>
+    <p:spTree>
+      <p:nvGrpSpPr>
+        <p:cNvPr id="1" name=""/>
+        <p:cNvGrpSpPr/>
+        <p:nvPr/>
+      </p:nvGrpSpPr>
+      <p:grpSpPr>
+        <a:xfrm>
+          <a:off x="0" y="0"/>
+          <a:ext cx="0" cy="0"/>
+          <a:chOff x="0" y="0"/>
+          <a:chExt cx="0" cy="0"/>
+        </a:xfrm>
+      </p:grpSpPr>
+      <mc:AlternateContent xmlns:mc="http://schemas.openxmlformats.org/markup-compatibility/2006">
+        <mc:Choice xmlns:a14="http://schemas.microsoft.com/office/drawing/2010/main" Requires="a14">
+          <p:sp>
+            <p:nvSpPr>
+              <p:cNvPr id="2" name="TextBox 1">
+                <a:extLst>
+                  <a:ext uri="{FF2B5EF4-FFF2-40B4-BE49-F238E27FC236}">
+                    <a16:creationId xmlns:a16="http://schemas.microsoft.com/office/drawing/2014/main" id="{22EE6A7C-B0E6-530D-1B1F-F97B3C176468}"/>
+                  </a:ext>
+                </a:extLst>
+              </p:cNvPr>
+              <p:cNvSpPr txBox="1"/>
+              <p:nvPr/>
+            </p:nvSpPr>
+            <p:spPr>
+              <a:xfrm>
+                <a:off x="-90054" y="169564"/>
+                <a:ext cx="4344907" cy="5888407"/>
+              </a:xfrm>
+              <a:prstGeom prst="rect">
+                <a:avLst/>
+              </a:prstGeom>
+              <a:noFill/>
+            </p:spPr>
+            <p:txBody>
+              <a:bodyPr wrap="none" lIns="0" tIns="0" rIns="0" bIns="0" rtlCol="0">
+                <a:spAutoFit/>
+              </a:bodyPr>
+              <a:lstStyle/>
+              <a:p>
+                <a14:m>
+                  <m:oMathPara xmlns:m="http://schemas.openxmlformats.org/officeDocument/2006/math">
+                    <m:oMathParaPr>
+                      <m:jc m:val="centerGroup"/>
+                    </m:oMathParaPr>
+                    <m:oMath xmlns:m="http://schemas.openxmlformats.org/officeDocument/2006/math">
+                      <m:sSub>
+                        <m:sSubPr>
+                          <m:ctrlPr>
+                            <a:rPr lang="en-US" sz="1050" i="1" smtClean="0">
+                              <a:latin typeface="Cambria Math" panose="02040503050406030204" pitchFamily="18" charset="0"/>
+                            </a:rPr>
+                          </m:ctrlPr>
+                        </m:sSubPr>
+                        <m:e>
+                          <m:r>
+                            <a:rPr lang="en-US" sz="1050" b="0" i="1" smtClean="0">
+                              <a:latin typeface="Cambria Math" panose="02040503050406030204" pitchFamily="18" charset="0"/>
+                            </a:rPr>
+                            <m:t>𝑔</m:t>
+                          </m:r>
+                        </m:e>
+                        <m:sub>
+                          <m:r>
+                            <a:rPr lang="en-US" sz="1050" b="0" i="1" smtClean="0">
+                              <a:latin typeface="Cambria Math" panose="02040503050406030204" pitchFamily="18" charset="0"/>
+                            </a:rPr>
+                            <m:t>𝑖𝑗</m:t>
+                          </m:r>
+                        </m:sub>
+                      </m:sSub>
+                      <m:r>
+                        <a:rPr lang="en-US" sz="1050" b="0" i="1" smtClean="0">
+                          <a:latin typeface="Cambria Math" panose="02040503050406030204" pitchFamily="18" charset="0"/>
+                        </a:rPr>
+                        <m:t> ~ </m:t>
+                      </m:r>
+                      <m:r>
+                        <a:rPr lang="en-US" sz="1050" b="0" i="1" smtClean="0">
+                          <a:latin typeface="Cambria Math" panose="02040503050406030204" pitchFamily="18" charset="0"/>
+                        </a:rPr>
+                        <m:t>𝑁</m:t>
+                      </m:r>
+                      <m:d>
+                        <m:dPr>
+                          <m:ctrlPr>
+                            <a:rPr lang="en-US" sz="1050" b="0" i="1" smtClean="0">
+                              <a:latin typeface="Cambria Math" panose="02040503050406030204" pitchFamily="18" charset="0"/>
+                            </a:rPr>
+                          </m:ctrlPr>
+                        </m:dPr>
+                        <m:e>
+                          <m:sSub>
+                            <m:sSubPr>
+                              <m:ctrlPr>
+                                <a:rPr lang="en-US" sz="1050" b="0" i="1" smtClean="0">
+                                  <a:latin typeface="Cambria Math" panose="02040503050406030204" pitchFamily="18" charset="0"/>
+                                </a:rPr>
+                              </m:ctrlPr>
+                            </m:sSubPr>
+                            <m:e>
+                              <m:acc>
+                                <m:accPr>
+                                  <m:chr m:val="̂"/>
+                                  <m:ctrlPr>
+                                    <a:rPr lang="en-US" sz="1050" b="0" i="1" smtClean="0">
+                                      <a:latin typeface="Cambria Math" panose="02040503050406030204" pitchFamily="18" charset="0"/>
+                                    </a:rPr>
+                                  </m:ctrlPr>
+                                </m:accPr>
+                                <m:e>
+                                  <m:r>
+                                    <a:rPr lang="en-US" sz="1050" b="0" i="1" smtClean="0">
+                                      <a:latin typeface="Cambria Math" panose="02040503050406030204" pitchFamily="18" charset="0"/>
+                                    </a:rPr>
+                                    <m:t>𝑔</m:t>
+                                  </m:r>
+                                </m:e>
+                              </m:acc>
+                            </m:e>
+                            <m:sub>
+                              <m:r>
+                                <a:rPr lang="en-US" sz="1050" b="0" i="1" smtClean="0">
+                                  <a:latin typeface="Cambria Math" panose="02040503050406030204" pitchFamily="18" charset="0"/>
+                                </a:rPr>
+                                <m:t>𝑖𝑗</m:t>
+                              </m:r>
+                            </m:sub>
+                          </m:sSub>
+                          <m:r>
+                            <a:rPr lang="en-US" sz="1050" b="0" i="1" smtClean="0">
+                              <a:latin typeface="Cambria Math" panose="02040503050406030204" pitchFamily="18" charset="0"/>
+                            </a:rPr>
+                            <m:t>, </m:t>
+                          </m:r>
+                          <m:sSub>
+                            <m:sSubPr>
+                              <m:ctrlPr>
+                                <a:rPr lang="en-US" sz="1050" b="0" i="1" smtClean="0">
+                                  <a:latin typeface="Cambria Math" panose="02040503050406030204" pitchFamily="18" charset="0"/>
+                                </a:rPr>
+                              </m:ctrlPr>
+                            </m:sSubPr>
+                            <m:e>
+                              <m:r>
+                                <a:rPr lang="en-US" sz="1050" b="0" i="1" smtClean="0">
+                                  <a:latin typeface="Cambria Math" panose="02040503050406030204" pitchFamily="18" charset="0"/>
+                                </a:rPr>
+                                <m:t>𝑠𝑖𝑔𝑚𝑎</m:t>
+                              </m:r>
+                            </m:e>
+                            <m:sub>
+                              <m:r>
+                                <a:rPr lang="en-US" sz="1050" b="0" i="1" smtClean="0">
+                                  <a:latin typeface="Cambria Math" panose="02040503050406030204" pitchFamily="18" charset="0"/>
+                                </a:rPr>
+                                <m:t>𝑖𝑗</m:t>
+                              </m:r>
+                            </m:sub>
+                          </m:sSub>
+                        </m:e>
+                      </m:d>
+                    </m:oMath>
+                  </m:oMathPara>
+                </a14:m>
+                <a:endParaRPr lang="en-US" sz="1050" b="0" dirty="0"/>
+              </a:p>
+              <a:p>
+                <a:endParaRPr lang="en-US" sz="1050" dirty="0"/>
+              </a:p>
+              <a:p>
+                <a:endParaRPr lang="en-US" sz="1050" dirty="0"/>
+              </a:p>
+              <a:p>
+                <a14:m>
+                  <m:oMathPara xmlns:m="http://schemas.openxmlformats.org/officeDocument/2006/math">
+                    <m:oMathParaPr>
+                      <m:jc m:val="centerGroup"/>
+                    </m:oMathParaPr>
+                    <m:oMath xmlns:m="http://schemas.openxmlformats.org/officeDocument/2006/math">
+                      <m:sSub>
+                        <m:sSubPr>
+                          <m:ctrlPr>
+                            <a:rPr lang="en-US" sz="1050" b="0" i="1" smtClean="0">
+                              <a:latin typeface="Cambria Math" panose="02040503050406030204" pitchFamily="18" charset="0"/>
+                            </a:rPr>
+                          </m:ctrlPr>
+                        </m:sSubPr>
+                        <m:e>
+                          <m:acc>
+                            <m:accPr>
+                              <m:chr m:val="̂"/>
+                              <m:ctrlPr>
+                                <a:rPr lang="en-US" sz="1050" b="0" i="1" smtClean="0">
+                                  <a:latin typeface="Cambria Math" panose="02040503050406030204" pitchFamily="18" charset="0"/>
+                                </a:rPr>
+                              </m:ctrlPr>
+                            </m:accPr>
+                            <m:e>
+                              <m:r>
+                                <a:rPr lang="en-US" sz="1050" b="0" i="1" smtClean="0">
+                                  <a:latin typeface="Cambria Math" panose="02040503050406030204" pitchFamily="18" charset="0"/>
+                                </a:rPr>
+                                <m:t>𝑔</m:t>
+                              </m:r>
+                            </m:e>
+                          </m:acc>
+                        </m:e>
+                        <m:sub>
+                          <m:r>
+                            <a:rPr lang="en-US" sz="1050" b="0" i="1" smtClean="0">
+                              <a:latin typeface="Cambria Math" panose="02040503050406030204" pitchFamily="18" charset="0"/>
+                            </a:rPr>
+                            <m:t>𝑖𝑗</m:t>
+                          </m:r>
+                        </m:sub>
+                      </m:sSub>
+                      <m:r>
+                        <a:rPr lang="en-US" sz="1050" b="0" i="1" smtClean="0">
+                          <a:latin typeface="Cambria Math" panose="02040503050406030204" pitchFamily="18" charset="0"/>
+                        </a:rPr>
+                        <m:t>=</m:t>
+                      </m:r>
+                      <m:sSub>
+                        <m:sSubPr>
+                          <m:ctrlPr>
+                            <a:rPr lang="en-US" sz="1050" b="0" i="1" smtClean="0">
+                              <a:latin typeface="Cambria Math" panose="02040503050406030204" pitchFamily="18" charset="0"/>
+                            </a:rPr>
+                          </m:ctrlPr>
+                        </m:sSubPr>
+                        <m:e>
+                          <m:r>
+                            <a:rPr lang="en-US" sz="1050" b="0" i="1" smtClean="0">
+                              <a:latin typeface="Cambria Math" panose="02040503050406030204" pitchFamily="18" charset="0"/>
+                            </a:rPr>
+                            <m:t>𝑎𝑙𝑝h𝑎</m:t>
+                          </m:r>
+                        </m:e>
+                        <m:sub>
+                          <m:r>
+                            <a:rPr lang="en-US" sz="1050" b="0" i="1" smtClean="0">
+                              <a:latin typeface="Cambria Math" panose="02040503050406030204" pitchFamily="18" charset="0"/>
+                            </a:rPr>
+                            <m:t>𝑖</m:t>
+                          </m:r>
+                        </m:sub>
+                      </m:sSub>
+                      <m:r>
+                        <a:rPr lang="en-US" sz="1050" b="0" i="1" smtClean="0">
+                          <a:latin typeface="Cambria Math" panose="02040503050406030204" pitchFamily="18" charset="0"/>
+                        </a:rPr>
+                        <m:t>+</m:t>
+                      </m:r>
+                      <m:sSub>
+                        <m:sSubPr>
+                          <m:ctrlPr>
+                            <a:rPr lang="en-US" sz="1050" b="0" i="1" smtClean="0">
+                              <a:latin typeface="Cambria Math" panose="02040503050406030204" pitchFamily="18" charset="0"/>
+                            </a:rPr>
+                          </m:ctrlPr>
+                        </m:sSubPr>
+                        <m:e>
+                          <m:r>
+                            <a:rPr lang="en-US" sz="1050" b="0" i="1" smtClean="0">
+                              <a:latin typeface="Cambria Math" panose="02040503050406030204" pitchFamily="18" charset="0"/>
+                            </a:rPr>
+                            <m:t>𝑏𝑒𝑡𝑎</m:t>
+                          </m:r>
+                        </m:e>
+                        <m:sub>
+                          <m:r>
+                            <a:rPr lang="en-US" sz="1050" b="0" i="1" smtClean="0">
+                              <a:latin typeface="Cambria Math" panose="02040503050406030204" pitchFamily="18" charset="0"/>
+                            </a:rPr>
+                            <m:t>𝑖</m:t>
+                          </m:r>
+                        </m:sub>
+                      </m:sSub>
+                      <m:sSub>
+                        <m:sSubPr>
+                          <m:ctrlPr>
+                            <a:rPr lang="en-US" sz="1050" b="0" i="1" smtClean="0">
+                              <a:latin typeface="Cambria Math" panose="02040503050406030204" pitchFamily="18" charset="0"/>
+                            </a:rPr>
+                          </m:ctrlPr>
+                        </m:sSubPr>
+                        <m:e>
+                          <m:r>
+                            <a:rPr lang="en-US" sz="1050" b="0" i="1" smtClean="0">
+                              <a:latin typeface="Cambria Math" panose="02040503050406030204" pitchFamily="18" charset="0"/>
+                            </a:rPr>
+                            <m:t>𝐺</m:t>
+                          </m:r>
+                        </m:e>
+                        <m:sub>
+                          <m:r>
+                            <a:rPr lang="en-US" sz="1050" b="0" i="1" smtClean="0">
+                              <a:latin typeface="Cambria Math" panose="02040503050406030204" pitchFamily="18" charset="0"/>
+                            </a:rPr>
+                            <m:t>𝑖𝑗</m:t>
+                          </m:r>
+                        </m:sub>
+                      </m:sSub>
+                    </m:oMath>
+                  </m:oMathPara>
+                </a14:m>
+                <a:endParaRPr lang="en-US" sz="1050" b="0" dirty="0"/>
+              </a:p>
+              <a:p>
+                <a:endParaRPr lang="en-US" sz="1050" dirty="0"/>
+              </a:p>
+              <a:p>
+                <a:endParaRPr lang="en-US" sz="1050" dirty="0"/>
+              </a:p>
+              <a:p>
+                <a14:m>
+                  <m:oMathPara xmlns:m="http://schemas.openxmlformats.org/officeDocument/2006/math">
+                    <m:oMathParaPr>
+                      <m:jc m:val="centerGroup"/>
+                    </m:oMathParaPr>
+                    <m:oMath xmlns:m="http://schemas.openxmlformats.org/officeDocument/2006/math">
+                      <m:func>
+                        <m:funcPr>
+                          <m:ctrlPr>
+                            <a:rPr lang="en-US" sz="1050" i="1" smtClean="0">
+                              <a:latin typeface="Cambria Math" panose="02040503050406030204" pitchFamily="18" charset="0"/>
+                            </a:rPr>
+                          </m:ctrlPr>
+                        </m:funcPr>
+                        <m:fName>
+                          <m:r>
+                            <m:rPr>
+                              <m:sty m:val="p"/>
+                            </m:rPr>
+                            <a:rPr lang="en-US" sz="1050" i="0" smtClean="0">
+                              <a:latin typeface="Cambria Math" panose="02040503050406030204" pitchFamily="18" charset="0"/>
+                            </a:rPr>
+                            <m:t>ln</m:t>
+                          </m:r>
+                        </m:fName>
+                        <m:e>
+                          <m:r>
+                            <a:rPr lang="en-US" sz="1050" b="0" i="1" smtClean="0">
+                              <a:latin typeface="Cambria Math" panose="02040503050406030204" pitchFamily="18" charset="0"/>
+                            </a:rPr>
+                            <m:t>(</m:t>
+                          </m:r>
+                          <m:sSub>
+                            <m:sSubPr>
+                              <m:ctrlPr>
+                                <a:rPr lang="en-US" sz="1050" i="1">
+                                  <a:latin typeface="Cambria Math" panose="02040503050406030204" pitchFamily="18" charset="0"/>
+                                </a:rPr>
+                              </m:ctrlPr>
+                            </m:sSubPr>
+                            <m:e>
+                              <m:r>
+                                <a:rPr lang="en-US" sz="1050" b="0" i="1" smtClean="0">
+                                  <a:latin typeface="Cambria Math" panose="02040503050406030204" pitchFamily="18" charset="0"/>
+                                </a:rPr>
+                                <m:t>𝑠𝑖𝑔𝑚𝑎</m:t>
+                              </m:r>
+                            </m:e>
+                            <m:sub>
+                              <m:r>
+                                <a:rPr lang="en-US" sz="1050" i="1">
+                                  <a:latin typeface="Cambria Math" panose="02040503050406030204" pitchFamily="18" charset="0"/>
+                                </a:rPr>
+                                <m:t>𝑖𝑗</m:t>
+                              </m:r>
+                            </m:sub>
+                          </m:sSub>
+                          <m:r>
+                            <a:rPr lang="en-US" sz="1050" b="0" i="1" smtClean="0">
+                              <a:latin typeface="Cambria Math" panose="02040503050406030204" pitchFamily="18" charset="0"/>
+                            </a:rPr>
+                            <m:t>)</m:t>
+                          </m:r>
+                        </m:e>
+                      </m:func>
+                      <m:r>
+                        <a:rPr lang="en-US" sz="1050" b="0" i="1" smtClean="0">
+                          <a:latin typeface="Cambria Math" panose="02040503050406030204" pitchFamily="18" charset="0"/>
+                        </a:rPr>
+                        <m:t>=</m:t>
+                      </m:r>
+                      <m:sSub>
+                        <m:sSubPr>
+                          <m:ctrlPr>
+                            <a:rPr lang="en-US" sz="1050" i="1">
+                              <a:latin typeface="Cambria Math" panose="02040503050406030204" pitchFamily="18" charset="0"/>
+                            </a:rPr>
+                          </m:ctrlPr>
+                        </m:sSubPr>
+                        <m:e>
+                          <m:r>
+                            <a:rPr lang="en-US" sz="1050" b="0" i="1" smtClean="0">
+                              <a:latin typeface="Cambria Math" panose="02040503050406030204" pitchFamily="18" charset="0"/>
+                            </a:rPr>
+                            <m:t>𝑠𝑖𝑔</m:t>
+                          </m:r>
+                          <m:r>
+                            <a:rPr lang="en-US" sz="1050" b="0" i="1" smtClean="0">
+                              <a:latin typeface="Cambria Math" panose="02040503050406030204" pitchFamily="18" charset="0"/>
+                            </a:rPr>
+                            <m:t>.</m:t>
+                          </m:r>
+                          <m:r>
+                            <a:rPr lang="en-US" sz="1050" i="1">
+                              <a:latin typeface="Cambria Math" panose="02040503050406030204" pitchFamily="18" charset="0"/>
+                            </a:rPr>
+                            <m:t>𝑎𝑙𝑝h𝑎</m:t>
+                          </m:r>
+                        </m:e>
+                        <m:sub>
+                          <m:r>
+                            <a:rPr lang="en-US" sz="1050" i="1">
+                              <a:latin typeface="Cambria Math" panose="02040503050406030204" pitchFamily="18" charset="0"/>
+                            </a:rPr>
+                            <m:t>𝑖</m:t>
+                          </m:r>
+                        </m:sub>
+                      </m:sSub>
+                      <m:r>
+                        <a:rPr lang="en-US" sz="1050" i="1">
+                          <a:latin typeface="Cambria Math" panose="02040503050406030204" pitchFamily="18" charset="0"/>
+                        </a:rPr>
+                        <m:t>+</m:t>
+                      </m:r>
+                      <m:sSub>
+                        <m:sSubPr>
+                          <m:ctrlPr>
+                            <a:rPr lang="en-US" sz="1050" i="1">
+                              <a:latin typeface="Cambria Math" panose="02040503050406030204" pitchFamily="18" charset="0"/>
+                            </a:rPr>
+                          </m:ctrlPr>
+                        </m:sSubPr>
+                        <m:e>
+                          <m:r>
+                            <a:rPr lang="en-US" sz="1050" b="0" i="1" smtClean="0">
+                              <a:latin typeface="Cambria Math" panose="02040503050406030204" pitchFamily="18" charset="0"/>
+                            </a:rPr>
+                            <m:t>𝑠𝑖𝑔</m:t>
+                          </m:r>
+                          <m:r>
+                            <a:rPr lang="en-US" sz="1050" b="0" i="1" smtClean="0">
+                              <a:latin typeface="Cambria Math" panose="02040503050406030204" pitchFamily="18" charset="0"/>
+                            </a:rPr>
+                            <m:t>.</m:t>
+                          </m:r>
+                          <m:r>
+                            <a:rPr lang="en-US" sz="1050" i="1">
+                              <a:latin typeface="Cambria Math" panose="02040503050406030204" pitchFamily="18" charset="0"/>
+                            </a:rPr>
+                            <m:t>𝑏𝑒𝑡𝑎</m:t>
+                          </m:r>
+                        </m:e>
+                        <m:sub>
+                          <m:r>
+                            <a:rPr lang="en-US" sz="1050" i="1">
+                              <a:latin typeface="Cambria Math" panose="02040503050406030204" pitchFamily="18" charset="0"/>
+                            </a:rPr>
+                            <m:t>𝑖</m:t>
+                          </m:r>
+                        </m:sub>
+                      </m:sSub>
+                      <m:sSub>
+                        <m:sSubPr>
+                          <m:ctrlPr>
+                            <a:rPr lang="en-US" sz="1050" i="1">
+                              <a:latin typeface="Cambria Math" panose="02040503050406030204" pitchFamily="18" charset="0"/>
+                            </a:rPr>
+                          </m:ctrlPr>
+                        </m:sSubPr>
+                        <m:e>
+                          <m:r>
+                            <a:rPr lang="en-US" sz="1050" i="1">
+                              <a:latin typeface="Cambria Math" panose="02040503050406030204" pitchFamily="18" charset="0"/>
+                            </a:rPr>
+                            <m:t>𝐺</m:t>
+                          </m:r>
+                        </m:e>
+                        <m:sub>
+                          <m:r>
+                            <a:rPr lang="en-US" sz="1050" i="1">
+                              <a:latin typeface="Cambria Math" panose="02040503050406030204" pitchFamily="18" charset="0"/>
+                            </a:rPr>
+                            <m:t>𝑖𝑗</m:t>
+                          </m:r>
+                        </m:sub>
+                      </m:sSub>
+                    </m:oMath>
+                  </m:oMathPara>
+                </a14:m>
+                <a:endParaRPr lang="en-US" sz="1050" dirty="0"/>
+              </a:p>
+              <a:p>
+                <a:endParaRPr lang="en-US" sz="1050" dirty="0"/>
+              </a:p>
+              <a:p>
+                <a:endParaRPr lang="en-US" sz="1050" dirty="0"/>
+              </a:p>
+              <a:p>
+                <a14:m>
+                  <m:oMathPara xmlns:m="http://schemas.openxmlformats.org/officeDocument/2006/math">
+                    <m:oMathParaPr>
+                      <m:jc m:val="centerGroup"/>
+                    </m:oMathParaPr>
+                    <m:oMath xmlns:m="http://schemas.openxmlformats.org/officeDocument/2006/math">
+                      <m:d>
+                        <m:dPr>
+                          <m:begChr m:val="["/>
+                          <m:endChr m:val="]"/>
+                          <m:ctrlPr>
+                            <a:rPr lang="en-US" sz="1050" i="1" smtClean="0">
+                              <a:latin typeface="Cambria Math" panose="02040503050406030204" pitchFamily="18" charset="0"/>
+                            </a:rPr>
+                          </m:ctrlPr>
+                        </m:dPr>
+                        <m:e>
+                          <m:m>
+                            <m:mPr>
+                              <m:mcs>
+                                <m:mc>
+                                  <m:mcPr>
+                                    <m:count m:val="1"/>
+                                    <m:mcJc m:val="center"/>
+                                  </m:mcPr>
+                                </m:mc>
+                              </m:mcs>
+                              <m:ctrlPr>
+                                <a:rPr lang="en-US" sz="1050" i="1" smtClean="0">
+                                  <a:latin typeface="Cambria Math" panose="02040503050406030204" pitchFamily="18" charset="0"/>
+                                </a:rPr>
+                              </m:ctrlPr>
+                            </m:mPr>
+                            <m:mr>
+                              <m:e>
+                                <m:sSub>
+                                  <m:sSubPr>
+                                    <m:ctrlPr>
+                                      <a:rPr lang="en-US" sz="1050" i="1">
+                                        <a:latin typeface="Cambria Math" panose="02040503050406030204" pitchFamily="18" charset="0"/>
+                                      </a:rPr>
+                                    </m:ctrlPr>
+                                  </m:sSubPr>
+                                  <m:e>
+                                    <m:r>
+                                      <a:rPr lang="en-US" sz="1050" i="1">
+                                        <a:latin typeface="Cambria Math" panose="02040503050406030204" pitchFamily="18" charset="0"/>
+                                      </a:rPr>
+                                      <m:t>𝑎𝑙𝑝h𝑎</m:t>
+                                    </m:r>
+                                  </m:e>
+                                  <m:sub>
+                                    <m:r>
+                                      <a:rPr lang="en-US" sz="1050" i="1">
+                                        <a:latin typeface="Cambria Math" panose="02040503050406030204" pitchFamily="18" charset="0"/>
+                                      </a:rPr>
+                                      <m:t>𝑖</m:t>
+                                    </m:r>
+                                  </m:sub>
+                                </m:sSub>
+                              </m:e>
+                            </m:mr>
+                            <m:mr>
+                              <m:e>
+                                <m:sSub>
+                                  <m:sSubPr>
+                                    <m:ctrlPr>
+                                      <a:rPr lang="en-US" sz="1050" i="1">
+                                        <a:latin typeface="Cambria Math" panose="02040503050406030204" pitchFamily="18" charset="0"/>
+                                      </a:rPr>
+                                    </m:ctrlPr>
+                                  </m:sSubPr>
+                                  <m:e>
+                                    <m:r>
+                                      <a:rPr lang="en-US" sz="1050" i="1">
+                                        <a:latin typeface="Cambria Math" panose="02040503050406030204" pitchFamily="18" charset="0"/>
+                                      </a:rPr>
+                                      <m:t>𝑏𝑒𝑡𝑎</m:t>
+                                    </m:r>
+                                  </m:e>
+                                  <m:sub>
+                                    <m:r>
+                                      <a:rPr lang="en-US" sz="1050" i="1">
+                                        <a:latin typeface="Cambria Math" panose="02040503050406030204" pitchFamily="18" charset="0"/>
+                                      </a:rPr>
+                                      <m:t>𝑖</m:t>
+                                    </m:r>
+                                  </m:sub>
+                                </m:sSub>
+                              </m:e>
+                            </m:mr>
+                          </m:m>
+                        </m:e>
+                      </m:d>
+                      <m:r>
+                        <a:rPr lang="en-US" sz="1050" b="0" i="1" smtClean="0">
+                          <a:latin typeface="Cambria Math" panose="02040503050406030204" pitchFamily="18" charset="0"/>
+                        </a:rPr>
+                        <m:t> ~ </m:t>
+                      </m:r>
+                      <m:r>
+                        <a:rPr lang="en-US" sz="1050" b="0" i="1" smtClean="0">
+                          <a:latin typeface="Cambria Math" panose="02040503050406030204" pitchFamily="18" charset="0"/>
+                        </a:rPr>
+                        <m:t>𝑀𝑉𝑁</m:t>
+                      </m:r>
+                      <m:d>
+                        <m:dPr>
+                          <m:ctrlPr>
+                            <a:rPr lang="en-US" sz="1050" b="0" i="1" smtClean="0">
+                              <a:latin typeface="Cambria Math" panose="02040503050406030204" pitchFamily="18" charset="0"/>
+                            </a:rPr>
+                          </m:ctrlPr>
+                        </m:dPr>
+                        <m:e>
+                          <m:d>
+                            <m:dPr>
+                              <m:begChr m:val="["/>
+                              <m:endChr m:val="]"/>
+                              <m:ctrlPr>
+                                <a:rPr lang="en-US" sz="1050" b="0" i="1" smtClean="0">
+                                  <a:latin typeface="Cambria Math" panose="02040503050406030204" pitchFamily="18" charset="0"/>
+                                </a:rPr>
+                              </m:ctrlPr>
+                            </m:dPr>
+                            <m:e>
+                              <m:m>
+                                <m:mPr>
+                                  <m:mcs>
+                                    <m:mc>
+                                      <m:mcPr>
+                                        <m:count m:val="1"/>
+                                        <m:mcJc m:val="center"/>
+                                      </m:mcPr>
+                                    </m:mc>
+                                  </m:mcs>
+                                  <m:ctrlPr>
+                                    <a:rPr lang="en-US" sz="1050" b="0" i="1" smtClean="0">
+                                      <a:latin typeface="Cambria Math" panose="02040503050406030204" pitchFamily="18" charset="0"/>
+                                    </a:rPr>
+                                  </m:ctrlPr>
+                                </m:mPr>
+                                <m:mr>
+                                  <m:e>
+                                    <m:r>
+                                      <m:rPr>
+                                        <m:brk m:alnAt="7"/>
+                                      </m:rPr>
+                                      <a:rPr lang="en-US" sz="1050" b="0" i="1" smtClean="0">
+                                        <a:latin typeface="Cambria Math" panose="02040503050406030204" pitchFamily="18" charset="0"/>
+                                      </a:rPr>
+                                      <m:t>𝑎𝑙𝑝h𝑎</m:t>
+                                    </m:r>
+                                    <m:r>
+                                      <a:rPr lang="en-US" sz="1050" b="0" i="1" smtClean="0">
+                                        <a:latin typeface="Cambria Math" panose="02040503050406030204" pitchFamily="18" charset="0"/>
+                                      </a:rPr>
+                                      <m:t>.</m:t>
+                                    </m:r>
+                                    <m:r>
+                                      <a:rPr lang="en-US" sz="1050" b="0" i="1" smtClean="0">
+                                        <a:latin typeface="Cambria Math" panose="02040503050406030204" pitchFamily="18" charset="0"/>
+                                      </a:rPr>
+                                      <m:t>𝑚𝑢</m:t>
+                                    </m:r>
+                                  </m:e>
+                                </m:mr>
+                                <m:mr>
+                                  <m:e>
+                                    <m:r>
+                                      <a:rPr lang="en-US" sz="1050" b="0" i="1" smtClean="0">
+                                        <a:latin typeface="Cambria Math" panose="02040503050406030204" pitchFamily="18" charset="0"/>
+                                      </a:rPr>
+                                      <m:t>𝑏𝑒𝑡𝑎</m:t>
+                                    </m:r>
+                                    <m:r>
+                                      <a:rPr lang="en-US" sz="1050" b="0" i="1" smtClean="0">
+                                        <a:latin typeface="Cambria Math" panose="02040503050406030204" pitchFamily="18" charset="0"/>
+                                      </a:rPr>
+                                      <m:t>.</m:t>
+                                    </m:r>
+                                    <m:r>
+                                      <a:rPr lang="en-US" sz="1050" b="0" i="1" smtClean="0">
+                                        <a:latin typeface="Cambria Math" panose="02040503050406030204" pitchFamily="18" charset="0"/>
+                                      </a:rPr>
+                                      <m:t>𝑚𝑢</m:t>
+                                    </m:r>
+                                  </m:e>
+                                </m:mr>
+                              </m:m>
+                            </m:e>
+                          </m:d>
+                          <m:r>
+                            <a:rPr lang="en-US" sz="1050" b="0" i="1" smtClean="0">
+                              <a:latin typeface="Cambria Math" panose="02040503050406030204" pitchFamily="18" charset="0"/>
+                            </a:rPr>
+                            <m:t>, </m:t>
+                          </m:r>
+                          <m:r>
+                            <m:rPr>
+                              <m:sty m:val="p"/>
+                            </m:rPr>
+                            <a:rPr lang="el-GR" sz="1050" b="0" i="1" smtClean="0">
+                              <a:latin typeface="Cambria Math" panose="02040503050406030204" pitchFamily="18" charset="0"/>
+                              <a:ea typeface="Cambria Math" panose="02040503050406030204" pitchFamily="18" charset="0"/>
+                            </a:rPr>
+                            <m:t>Σ</m:t>
+                          </m:r>
+                        </m:e>
+                      </m:d>
+                    </m:oMath>
+                  </m:oMathPara>
+                </a14:m>
+                <a:endParaRPr lang="en-US" sz="1050" b="0" i="1" dirty="0">
+                  <a:latin typeface="Cambria Math" panose="02040503050406030204" pitchFamily="18" charset="0"/>
+                </a:endParaRPr>
+              </a:p>
+              <a:p>
+                <a:endParaRPr lang="en-US" sz="1050" b="0" i="1" dirty="0">
+                  <a:latin typeface="Cambria Math" panose="02040503050406030204" pitchFamily="18" charset="0"/>
+                  <a:ea typeface="Cambria Math" panose="02040503050406030204" pitchFamily="18" charset="0"/>
+                </a:endParaRPr>
+              </a:p>
+              <a:p>
+                <a:endParaRPr lang="en-US" sz="1050" b="0" i="1" dirty="0">
+                  <a:latin typeface="Cambria Math" panose="02040503050406030204" pitchFamily="18" charset="0"/>
+                  <a:ea typeface="Cambria Math" panose="02040503050406030204" pitchFamily="18" charset="0"/>
+                </a:endParaRPr>
+              </a:p>
+              <a:p>
+                <a14:m>
+                  <m:oMathPara xmlns:m="http://schemas.openxmlformats.org/officeDocument/2006/math">
+                    <m:oMathParaPr>
+                      <m:jc m:val="centerGroup"/>
+                    </m:oMathParaPr>
+                    <m:oMath xmlns:m="http://schemas.openxmlformats.org/officeDocument/2006/math">
+                      <m:r>
+                        <m:rPr>
+                          <m:sty m:val="p"/>
+                        </m:rPr>
+                        <a:rPr lang="el-GR" sz="1050" b="0" i="1" smtClean="0">
+                          <a:latin typeface="Cambria Math" panose="02040503050406030204" pitchFamily="18" charset="0"/>
+                          <a:ea typeface="Cambria Math" panose="02040503050406030204" pitchFamily="18" charset="0"/>
+                        </a:rPr>
+                        <m:t>Σ</m:t>
+                      </m:r>
+                      <m:r>
+                        <a:rPr lang="en-US" sz="1050" b="0" i="1" smtClean="0">
+                          <a:latin typeface="Cambria Math" panose="02040503050406030204" pitchFamily="18" charset="0"/>
+                          <a:ea typeface="Cambria Math" panose="02040503050406030204" pitchFamily="18" charset="0"/>
+                        </a:rPr>
+                        <m:t>=</m:t>
+                      </m:r>
+                      <m:d>
+                        <m:dPr>
+                          <m:begChr m:val="["/>
+                          <m:endChr m:val="]"/>
+                          <m:ctrlPr>
+                            <a:rPr lang="en-US" sz="1050" b="0" i="1" smtClean="0">
+                              <a:latin typeface="Cambria Math" panose="02040503050406030204" pitchFamily="18" charset="0"/>
+                              <a:ea typeface="Cambria Math" panose="02040503050406030204" pitchFamily="18" charset="0"/>
+                            </a:rPr>
+                          </m:ctrlPr>
+                        </m:dPr>
+                        <m:e>
+                          <m:m>
+                            <m:mPr>
+                              <m:mcs>
+                                <m:mc>
+                                  <m:mcPr>
+                                    <m:count m:val="2"/>
+                                    <m:mcJc m:val="center"/>
+                                  </m:mcPr>
+                                </m:mc>
+                              </m:mcs>
+                              <m:ctrlPr>
+                                <a:rPr lang="en-US" sz="1050" b="0" i="1" smtClean="0">
+                                  <a:latin typeface="Cambria Math" panose="02040503050406030204" pitchFamily="18" charset="0"/>
+                                  <a:ea typeface="Cambria Math" panose="02040503050406030204" pitchFamily="18" charset="0"/>
+                                </a:rPr>
+                              </m:ctrlPr>
+                            </m:mPr>
+                            <m:mr>
+                              <m:e>
+                                <m:sSup>
+                                  <m:sSupPr>
+                                    <m:ctrlPr>
+                                      <a:rPr lang="en-US" sz="1050" b="0" i="1" smtClean="0">
+                                        <a:latin typeface="Cambria Math" panose="02040503050406030204" pitchFamily="18" charset="0"/>
+                                        <a:ea typeface="Cambria Math" panose="02040503050406030204" pitchFamily="18" charset="0"/>
+                                      </a:rPr>
+                                    </m:ctrlPr>
+                                  </m:sSupPr>
+                                  <m:e>
+                                    <m:r>
+                                      <m:rPr>
+                                        <m:brk m:alnAt="7"/>
+                                      </m:rPr>
+                                      <a:rPr lang="en-US" sz="1050" i="1">
+                                        <a:latin typeface="Cambria Math" panose="02040503050406030204" pitchFamily="18" charset="0"/>
+                                        <a:ea typeface="Cambria Math" panose="02040503050406030204" pitchFamily="18" charset="0"/>
+                                      </a:rPr>
+                                      <m:t>𝑎</m:t>
+                                    </m:r>
+                                    <m:r>
+                                      <a:rPr lang="en-US" sz="1050" i="1">
+                                        <a:latin typeface="Cambria Math" panose="02040503050406030204" pitchFamily="18" charset="0"/>
+                                        <a:ea typeface="Cambria Math" panose="02040503050406030204" pitchFamily="18" charset="0"/>
+                                      </a:rPr>
+                                      <m:t>𝑙𝑝h𝑎</m:t>
+                                    </m:r>
+                                    <m:r>
+                                      <a:rPr lang="en-US" sz="1050" i="1">
+                                        <a:latin typeface="Cambria Math" panose="02040503050406030204" pitchFamily="18" charset="0"/>
+                                        <a:ea typeface="Cambria Math" panose="02040503050406030204" pitchFamily="18" charset="0"/>
+                                      </a:rPr>
+                                      <m:t>.</m:t>
+                                    </m:r>
+                                    <m:r>
+                                      <a:rPr lang="en-US" sz="1050" i="1">
+                                        <a:latin typeface="Cambria Math" panose="02040503050406030204" pitchFamily="18" charset="0"/>
+                                        <a:ea typeface="Cambria Math" panose="02040503050406030204" pitchFamily="18" charset="0"/>
+                                      </a:rPr>
+                                      <m:t>𝑠𝑖𝑔𝑚𝑎</m:t>
+                                    </m:r>
+                                  </m:e>
+                                  <m:sup>
+                                    <m:r>
+                                      <a:rPr lang="en-US" sz="1050" b="0" i="1" smtClean="0">
+                                        <a:latin typeface="Cambria Math" panose="02040503050406030204" pitchFamily="18" charset="0"/>
+                                        <a:ea typeface="Cambria Math" panose="02040503050406030204" pitchFamily="18" charset="0"/>
+                                      </a:rPr>
+                                      <m:t>2</m:t>
+                                    </m:r>
+                                  </m:sup>
+                                </m:sSup>
+                              </m:e>
+                              <m:e>
+                                <m:r>
+                                  <a:rPr lang="en-US" sz="1050" i="1">
+                                    <a:latin typeface="Cambria Math" panose="02040503050406030204" pitchFamily="18" charset="0"/>
+                                    <a:ea typeface="Cambria Math" panose="02040503050406030204" pitchFamily="18" charset="0"/>
+                                  </a:rPr>
+                                  <m:t>𝜌</m:t>
+                                </m:r>
+                                <m:r>
+                                  <a:rPr lang="en-US" sz="1050" i="1">
+                                    <a:latin typeface="Cambria Math" panose="02040503050406030204" pitchFamily="18" charset="0"/>
+                                    <a:ea typeface="Cambria Math" panose="02040503050406030204" pitchFamily="18" charset="0"/>
+                                  </a:rPr>
+                                  <m:t>∗</m:t>
+                                </m:r>
+                                <m:r>
+                                  <a:rPr lang="en-US" sz="1050" i="1">
+                                    <a:latin typeface="Cambria Math" panose="02040503050406030204" pitchFamily="18" charset="0"/>
+                                    <a:ea typeface="Cambria Math" panose="02040503050406030204" pitchFamily="18" charset="0"/>
+                                  </a:rPr>
+                                  <m:t>𝑎𝑙𝑝h𝑎</m:t>
+                                </m:r>
+                                <m:r>
+                                  <a:rPr lang="en-US" sz="1050" i="1">
+                                    <a:latin typeface="Cambria Math" panose="02040503050406030204" pitchFamily="18" charset="0"/>
+                                    <a:ea typeface="Cambria Math" panose="02040503050406030204" pitchFamily="18" charset="0"/>
+                                  </a:rPr>
+                                  <m:t>.</m:t>
+                                </m:r>
+                                <m:r>
+                                  <a:rPr lang="en-US" sz="1050" i="1">
+                                    <a:latin typeface="Cambria Math" panose="02040503050406030204" pitchFamily="18" charset="0"/>
+                                    <a:ea typeface="Cambria Math" panose="02040503050406030204" pitchFamily="18" charset="0"/>
+                                  </a:rPr>
+                                  <m:t>𝑠𝑖𝑔𝑚𝑎</m:t>
+                                </m:r>
+                                <m:r>
+                                  <a:rPr lang="en-US" sz="1050" i="1">
+                                    <a:latin typeface="Cambria Math" panose="02040503050406030204" pitchFamily="18" charset="0"/>
+                                    <a:ea typeface="Cambria Math" panose="02040503050406030204" pitchFamily="18" charset="0"/>
+                                  </a:rPr>
+                                  <m:t>∗</m:t>
+                                </m:r>
+                                <m:r>
+                                  <a:rPr lang="en-US" sz="1050" i="1">
+                                    <a:latin typeface="Cambria Math" panose="02040503050406030204" pitchFamily="18" charset="0"/>
+                                    <a:ea typeface="Cambria Math" panose="02040503050406030204" pitchFamily="18" charset="0"/>
+                                  </a:rPr>
+                                  <m:t>𝑏𝑒𝑡𝑎</m:t>
+                                </m:r>
+                                <m:r>
+                                  <a:rPr lang="en-US" sz="1050" i="1">
+                                    <a:latin typeface="Cambria Math" panose="02040503050406030204" pitchFamily="18" charset="0"/>
+                                    <a:ea typeface="Cambria Math" panose="02040503050406030204" pitchFamily="18" charset="0"/>
+                                  </a:rPr>
+                                  <m:t>.</m:t>
+                                </m:r>
+                                <m:r>
+                                  <a:rPr lang="en-US" sz="1050" i="1">
+                                    <a:latin typeface="Cambria Math" panose="02040503050406030204" pitchFamily="18" charset="0"/>
+                                    <a:ea typeface="Cambria Math" panose="02040503050406030204" pitchFamily="18" charset="0"/>
+                                  </a:rPr>
+                                  <m:t>𝑠𝑖𝑔𝑚𝑎</m:t>
+                                </m:r>
+                              </m:e>
+                            </m:mr>
+                            <m:mr>
+                              <m:e>
+                                <m:r>
+                                  <a:rPr lang="en-US" sz="1050" b="0" i="1" smtClean="0">
+                                    <a:latin typeface="Cambria Math" panose="02040503050406030204" pitchFamily="18" charset="0"/>
+                                    <a:ea typeface="Cambria Math" panose="02040503050406030204" pitchFamily="18" charset="0"/>
+                                  </a:rPr>
+                                  <m:t>𝜌</m:t>
+                                </m:r>
+                                <m:r>
+                                  <a:rPr lang="en-US" sz="1050" b="0" i="1" smtClean="0">
+                                    <a:latin typeface="Cambria Math" panose="02040503050406030204" pitchFamily="18" charset="0"/>
+                                    <a:ea typeface="Cambria Math" panose="02040503050406030204" pitchFamily="18" charset="0"/>
+                                  </a:rPr>
+                                  <m:t>∗</m:t>
+                                </m:r>
+                                <m:r>
+                                  <a:rPr lang="en-US" sz="1050" b="0" i="1" smtClean="0">
+                                    <a:latin typeface="Cambria Math" panose="02040503050406030204" pitchFamily="18" charset="0"/>
+                                    <a:ea typeface="Cambria Math" panose="02040503050406030204" pitchFamily="18" charset="0"/>
+                                  </a:rPr>
+                                  <m:t>𝑎𝑙𝑝h𝑎</m:t>
+                                </m:r>
+                                <m:r>
+                                  <a:rPr lang="en-US" sz="1050" b="0" i="1" smtClean="0">
+                                    <a:latin typeface="Cambria Math" panose="02040503050406030204" pitchFamily="18" charset="0"/>
+                                    <a:ea typeface="Cambria Math" panose="02040503050406030204" pitchFamily="18" charset="0"/>
+                                  </a:rPr>
+                                  <m:t>.</m:t>
+                                </m:r>
+                                <m:r>
+                                  <a:rPr lang="en-US" sz="1050" b="0" i="1" smtClean="0">
+                                    <a:latin typeface="Cambria Math" panose="02040503050406030204" pitchFamily="18" charset="0"/>
+                                    <a:ea typeface="Cambria Math" panose="02040503050406030204" pitchFamily="18" charset="0"/>
+                                  </a:rPr>
+                                  <m:t>𝑠𝑖𝑔𝑚𝑎</m:t>
+                                </m:r>
+                                <m:r>
+                                  <a:rPr lang="en-US" sz="1050" b="0" i="1" smtClean="0">
+                                    <a:latin typeface="Cambria Math" panose="02040503050406030204" pitchFamily="18" charset="0"/>
+                                    <a:ea typeface="Cambria Math" panose="02040503050406030204" pitchFamily="18" charset="0"/>
+                                  </a:rPr>
+                                  <m:t>∗</m:t>
+                                </m:r>
+                                <m:r>
+                                  <a:rPr lang="en-US" sz="1050" b="0" i="1" smtClean="0">
+                                    <a:latin typeface="Cambria Math" panose="02040503050406030204" pitchFamily="18" charset="0"/>
+                                    <a:ea typeface="Cambria Math" panose="02040503050406030204" pitchFamily="18" charset="0"/>
+                                  </a:rPr>
+                                  <m:t>𝑏𝑒𝑡𝑎</m:t>
+                                </m:r>
+                                <m:r>
+                                  <a:rPr lang="en-US" sz="1050" b="0" i="1" smtClean="0">
+                                    <a:latin typeface="Cambria Math" panose="02040503050406030204" pitchFamily="18" charset="0"/>
+                                    <a:ea typeface="Cambria Math" panose="02040503050406030204" pitchFamily="18" charset="0"/>
+                                  </a:rPr>
+                                  <m:t>.</m:t>
+                                </m:r>
+                                <m:r>
+                                  <a:rPr lang="en-US" sz="1050" b="0" i="1" smtClean="0">
+                                    <a:latin typeface="Cambria Math" panose="02040503050406030204" pitchFamily="18" charset="0"/>
+                                    <a:ea typeface="Cambria Math" panose="02040503050406030204" pitchFamily="18" charset="0"/>
+                                  </a:rPr>
+                                  <m:t>𝑠𝑖𝑔𝑚𝑎</m:t>
+                                </m:r>
+                              </m:e>
+                              <m:e>
+                                <m:sSup>
+                                  <m:sSupPr>
+                                    <m:ctrlPr>
+                                      <a:rPr lang="en-US" sz="1050" b="0" i="1" smtClean="0">
+                                        <a:latin typeface="Cambria Math" panose="02040503050406030204" pitchFamily="18" charset="0"/>
+                                        <a:ea typeface="Cambria Math" panose="02040503050406030204" pitchFamily="18" charset="0"/>
+                                      </a:rPr>
+                                    </m:ctrlPr>
+                                  </m:sSupPr>
+                                  <m:e>
+                                    <m:r>
+                                      <a:rPr lang="en-US" sz="1050" i="1">
+                                        <a:latin typeface="Cambria Math" panose="02040503050406030204" pitchFamily="18" charset="0"/>
+                                        <a:ea typeface="Cambria Math" panose="02040503050406030204" pitchFamily="18" charset="0"/>
+                                      </a:rPr>
+                                      <m:t>𝑏𝑒𝑡𝑎</m:t>
+                                    </m:r>
+                                    <m:r>
+                                      <a:rPr lang="en-US" sz="1050" i="1">
+                                        <a:latin typeface="Cambria Math" panose="02040503050406030204" pitchFamily="18" charset="0"/>
+                                        <a:ea typeface="Cambria Math" panose="02040503050406030204" pitchFamily="18" charset="0"/>
+                                      </a:rPr>
+                                      <m:t>.</m:t>
+                                    </m:r>
+                                    <m:r>
+                                      <a:rPr lang="en-US" sz="1050" i="1">
+                                        <a:latin typeface="Cambria Math" panose="02040503050406030204" pitchFamily="18" charset="0"/>
+                                        <a:ea typeface="Cambria Math" panose="02040503050406030204" pitchFamily="18" charset="0"/>
+                                      </a:rPr>
+                                      <m:t>𝑠𝑖𝑔𝑚𝑎</m:t>
+                                    </m:r>
+                                  </m:e>
+                                  <m:sup>
+                                    <m:r>
+                                      <a:rPr lang="en-US" sz="1050" b="0" i="1" smtClean="0">
+                                        <a:latin typeface="Cambria Math" panose="02040503050406030204" pitchFamily="18" charset="0"/>
+                                        <a:ea typeface="Cambria Math" panose="02040503050406030204" pitchFamily="18" charset="0"/>
+                                      </a:rPr>
+                                      <m:t>2</m:t>
+                                    </m:r>
+                                  </m:sup>
+                                </m:sSup>
+                              </m:e>
+                            </m:mr>
+                          </m:m>
+                        </m:e>
+                      </m:d>
+                    </m:oMath>
+                  </m:oMathPara>
+                </a14:m>
+                <a:endParaRPr lang="en-US" sz="1050" dirty="0"/>
+              </a:p>
+              <a:p>
+                <a:endParaRPr lang="en-US" sz="1050" dirty="0"/>
+              </a:p>
+              <a:p>
+                <a:endParaRPr lang="en-US" sz="1050" dirty="0"/>
+              </a:p>
+              <a:p>
+                <a14:m>
+                  <m:oMathPara xmlns:m="http://schemas.openxmlformats.org/officeDocument/2006/math">
+                    <m:oMathParaPr>
+                      <m:jc m:val="centerGroup"/>
+                    </m:oMathParaPr>
+                    <m:oMath xmlns:m="http://schemas.openxmlformats.org/officeDocument/2006/math">
+                      <m:sSub>
+                        <m:sSubPr>
+                          <m:ctrlPr>
+                            <a:rPr lang="en-US" sz="1050" i="1" smtClean="0">
+                              <a:latin typeface="Cambria Math" panose="02040503050406030204" pitchFamily="18" charset="0"/>
+                            </a:rPr>
+                          </m:ctrlPr>
+                        </m:sSubPr>
+                        <m:e>
+                          <m:r>
+                            <a:rPr lang="en-US" sz="1050" b="0" i="1" smtClean="0">
+                              <a:latin typeface="Cambria Math" panose="02040503050406030204" pitchFamily="18" charset="0"/>
+                            </a:rPr>
+                            <m:t>𝑠𝑖𝑔</m:t>
+                          </m:r>
+                          <m:r>
+                            <a:rPr lang="en-US" sz="1050" b="0" i="1" smtClean="0">
+                              <a:latin typeface="Cambria Math" panose="02040503050406030204" pitchFamily="18" charset="0"/>
+                            </a:rPr>
+                            <m:t>.</m:t>
+                          </m:r>
+                          <m:r>
+                            <a:rPr lang="en-US" sz="1050" i="1">
+                              <a:latin typeface="Cambria Math" panose="02040503050406030204" pitchFamily="18" charset="0"/>
+                            </a:rPr>
+                            <m:t>𝑎𝑙𝑝h𝑎</m:t>
+                          </m:r>
+                        </m:e>
+                        <m:sub>
+                          <m:r>
+                            <a:rPr lang="en-US" sz="1050" i="1">
+                              <a:latin typeface="Cambria Math" panose="02040503050406030204" pitchFamily="18" charset="0"/>
+                            </a:rPr>
+                            <m:t>𝑖</m:t>
+                          </m:r>
+                        </m:sub>
+                      </m:sSub>
+                      <m:r>
+                        <a:rPr lang="en-US" sz="1050" b="0" i="1" smtClean="0">
+                          <a:latin typeface="Cambria Math" panose="02040503050406030204" pitchFamily="18" charset="0"/>
+                        </a:rPr>
+                        <m:t> ~ </m:t>
+                      </m:r>
+                      <m:r>
+                        <a:rPr lang="en-US" sz="1050" b="0" i="1" smtClean="0">
+                          <a:latin typeface="Cambria Math" panose="02040503050406030204" pitchFamily="18" charset="0"/>
+                        </a:rPr>
+                        <m:t>𝑁</m:t>
+                      </m:r>
+                      <m:r>
+                        <a:rPr lang="en-US" sz="1050" b="0" i="1" smtClean="0">
+                          <a:latin typeface="Cambria Math" panose="02040503050406030204" pitchFamily="18" charset="0"/>
+                        </a:rPr>
+                        <m:t>(</m:t>
+                      </m:r>
+                      <m:r>
+                        <a:rPr lang="en-US" sz="1050" b="0" i="1" smtClean="0">
+                          <a:latin typeface="Cambria Math" panose="02040503050406030204" pitchFamily="18" charset="0"/>
+                        </a:rPr>
+                        <m:t>𝑠𝑖𝑔</m:t>
+                      </m:r>
+                      <m:r>
+                        <a:rPr lang="en-US" sz="1050" b="0" i="1" smtClean="0">
+                          <a:latin typeface="Cambria Math" panose="02040503050406030204" pitchFamily="18" charset="0"/>
+                        </a:rPr>
+                        <m:t>.</m:t>
+                      </m:r>
+                      <m:r>
+                        <a:rPr lang="en-US" sz="1050" b="0" i="1" smtClean="0">
+                          <a:latin typeface="Cambria Math" panose="02040503050406030204" pitchFamily="18" charset="0"/>
+                        </a:rPr>
+                        <m:t>𝑎𝑙𝑝h𝑎</m:t>
+                      </m:r>
+                      <m:r>
+                        <a:rPr lang="en-US" sz="1050" b="0" i="1" smtClean="0">
+                          <a:latin typeface="Cambria Math" panose="02040503050406030204" pitchFamily="18" charset="0"/>
+                        </a:rPr>
+                        <m:t>.</m:t>
+                      </m:r>
+                      <m:r>
+                        <a:rPr lang="en-US" sz="1050" b="0" i="1" smtClean="0">
+                          <a:latin typeface="Cambria Math" panose="02040503050406030204" pitchFamily="18" charset="0"/>
+                        </a:rPr>
+                        <m:t>𝑚𝑢</m:t>
+                      </m:r>
+                      <m:r>
+                        <a:rPr lang="en-US" sz="1050" b="0" i="1" smtClean="0">
+                          <a:latin typeface="Cambria Math" panose="02040503050406030204" pitchFamily="18" charset="0"/>
+                        </a:rPr>
+                        <m:t>, </m:t>
+                      </m:r>
+                      <m:r>
+                        <a:rPr lang="en-US" sz="1050" b="0" i="1" smtClean="0">
+                          <a:latin typeface="Cambria Math" panose="02040503050406030204" pitchFamily="18" charset="0"/>
+                        </a:rPr>
+                        <m:t>𝑠𝑖𝑔</m:t>
+                      </m:r>
+                      <m:r>
+                        <a:rPr lang="en-US" sz="1050" b="0" i="1" smtClean="0">
+                          <a:latin typeface="Cambria Math" panose="02040503050406030204" pitchFamily="18" charset="0"/>
+                        </a:rPr>
+                        <m:t>.</m:t>
+                      </m:r>
+                      <m:r>
+                        <a:rPr lang="en-US" sz="1050" b="0" i="1" smtClean="0">
+                          <a:latin typeface="Cambria Math" panose="02040503050406030204" pitchFamily="18" charset="0"/>
+                        </a:rPr>
+                        <m:t>𝑎𝑙𝑝h𝑎</m:t>
+                      </m:r>
+                      <m:r>
+                        <a:rPr lang="en-US" sz="1050" b="0" i="1" smtClean="0">
+                          <a:latin typeface="Cambria Math" panose="02040503050406030204" pitchFamily="18" charset="0"/>
+                        </a:rPr>
+                        <m:t>.</m:t>
+                      </m:r>
+                      <m:r>
+                        <a:rPr lang="en-US" sz="1050" b="0" i="1" smtClean="0">
+                          <a:latin typeface="Cambria Math" panose="02040503050406030204" pitchFamily="18" charset="0"/>
+                        </a:rPr>
+                        <m:t>𝑠𝑖𝑔𝑚𝑎</m:t>
+                      </m:r>
+                      <m:r>
+                        <a:rPr lang="en-US" sz="1050" b="0" i="1" smtClean="0">
+                          <a:latin typeface="Cambria Math" panose="02040503050406030204" pitchFamily="18" charset="0"/>
+                        </a:rPr>
+                        <m:t>)</m:t>
+                      </m:r>
+                    </m:oMath>
+                  </m:oMathPara>
+                </a14:m>
+                <a:endParaRPr lang="en-US" sz="1050" dirty="0"/>
+              </a:p>
+              <a:p>
+                <a14:m>
+                  <m:oMathPara xmlns:m="http://schemas.openxmlformats.org/officeDocument/2006/math">
+                    <m:oMathParaPr>
+                      <m:jc m:val="centerGroup"/>
+                    </m:oMathParaPr>
+                    <m:oMath xmlns:m="http://schemas.openxmlformats.org/officeDocument/2006/math">
+                      <m:sSub>
+                        <m:sSubPr>
+                          <m:ctrlPr>
+                            <a:rPr lang="en-US" sz="1050" i="1" smtClean="0">
+                              <a:latin typeface="Cambria Math" panose="02040503050406030204" pitchFamily="18" charset="0"/>
+                            </a:rPr>
+                          </m:ctrlPr>
+                        </m:sSubPr>
+                        <m:e>
+                          <m:r>
+                            <a:rPr lang="en-US" sz="1050" b="0" i="1" smtClean="0">
+                              <a:latin typeface="Cambria Math" panose="02040503050406030204" pitchFamily="18" charset="0"/>
+                            </a:rPr>
+                            <m:t>𝑠𝑖𝑔</m:t>
+                          </m:r>
+                          <m:r>
+                            <a:rPr lang="en-US" sz="1050" b="0" i="1" smtClean="0">
+                              <a:latin typeface="Cambria Math" panose="02040503050406030204" pitchFamily="18" charset="0"/>
+                            </a:rPr>
+                            <m:t>.</m:t>
+                          </m:r>
+                          <m:r>
+                            <a:rPr lang="en-US" sz="1050" b="0" i="1" smtClean="0">
+                              <a:latin typeface="Cambria Math" panose="02040503050406030204" pitchFamily="18" charset="0"/>
+                            </a:rPr>
+                            <m:t>𝑏𝑒𝑡</m:t>
+                          </m:r>
+                          <m:r>
+                            <a:rPr lang="en-US" sz="1050" i="1">
+                              <a:latin typeface="Cambria Math" panose="02040503050406030204" pitchFamily="18" charset="0"/>
+                            </a:rPr>
+                            <m:t>𝑎</m:t>
+                          </m:r>
+                        </m:e>
+                        <m:sub>
+                          <m:r>
+                            <a:rPr lang="en-US" sz="1050" i="1">
+                              <a:latin typeface="Cambria Math" panose="02040503050406030204" pitchFamily="18" charset="0"/>
+                            </a:rPr>
+                            <m:t>𝑖</m:t>
+                          </m:r>
+                        </m:sub>
+                      </m:sSub>
+                      <m:r>
+                        <a:rPr lang="en-US" sz="1050" b="0" i="1" smtClean="0">
+                          <a:latin typeface="Cambria Math" panose="02040503050406030204" pitchFamily="18" charset="0"/>
+                        </a:rPr>
+                        <m:t> ~ </m:t>
+                      </m:r>
+                      <m:r>
+                        <a:rPr lang="en-US" sz="1050" b="0" i="1" smtClean="0">
+                          <a:latin typeface="Cambria Math" panose="02040503050406030204" pitchFamily="18" charset="0"/>
+                        </a:rPr>
+                        <m:t>𝑁</m:t>
+                      </m:r>
+                      <m:r>
+                        <a:rPr lang="en-US" sz="1050" b="0" i="1" smtClean="0">
+                          <a:latin typeface="Cambria Math" panose="02040503050406030204" pitchFamily="18" charset="0"/>
+                        </a:rPr>
+                        <m:t>(</m:t>
+                      </m:r>
+                      <m:r>
+                        <a:rPr lang="en-US" sz="1050" b="0" i="1" smtClean="0">
+                          <a:latin typeface="Cambria Math" panose="02040503050406030204" pitchFamily="18" charset="0"/>
+                        </a:rPr>
+                        <m:t>𝑠𝑖𝑔</m:t>
+                      </m:r>
+                      <m:r>
+                        <a:rPr lang="en-US" sz="1050" b="0" i="1" smtClean="0">
+                          <a:latin typeface="Cambria Math" panose="02040503050406030204" pitchFamily="18" charset="0"/>
+                        </a:rPr>
+                        <m:t>.</m:t>
+                      </m:r>
+                      <m:r>
+                        <a:rPr lang="en-US" sz="1050" b="0" i="1" smtClean="0">
+                          <a:latin typeface="Cambria Math" panose="02040503050406030204" pitchFamily="18" charset="0"/>
+                        </a:rPr>
+                        <m:t>𝑏𝑒𝑡</m:t>
+                      </m:r>
+                      <m:r>
+                        <a:rPr lang="en-US" sz="1050" b="0" i="1" smtClean="0">
+                          <a:latin typeface="Cambria Math" panose="02040503050406030204" pitchFamily="18" charset="0"/>
+                        </a:rPr>
+                        <m:t>𝑎</m:t>
+                      </m:r>
+                      <m:r>
+                        <a:rPr lang="en-US" sz="1050" b="0" i="1" smtClean="0">
+                          <a:latin typeface="Cambria Math" panose="02040503050406030204" pitchFamily="18" charset="0"/>
+                        </a:rPr>
+                        <m:t>.</m:t>
+                      </m:r>
+                      <m:r>
+                        <a:rPr lang="en-US" sz="1050" b="0" i="1" smtClean="0">
+                          <a:latin typeface="Cambria Math" panose="02040503050406030204" pitchFamily="18" charset="0"/>
+                        </a:rPr>
+                        <m:t>𝑚𝑢</m:t>
+                      </m:r>
+                      <m:r>
+                        <a:rPr lang="en-US" sz="1050" b="0" i="1" smtClean="0">
+                          <a:latin typeface="Cambria Math" panose="02040503050406030204" pitchFamily="18" charset="0"/>
+                        </a:rPr>
+                        <m:t>, </m:t>
+                      </m:r>
+                      <m:r>
+                        <a:rPr lang="en-US" sz="1050" b="0" i="1" smtClean="0">
+                          <a:latin typeface="Cambria Math" panose="02040503050406030204" pitchFamily="18" charset="0"/>
+                        </a:rPr>
+                        <m:t>𝑠𝑖𝑔</m:t>
+                      </m:r>
+                      <m:r>
+                        <a:rPr lang="en-US" sz="1050" b="0" i="1" smtClean="0">
+                          <a:latin typeface="Cambria Math" panose="02040503050406030204" pitchFamily="18" charset="0"/>
+                        </a:rPr>
+                        <m:t>.</m:t>
+                      </m:r>
+                      <m:r>
+                        <a:rPr lang="en-US" sz="1050" b="0" i="1" smtClean="0">
+                          <a:latin typeface="Cambria Math" panose="02040503050406030204" pitchFamily="18" charset="0"/>
+                        </a:rPr>
+                        <m:t>𝑏𝑒𝑡</m:t>
+                      </m:r>
+                      <m:r>
+                        <a:rPr lang="en-US" sz="1050" b="0" i="1" smtClean="0">
+                          <a:latin typeface="Cambria Math" panose="02040503050406030204" pitchFamily="18" charset="0"/>
+                        </a:rPr>
+                        <m:t>𝑎</m:t>
+                      </m:r>
+                      <m:r>
+                        <a:rPr lang="en-US" sz="1050" b="0" i="1" smtClean="0">
+                          <a:latin typeface="Cambria Math" panose="02040503050406030204" pitchFamily="18" charset="0"/>
+                        </a:rPr>
+                        <m:t>.</m:t>
+                      </m:r>
+                      <m:r>
+                        <a:rPr lang="en-US" sz="1050" b="0" i="1" smtClean="0">
+                          <a:latin typeface="Cambria Math" panose="02040503050406030204" pitchFamily="18" charset="0"/>
+                        </a:rPr>
+                        <m:t>𝑠𝑖𝑔𝑚𝑎</m:t>
+                      </m:r>
+                      <m:r>
+                        <a:rPr lang="en-US" sz="1050" b="0" i="1" smtClean="0">
+                          <a:latin typeface="Cambria Math" panose="02040503050406030204" pitchFamily="18" charset="0"/>
+                        </a:rPr>
+                        <m:t>)</m:t>
+                      </m:r>
+                    </m:oMath>
+                  </m:oMathPara>
+                </a14:m>
+                <a:endParaRPr lang="en-US" sz="1050" dirty="0"/>
+              </a:p>
+              <a:p>
+                <a:endParaRPr lang="en-US" sz="1050" dirty="0"/>
+              </a:p>
+              <a:p>
+                <a:endParaRPr lang="en-US" sz="1050" dirty="0"/>
+              </a:p>
+              <a:p>
+                <a14:m>
+                  <m:oMathPara xmlns:m="http://schemas.openxmlformats.org/officeDocument/2006/math">
+                    <m:oMathParaPr>
+                      <m:jc m:val="centerGroup"/>
+                    </m:oMathParaPr>
+                    <m:oMath xmlns:m="http://schemas.openxmlformats.org/officeDocument/2006/math">
+                      <m:r>
+                        <m:rPr>
+                          <m:brk m:alnAt="7"/>
+                        </m:rPr>
+                        <a:rPr lang="en-US" sz="1050" b="0" i="1" smtClean="0">
+                          <a:latin typeface="Cambria Math" panose="02040503050406030204" pitchFamily="18" charset="0"/>
+                        </a:rPr>
+                        <m:t>𝑎</m:t>
+                      </m:r>
+                      <m:r>
+                        <a:rPr lang="en-US" sz="1050" b="0" i="1" smtClean="0">
+                          <a:latin typeface="Cambria Math" panose="02040503050406030204" pitchFamily="18" charset="0"/>
+                        </a:rPr>
+                        <m:t>𝑙𝑝h𝑎</m:t>
+                      </m:r>
+                      <m:r>
+                        <a:rPr lang="en-US" sz="1050" b="0" i="1" smtClean="0">
+                          <a:latin typeface="Cambria Math" panose="02040503050406030204" pitchFamily="18" charset="0"/>
+                        </a:rPr>
+                        <m:t>.</m:t>
+                      </m:r>
+                      <m:r>
+                        <a:rPr lang="en-US" sz="1050" b="0" i="1" smtClean="0">
+                          <a:latin typeface="Cambria Math" panose="02040503050406030204" pitchFamily="18" charset="0"/>
+                        </a:rPr>
+                        <m:t>𝑚𝑢</m:t>
+                      </m:r>
+                      <m:r>
+                        <a:rPr lang="en-US" sz="1050" b="0" i="1" smtClean="0">
+                          <a:latin typeface="Cambria Math" panose="02040503050406030204" pitchFamily="18" charset="0"/>
+                        </a:rPr>
+                        <m:t> ~ </m:t>
+                      </m:r>
+                      <m:r>
+                        <a:rPr lang="en-US" sz="1050" b="0" i="1" smtClean="0">
+                          <a:latin typeface="Cambria Math" panose="02040503050406030204" pitchFamily="18" charset="0"/>
+                        </a:rPr>
+                        <m:t>𝑁</m:t>
+                      </m:r>
+                      <m:d>
+                        <m:dPr>
+                          <m:ctrlPr>
+                            <a:rPr lang="en-US" sz="1050" b="0" i="1" smtClean="0">
+                              <a:latin typeface="Cambria Math" panose="02040503050406030204" pitchFamily="18" charset="0"/>
+                            </a:rPr>
+                          </m:ctrlPr>
+                        </m:dPr>
+                        <m:e>
+                          <m:r>
+                            <a:rPr lang="en-US" sz="1050" b="0" i="1" smtClean="0">
+                              <a:latin typeface="Cambria Math" panose="02040503050406030204" pitchFamily="18" charset="0"/>
+                            </a:rPr>
+                            <m:t>0, 10</m:t>
+                          </m:r>
+                        </m:e>
+                      </m:d>
+                    </m:oMath>
+                  </m:oMathPara>
+                </a14:m>
+                <a:endParaRPr lang="en-US" sz="1050" b="0" dirty="0"/>
+              </a:p>
+              <a:p>
+                <a14:m>
+                  <m:oMathPara xmlns:m="http://schemas.openxmlformats.org/officeDocument/2006/math">
+                    <m:oMathParaPr>
+                      <m:jc m:val="centerGroup"/>
+                    </m:oMathParaPr>
+                    <m:oMath xmlns:m="http://schemas.openxmlformats.org/officeDocument/2006/math">
+                      <m:r>
+                        <a:rPr lang="en-US" sz="1050" b="0" i="1" smtClean="0">
+                          <a:latin typeface="Cambria Math" panose="02040503050406030204" pitchFamily="18" charset="0"/>
+                        </a:rPr>
+                        <m:t>𝑏𝑒𝑡</m:t>
+                      </m:r>
+                      <m:r>
+                        <a:rPr lang="en-US" sz="1050" b="0" i="1" smtClean="0">
+                          <a:latin typeface="Cambria Math" panose="02040503050406030204" pitchFamily="18" charset="0"/>
+                        </a:rPr>
+                        <m:t>𝑎</m:t>
+                      </m:r>
+                      <m:r>
+                        <a:rPr lang="en-US" sz="1050" b="0" i="1" smtClean="0">
+                          <a:latin typeface="Cambria Math" panose="02040503050406030204" pitchFamily="18" charset="0"/>
+                        </a:rPr>
+                        <m:t>.</m:t>
+                      </m:r>
+                      <m:r>
+                        <a:rPr lang="en-US" sz="1050" b="0" i="1" smtClean="0">
+                          <a:latin typeface="Cambria Math" panose="02040503050406030204" pitchFamily="18" charset="0"/>
+                        </a:rPr>
+                        <m:t>𝑚𝑢</m:t>
+                      </m:r>
+                      <m:r>
+                        <a:rPr lang="en-US" sz="1050" b="0" i="1" smtClean="0">
+                          <a:latin typeface="Cambria Math" panose="02040503050406030204" pitchFamily="18" charset="0"/>
+                        </a:rPr>
+                        <m:t> ~ </m:t>
+                      </m:r>
+                      <m:r>
+                        <a:rPr lang="en-US" sz="1050" b="0" i="1" smtClean="0">
+                          <a:latin typeface="Cambria Math" panose="02040503050406030204" pitchFamily="18" charset="0"/>
+                        </a:rPr>
+                        <m:t>𝑁</m:t>
+                      </m:r>
+                      <m:d>
+                        <m:dPr>
+                          <m:ctrlPr>
+                            <a:rPr lang="en-US" sz="1050" b="0" i="1" smtClean="0">
+                              <a:latin typeface="Cambria Math" panose="02040503050406030204" pitchFamily="18" charset="0"/>
+                            </a:rPr>
+                          </m:ctrlPr>
+                        </m:dPr>
+                        <m:e>
+                          <m:r>
+                            <a:rPr lang="en-US" sz="1050" b="0" i="1" smtClean="0">
+                              <a:latin typeface="Cambria Math" panose="02040503050406030204" pitchFamily="18" charset="0"/>
+                            </a:rPr>
+                            <m:t>0, 10</m:t>
+                          </m:r>
+                        </m:e>
+                      </m:d>
+                    </m:oMath>
+                  </m:oMathPara>
+                </a14:m>
+                <a:endParaRPr lang="en-US" sz="1050" b="0" dirty="0"/>
+              </a:p>
+              <a:p>
+                <a14:m>
+                  <m:oMathPara xmlns:m="http://schemas.openxmlformats.org/officeDocument/2006/math">
+                    <m:oMathParaPr>
+                      <m:jc m:val="centerGroup"/>
+                    </m:oMathParaPr>
+                    <m:oMath xmlns:m="http://schemas.openxmlformats.org/officeDocument/2006/math">
+                      <m:r>
+                        <m:rPr>
+                          <m:brk m:alnAt="7"/>
+                        </m:rPr>
+                        <a:rPr lang="en-US" sz="1050" b="0" i="1" smtClean="0">
+                          <a:latin typeface="Cambria Math" panose="02040503050406030204" pitchFamily="18" charset="0"/>
+                        </a:rPr>
+                        <m:t>𝑎</m:t>
+                      </m:r>
+                      <m:r>
+                        <a:rPr lang="en-US" sz="1050" b="0" i="1" smtClean="0">
+                          <a:latin typeface="Cambria Math" panose="02040503050406030204" pitchFamily="18" charset="0"/>
+                        </a:rPr>
+                        <m:t>𝑙𝑝h𝑎</m:t>
+                      </m:r>
+                      <m:r>
+                        <a:rPr lang="en-US" sz="1050" b="0" i="1" smtClean="0">
+                          <a:latin typeface="Cambria Math" panose="02040503050406030204" pitchFamily="18" charset="0"/>
+                        </a:rPr>
+                        <m:t>.</m:t>
+                      </m:r>
+                      <m:r>
+                        <a:rPr lang="en-US" sz="1050" b="0" i="1" smtClean="0">
+                          <a:latin typeface="Cambria Math" panose="02040503050406030204" pitchFamily="18" charset="0"/>
+                        </a:rPr>
+                        <m:t>𝑠𝑖𝑔𝑚𝑎</m:t>
+                      </m:r>
+                      <m:r>
+                        <a:rPr lang="en-US" sz="1050" b="0" i="1" smtClean="0">
+                          <a:latin typeface="Cambria Math" panose="02040503050406030204" pitchFamily="18" charset="0"/>
+                        </a:rPr>
+                        <m:t> ~ </m:t>
+                      </m:r>
+                      <m:r>
+                        <a:rPr lang="en-US" sz="1050" b="0" i="1" smtClean="0">
+                          <a:latin typeface="Cambria Math" panose="02040503050406030204" pitchFamily="18" charset="0"/>
+                        </a:rPr>
+                        <m:t>𝑈</m:t>
+                      </m:r>
+                      <m:r>
+                        <a:rPr lang="en-US" sz="1050" b="0" i="1" smtClean="0">
+                          <a:latin typeface="Cambria Math" panose="02040503050406030204" pitchFamily="18" charset="0"/>
+                        </a:rPr>
+                        <m:t>(0.001, 100)</m:t>
+                      </m:r>
+                    </m:oMath>
+                  </m:oMathPara>
+                </a14:m>
+                <a:endParaRPr lang="en-US" sz="1050" dirty="0"/>
+              </a:p>
+              <a:p>
+                <a14:m>
+                  <m:oMathPara xmlns:m="http://schemas.openxmlformats.org/officeDocument/2006/math">
+                    <m:oMathParaPr>
+                      <m:jc m:val="centerGroup"/>
+                    </m:oMathParaPr>
+                    <m:oMath xmlns:m="http://schemas.openxmlformats.org/officeDocument/2006/math">
+                      <m:r>
+                        <a:rPr lang="en-US" sz="1050" b="0" i="1" smtClean="0">
+                          <a:latin typeface="Cambria Math" panose="02040503050406030204" pitchFamily="18" charset="0"/>
+                        </a:rPr>
+                        <m:t>𝑏𝑒𝑡</m:t>
+                      </m:r>
+                      <m:r>
+                        <a:rPr lang="en-US" sz="1050" b="0" i="1" smtClean="0">
+                          <a:latin typeface="Cambria Math" panose="02040503050406030204" pitchFamily="18" charset="0"/>
+                        </a:rPr>
+                        <m:t>𝑎</m:t>
+                      </m:r>
+                      <m:r>
+                        <a:rPr lang="en-US" sz="1050" b="0" i="1" smtClean="0">
+                          <a:latin typeface="Cambria Math" panose="02040503050406030204" pitchFamily="18" charset="0"/>
+                        </a:rPr>
+                        <m:t>.</m:t>
+                      </m:r>
+                      <m:r>
+                        <a:rPr lang="en-US" sz="1050" b="0" i="1" smtClean="0">
+                          <a:latin typeface="Cambria Math" panose="02040503050406030204" pitchFamily="18" charset="0"/>
+                        </a:rPr>
+                        <m:t>𝑠𝑖𝑔𝑚𝑎</m:t>
+                      </m:r>
+                      <m:r>
+                        <a:rPr lang="en-US" sz="1050" b="0" i="1" smtClean="0">
+                          <a:latin typeface="Cambria Math" panose="02040503050406030204" pitchFamily="18" charset="0"/>
+                        </a:rPr>
+                        <m:t> ~ </m:t>
+                      </m:r>
+                      <m:r>
+                        <a:rPr lang="en-US" sz="1050" b="0" i="1" smtClean="0">
+                          <a:latin typeface="Cambria Math" panose="02040503050406030204" pitchFamily="18" charset="0"/>
+                        </a:rPr>
+                        <m:t>𝑈</m:t>
+                      </m:r>
+                      <m:r>
+                        <a:rPr lang="en-US" sz="1050" b="0" i="1" smtClean="0">
+                          <a:latin typeface="Cambria Math" panose="02040503050406030204" pitchFamily="18" charset="0"/>
+                        </a:rPr>
+                        <m:t>(0.001, 100)</m:t>
+                      </m:r>
+                    </m:oMath>
+                  </m:oMathPara>
+                </a14:m>
+                <a:endParaRPr lang="en-US" sz="1050" dirty="0"/>
+              </a:p>
+              <a:p>
+                <a:endParaRPr lang="en-US" sz="1050" dirty="0"/>
+              </a:p>
+              <a:p>
+                <a:endParaRPr lang="en-US" sz="1050" dirty="0"/>
+              </a:p>
+              <a:p>
+                <a:pPr/>
+                <a14:m>
+                  <m:oMathPara xmlns:m="http://schemas.openxmlformats.org/officeDocument/2006/math">
+                    <m:oMathParaPr>
+                      <m:jc m:val="centerGroup"/>
+                    </m:oMathParaPr>
+                    <m:oMath xmlns:m="http://schemas.openxmlformats.org/officeDocument/2006/math">
+                      <m:r>
+                        <a:rPr lang="en-US" sz="1050" b="0" i="1" smtClean="0">
+                          <a:latin typeface="Cambria Math" panose="02040503050406030204" pitchFamily="18" charset="0"/>
+                        </a:rPr>
+                        <m:t>𝑠𝑖𝑔</m:t>
+                      </m:r>
+                      <m:r>
+                        <a:rPr lang="en-US" sz="1050" b="0" i="1" smtClean="0">
+                          <a:latin typeface="Cambria Math" panose="02040503050406030204" pitchFamily="18" charset="0"/>
+                        </a:rPr>
+                        <m:t>.</m:t>
+                      </m:r>
+                      <m:r>
+                        <m:rPr>
+                          <m:brk m:alnAt="7"/>
+                        </m:rPr>
+                        <a:rPr lang="en-US" sz="1050" b="0" i="1" smtClean="0">
+                          <a:latin typeface="Cambria Math" panose="02040503050406030204" pitchFamily="18" charset="0"/>
+                        </a:rPr>
+                        <m:t>𝑎</m:t>
+                      </m:r>
+                      <m:r>
+                        <a:rPr lang="en-US" sz="1050" b="0" i="1" smtClean="0">
+                          <a:latin typeface="Cambria Math" panose="02040503050406030204" pitchFamily="18" charset="0"/>
+                        </a:rPr>
+                        <m:t>𝑙𝑝h𝑎</m:t>
+                      </m:r>
+                      <m:r>
+                        <a:rPr lang="en-US" sz="1050" b="0" i="1" smtClean="0">
+                          <a:latin typeface="Cambria Math" panose="02040503050406030204" pitchFamily="18" charset="0"/>
+                        </a:rPr>
+                        <m:t>.</m:t>
+                      </m:r>
+                      <m:r>
+                        <a:rPr lang="en-US" sz="1050" b="0" i="1" smtClean="0">
+                          <a:latin typeface="Cambria Math" panose="02040503050406030204" pitchFamily="18" charset="0"/>
+                        </a:rPr>
+                        <m:t>𝑚𝑢</m:t>
+                      </m:r>
+                      <m:r>
+                        <a:rPr lang="en-US" sz="1050" b="0" i="1" smtClean="0">
+                          <a:latin typeface="Cambria Math" panose="02040503050406030204" pitchFamily="18" charset="0"/>
+                        </a:rPr>
+                        <m:t> ~ </m:t>
+                      </m:r>
+                      <m:r>
+                        <a:rPr lang="en-US" sz="1050" b="0" i="1" smtClean="0">
+                          <a:latin typeface="Cambria Math" panose="02040503050406030204" pitchFamily="18" charset="0"/>
+                        </a:rPr>
+                        <m:t>𝑁</m:t>
+                      </m:r>
+                      <m:d>
+                        <m:dPr>
+                          <m:ctrlPr>
+                            <a:rPr lang="en-US" sz="1050" b="0" i="1" smtClean="0">
+                              <a:latin typeface="Cambria Math" panose="02040503050406030204" pitchFamily="18" charset="0"/>
+                            </a:rPr>
+                          </m:ctrlPr>
+                        </m:dPr>
+                        <m:e>
+                          <m:r>
+                            <a:rPr lang="en-US" sz="1050" b="0" i="1" smtClean="0">
+                              <a:latin typeface="Cambria Math" panose="02040503050406030204" pitchFamily="18" charset="0"/>
+                            </a:rPr>
+                            <m:t>0, 10</m:t>
+                          </m:r>
+                        </m:e>
+                      </m:d>
+                    </m:oMath>
+                  </m:oMathPara>
+                </a14:m>
+                <a:endParaRPr lang="en-US" sz="1050" b="0" dirty="0"/>
+              </a:p>
+              <a:p>
+                <a:pPr/>
+                <a14:m>
+                  <m:oMathPara xmlns:m="http://schemas.openxmlformats.org/officeDocument/2006/math">
+                    <m:oMathParaPr>
+                      <m:jc m:val="centerGroup"/>
+                    </m:oMathParaPr>
+                    <m:oMath xmlns:m="http://schemas.openxmlformats.org/officeDocument/2006/math">
+                      <m:r>
+                        <a:rPr lang="en-US" sz="1050" b="0" i="1" smtClean="0">
+                          <a:latin typeface="Cambria Math" panose="02040503050406030204" pitchFamily="18" charset="0"/>
+                        </a:rPr>
+                        <m:t>𝑠𝑖𝑔</m:t>
+                      </m:r>
+                      <m:r>
+                        <a:rPr lang="en-US" sz="1050" b="0" i="1" smtClean="0">
+                          <a:latin typeface="Cambria Math" panose="02040503050406030204" pitchFamily="18" charset="0"/>
+                        </a:rPr>
+                        <m:t>.</m:t>
+                      </m:r>
+                      <m:r>
+                        <a:rPr lang="en-US" sz="1050" b="0" i="1" smtClean="0">
+                          <a:latin typeface="Cambria Math" panose="02040503050406030204" pitchFamily="18" charset="0"/>
+                        </a:rPr>
+                        <m:t>𝑏𝑒𝑡𝑎</m:t>
+                      </m:r>
+                      <m:r>
+                        <a:rPr lang="en-US" sz="1050" b="0" i="1" smtClean="0">
+                          <a:latin typeface="Cambria Math" panose="02040503050406030204" pitchFamily="18" charset="0"/>
+                        </a:rPr>
+                        <m:t>.</m:t>
+                      </m:r>
+                      <m:r>
+                        <a:rPr lang="en-US" sz="1050" b="0" i="1" smtClean="0">
+                          <a:latin typeface="Cambria Math" panose="02040503050406030204" pitchFamily="18" charset="0"/>
+                        </a:rPr>
+                        <m:t>𝑚𝑢</m:t>
+                      </m:r>
+                      <m:r>
+                        <a:rPr lang="en-US" sz="1050" b="0" i="1" smtClean="0">
+                          <a:latin typeface="Cambria Math" panose="02040503050406030204" pitchFamily="18" charset="0"/>
+                        </a:rPr>
+                        <m:t> ~ </m:t>
+                      </m:r>
+                      <m:r>
+                        <a:rPr lang="en-US" sz="1050" b="0" i="1" smtClean="0">
+                          <a:latin typeface="Cambria Math" panose="02040503050406030204" pitchFamily="18" charset="0"/>
+                        </a:rPr>
+                        <m:t>𝑁</m:t>
+                      </m:r>
+                      <m:d>
+                        <m:dPr>
+                          <m:ctrlPr>
+                            <a:rPr lang="en-US" sz="1050" b="0" i="1" smtClean="0">
+                              <a:latin typeface="Cambria Math" panose="02040503050406030204" pitchFamily="18" charset="0"/>
+                            </a:rPr>
+                          </m:ctrlPr>
+                        </m:dPr>
+                        <m:e>
+                          <m:r>
+                            <a:rPr lang="en-US" sz="1050" b="0" i="1" smtClean="0">
+                              <a:latin typeface="Cambria Math" panose="02040503050406030204" pitchFamily="18" charset="0"/>
+                            </a:rPr>
+                            <m:t>0, 10</m:t>
+                          </m:r>
+                        </m:e>
+                      </m:d>
+                    </m:oMath>
+                  </m:oMathPara>
+                </a14:m>
+                <a:endParaRPr lang="en-US" sz="1050" b="0" dirty="0"/>
+              </a:p>
+              <a:p>
+                <a:pPr/>
+                <a14:m>
+                  <m:oMathPara xmlns:m="http://schemas.openxmlformats.org/officeDocument/2006/math">
+                    <m:oMathParaPr>
+                      <m:jc m:val="centerGroup"/>
+                    </m:oMathParaPr>
+                    <m:oMath xmlns:m="http://schemas.openxmlformats.org/officeDocument/2006/math">
+                      <m:r>
+                        <a:rPr lang="en-US" sz="1050" b="0" i="1" smtClean="0">
+                          <a:latin typeface="Cambria Math" panose="02040503050406030204" pitchFamily="18" charset="0"/>
+                        </a:rPr>
+                        <m:t>𝑠𝑖𝑔</m:t>
+                      </m:r>
+                      <m:r>
+                        <a:rPr lang="en-US" sz="1050" b="0" i="1" smtClean="0">
+                          <a:latin typeface="Cambria Math" panose="02040503050406030204" pitchFamily="18" charset="0"/>
+                        </a:rPr>
+                        <m:t>.</m:t>
+                      </m:r>
+                      <m:r>
+                        <m:rPr>
+                          <m:brk m:alnAt="7"/>
+                        </m:rPr>
+                        <a:rPr lang="en-US" sz="1050" b="0" i="1" smtClean="0">
+                          <a:latin typeface="Cambria Math" panose="02040503050406030204" pitchFamily="18" charset="0"/>
+                        </a:rPr>
+                        <m:t>𝑎</m:t>
+                      </m:r>
+                      <m:r>
+                        <a:rPr lang="en-US" sz="1050" b="0" i="1" smtClean="0">
+                          <a:latin typeface="Cambria Math" panose="02040503050406030204" pitchFamily="18" charset="0"/>
+                        </a:rPr>
+                        <m:t>𝑙𝑝h𝑎</m:t>
+                      </m:r>
+                      <m:r>
+                        <a:rPr lang="en-US" sz="1050" b="0" i="1" smtClean="0">
+                          <a:latin typeface="Cambria Math" panose="02040503050406030204" pitchFamily="18" charset="0"/>
+                        </a:rPr>
+                        <m:t>.</m:t>
+                      </m:r>
+                      <m:r>
+                        <a:rPr lang="en-US" sz="1050" b="0" i="1" smtClean="0">
+                          <a:latin typeface="Cambria Math" panose="02040503050406030204" pitchFamily="18" charset="0"/>
+                        </a:rPr>
+                        <m:t>𝑠𝑖𝑔𝑚𝑎</m:t>
+                      </m:r>
+                      <m:r>
+                        <a:rPr lang="en-US" sz="1050" b="0" i="1" smtClean="0">
+                          <a:latin typeface="Cambria Math" panose="02040503050406030204" pitchFamily="18" charset="0"/>
+                        </a:rPr>
+                        <m:t> ~ </m:t>
+                      </m:r>
+                      <m:r>
+                        <a:rPr lang="en-US" sz="1050" b="0" i="1" smtClean="0">
+                          <a:latin typeface="Cambria Math" panose="02040503050406030204" pitchFamily="18" charset="0"/>
+                        </a:rPr>
+                        <m:t>𝑈</m:t>
+                      </m:r>
+                      <m:r>
+                        <a:rPr lang="en-US" sz="1050" b="0" i="1" smtClean="0">
+                          <a:latin typeface="Cambria Math" panose="02040503050406030204" pitchFamily="18" charset="0"/>
+                        </a:rPr>
+                        <m:t>(0.001, 100)</m:t>
+                      </m:r>
+                    </m:oMath>
+                  </m:oMathPara>
+                </a14:m>
+                <a:endParaRPr lang="en-US" sz="1050" dirty="0"/>
+              </a:p>
+              <a:p>
+                <a:pPr/>
+                <a14:m>
+                  <m:oMathPara xmlns:m="http://schemas.openxmlformats.org/officeDocument/2006/math">
+                    <m:oMathParaPr>
+                      <m:jc m:val="centerGroup"/>
+                    </m:oMathParaPr>
+                    <m:oMath xmlns:m="http://schemas.openxmlformats.org/officeDocument/2006/math">
+                      <m:r>
+                        <a:rPr lang="en-US" sz="1050" b="0" i="1" smtClean="0">
+                          <a:latin typeface="Cambria Math" panose="02040503050406030204" pitchFamily="18" charset="0"/>
+                        </a:rPr>
+                        <m:t>𝑠𝑖𝑔</m:t>
+                      </m:r>
+                      <m:r>
+                        <a:rPr lang="en-US" sz="1050" b="0" i="1" smtClean="0">
+                          <a:latin typeface="Cambria Math" panose="02040503050406030204" pitchFamily="18" charset="0"/>
+                        </a:rPr>
+                        <m:t>.</m:t>
+                      </m:r>
+                      <m:r>
+                        <a:rPr lang="en-US" sz="1050" b="0" i="1" smtClean="0">
+                          <a:latin typeface="Cambria Math" panose="02040503050406030204" pitchFamily="18" charset="0"/>
+                        </a:rPr>
+                        <m:t>𝑏𝑒𝑡𝑎</m:t>
+                      </m:r>
+                      <m:r>
+                        <a:rPr lang="en-US" sz="1050" b="0" i="1" smtClean="0">
+                          <a:latin typeface="Cambria Math" panose="02040503050406030204" pitchFamily="18" charset="0"/>
+                        </a:rPr>
+                        <m:t>.</m:t>
+                      </m:r>
+                      <m:r>
+                        <a:rPr lang="en-US" sz="1050" b="0" i="1" smtClean="0">
+                          <a:latin typeface="Cambria Math" panose="02040503050406030204" pitchFamily="18" charset="0"/>
+                        </a:rPr>
+                        <m:t>𝑠𝑖𝑔𝑚𝑎</m:t>
+                      </m:r>
+                      <m:r>
+                        <a:rPr lang="en-US" sz="1050" b="0" i="1" smtClean="0">
+                          <a:latin typeface="Cambria Math" panose="02040503050406030204" pitchFamily="18" charset="0"/>
+                        </a:rPr>
+                        <m:t> ~ </m:t>
+                      </m:r>
+                      <m:r>
+                        <a:rPr lang="en-US" sz="1050" b="0" i="1" smtClean="0">
+                          <a:latin typeface="Cambria Math" panose="02040503050406030204" pitchFamily="18" charset="0"/>
+                        </a:rPr>
+                        <m:t>𝑈</m:t>
+                      </m:r>
+                      <m:r>
+                        <a:rPr lang="en-US" sz="1050" b="0" i="1" smtClean="0">
+                          <a:latin typeface="Cambria Math" panose="02040503050406030204" pitchFamily="18" charset="0"/>
+                        </a:rPr>
+                        <m:t>(0.001, 100)</m:t>
+                      </m:r>
+                    </m:oMath>
+                  </m:oMathPara>
+                </a14:m>
+                <a:endParaRPr lang="en-US" sz="1050" dirty="0"/>
+              </a:p>
+              <a:p>
+                <a:pPr/>
+                <a:endParaRPr lang="en-US" sz="1050" dirty="0"/>
+              </a:p>
+              <a:p>
+                <a:pPr/>
+                <a:endParaRPr lang="en-US" sz="1050" dirty="0"/>
+              </a:p>
+              <a:p>
+                <a14:m>
+                  <m:oMathPara xmlns:m="http://schemas.openxmlformats.org/officeDocument/2006/math">
+                    <m:oMathParaPr>
+                      <m:jc m:val="centerGroup"/>
+                    </m:oMathParaPr>
+                    <m:oMath xmlns:m="http://schemas.openxmlformats.org/officeDocument/2006/math">
+                      <m:r>
+                        <a:rPr lang="en-US" sz="1050" i="1">
+                          <a:latin typeface="Cambria Math" panose="02040503050406030204" pitchFamily="18" charset="0"/>
+                          <a:ea typeface="Cambria Math" panose="02040503050406030204" pitchFamily="18" charset="0"/>
+                        </a:rPr>
+                        <m:t>𝜌</m:t>
+                      </m:r>
+                      <m:r>
+                        <a:rPr lang="en-US" sz="1050" b="0" i="1" smtClean="0">
+                          <a:latin typeface="Cambria Math" panose="02040503050406030204" pitchFamily="18" charset="0"/>
+                          <a:ea typeface="Cambria Math" panose="02040503050406030204" pitchFamily="18" charset="0"/>
+                        </a:rPr>
+                        <m:t> </m:t>
+                      </m:r>
+                      <m:r>
+                        <a:rPr lang="en-US" sz="1050" b="0" i="1" smtClean="0">
+                          <a:latin typeface="Cambria Math" panose="02040503050406030204" pitchFamily="18" charset="0"/>
+                        </a:rPr>
+                        <m:t>~ </m:t>
+                      </m:r>
+                      <m:r>
+                        <a:rPr lang="en-US" sz="1050" b="0" i="1" smtClean="0">
+                          <a:latin typeface="Cambria Math" panose="02040503050406030204" pitchFamily="18" charset="0"/>
+                        </a:rPr>
+                        <m:t>𝑈</m:t>
+                      </m:r>
+                      <m:r>
+                        <a:rPr lang="en-US" sz="1050" b="0" i="1" smtClean="0">
+                          <a:latin typeface="Cambria Math" panose="02040503050406030204" pitchFamily="18" charset="0"/>
+                        </a:rPr>
+                        <m:t>(−1, 1)</m:t>
+                      </m:r>
+                    </m:oMath>
+                  </m:oMathPara>
+                </a14:m>
+                <a:endParaRPr lang="en-US" sz="1050" dirty="0"/>
+              </a:p>
+              <a:p>
+                <a:endParaRPr lang="en-US" sz="1050" dirty="0"/>
+              </a:p>
+              <a:p>
+                <a:endParaRPr lang="en-US" sz="1050" dirty="0"/>
+              </a:p>
+            </p:txBody>
+          </p:sp>
+        </mc:Choice>
+        <mc:Fallback>
+          <p:sp>
+            <p:nvSpPr>
+              <p:cNvPr id="2" name="TextBox 1">
+                <a:extLst>
+                  <a:ext uri="{FF2B5EF4-FFF2-40B4-BE49-F238E27FC236}">
+                    <a16:creationId xmlns:a16="http://schemas.microsoft.com/office/drawing/2014/main" id="{22EE6A7C-B0E6-530D-1B1F-F97B3C176468}"/>
+                  </a:ext>
+                </a:extLst>
+              </p:cNvPr>
+              <p:cNvSpPr txBox="1">
+                <a:spLocks noRot="1" noChangeAspect="1" noMove="1" noResize="1" noEditPoints="1" noAdjustHandles="1" noChangeArrowheads="1" noChangeShapeType="1" noTextEdit="1"/>
+              </p:cNvSpPr>
+              <p:nvPr/>
+            </p:nvSpPr>
+            <p:spPr>
+              <a:xfrm>
+                <a:off x="-90054" y="169564"/>
+                <a:ext cx="4344907" cy="5888407"/>
+              </a:xfrm>
+              <a:prstGeom prst="rect">
+                <a:avLst/>
+              </a:prstGeom>
+              <a:blipFill>
+                <a:blip r:embed="rId2"/>
+                <a:stretch>
+                  <a:fillRect t="-414"/>
+                </a:stretch>
+              </a:blipFill>
+            </p:spPr>
+            <p:txBody>
+              <a:bodyPr/>
+              <a:lstStyle/>
+              <a:p>
+                <a:r>
+                  <a:rPr lang="en-US">
+                    <a:noFill/>
+                  </a:rPr>
+                  <a:t> </a:t>
+                </a:r>
+              </a:p>
+            </p:txBody>
+          </p:sp>
+        </mc:Fallback>
+      </mc:AlternateContent>
+      <mc:AlternateContent xmlns:mc="http://schemas.openxmlformats.org/markup-compatibility/2006">
+        <mc:Choice xmlns:a14="http://schemas.microsoft.com/office/drawing/2010/main" Requires="a14">
+          <p:sp>
+            <p:nvSpPr>
+              <p:cNvPr id="3" name="TextBox 2">
+                <a:extLst>
+                  <a:ext uri="{FF2B5EF4-FFF2-40B4-BE49-F238E27FC236}">
+                    <a16:creationId xmlns:a16="http://schemas.microsoft.com/office/drawing/2014/main" id="{8F78BE17-C73E-0409-F14E-DC6B8F7C2A44}"/>
+                  </a:ext>
+                </a:extLst>
+              </p:cNvPr>
+              <p:cNvSpPr txBox="1"/>
+              <p:nvPr/>
+            </p:nvSpPr>
+            <p:spPr>
+              <a:xfrm>
+                <a:off x="4181907" y="0"/>
+                <a:ext cx="5250997" cy="1550809"/>
+              </a:xfrm>
+              <a:prstGeom prst="rect">
+                <a:avLst/>
+              </a:prstGeom>
+              <a:noFill/>
+            </p:spPr>
+            <p:txBody>
+              <a:bodyPr wrap="square" rtlCol="0">
+                <a:spAutoFit/>
+              </a:bodyPr>
+              <a:lstStyle/>
+              <a:p>
+                <a:r>
+                  <a:rPr lang="en-US" sz="1200" dirty="0"/>
+                  <a:t>Variance explained by fixed effects: </a:t>
+                </a:r>
+                <a14:m>
+                  <m:oMath xmlns:m="http://schemas.openxmlformats.org/officeDocument/2006/math">
+                    <m:sSub>
+                      <m:sSubPr>
+                        <m:ctrlPr>
+                          <a:rPr lang="en-US" sz="1200" i="1" smtClean="0">
+                            <a:latin typeface="Cambria Math" panose="02040503050406030204" pitchFamily="18" charset="0"/>
+                          </a:rPr>
+                        </m:ctrlPr>
+                      </m:sSubPr>
+                      <m:e>
+                        <m:r>
+                          <a:rPr lang="en-US" sz="1200" b="0" i="1" smtClean="0">
+                            <a:latin typeface="Cambria Math" panose="02040503050406030204" pitchFamily="18" charset="0"/>
+                          </a:rPr>
+                          <m:t>𝑉</m:t>
+                        </m:r>
+                      </m:e>
+                      <m:sub>
+                        <m:r>
+                          <a:rPr lang="en-US" sz="1200" b="0" i="1" smtClean="0">
+                            <a:latin typeface="Cambria Math" panose="02040503050406030204" pitchFamily="18" charset="0"/>
+                          </a:rPr>
+                          <m:t>𝐹</m:t>
+                        </m:r>
+                      </m:sub>
+                    </m:sSub>
+                    <m:r>
+                      <a:rPr lang="en-US" sz="1200" b="0" i="1" smtClean="0">
+                        <a:latin typeface="Cambria Math" panose="02040503050406030204" pitchFamily="18" charset="0"/>
+                      </a:rPr>
+                      <m:t>= </m:t>
+                    </m:r>
+                    <m:sSup>
+                      <m:sSupPr>
+                        <m:ctrlPr>
+                          <a:rPr lang="en-US" sz="1200" b="0" i="1" smtClean="0">
+                            <a:latin typeface="Cambria Math" panose="02040503050406030204" pitchFamily="18" charset="0"/>
+                          </a:rPr>
+                        </m:ctrlPr>
+                      </m:sSupPr>
+                      <m:e>
+                        <m:r>
+                          <a:rPr lang="en-US" sz="1200" b="0" i="1" smtClean="0">
+                            <a:latin typeface="Cambria Math" panose="02040503050406030204" pitchFamily="18" charset="0"/>
+                            <a:ea typeface="Cambria Math" panose="02040503050406030204" pitchFamily="18" charset="0"/>
+                          </a:rPr>
+                          <m:t>𝛽</m:t>
+                        </m:r>
+                      </m:e>
+                      <m:sup>
+                        <m:r>
+                          <a:rPr lang="en-US" sz="1200" b="0" i="1" smtClean="0">
+                            <a:latin typeface="Cambria Math" panose="02040503050406030204" pitchFamily="18" charset="0"/>
+                          </a:rPr>
+                          <m:t>2</m:t>
+                        </m:r>
+                      </m:sup>
+                    </m:sSup>
+                    <m:sSub>
+                      <m:sSubPr>
+                        <m:ctrlPr>
+                          <a:rPr lang="en-US" sz="1200" b="0" i="1" smtClean="0">
+                            <a:latin typeface="Cambria Math" panose="02040503050406030204" pitchFamily="18" charset="0"/>
+                          </a:rPr>
+                        </m:ctrlPr>
+                      </m:sSubPr>
+                      <m:e>
+                        <m:r>
+                          <a:rPr lang="en-US" sz="1200" b="0" i="1" smtClean="0">
+                            <a:latin typeface="Cambria Math" panose="02040503050406030204" pitchFamily="18" charset="0"/>
+                          </a:rPr>
+                          <m:t>𝑉</m:t>
+                        </m:r>
+                      </m:e>
+                      <m:sub>
+                        <m:r>
+                          <a:rPr lang="en-US" sz="1200" b="0" i="1" smtClean="0">
+                            <a:latin typeface="Cambria Math" panose="02040503050406030204" pitchFamily="18" charset="0"/>
+                          </a:rPr>
+                          <m:t>𝑥</m:t>
+                        </m:r>
+                      </m:sub>
+                    </m:sSub>
+                  </m:oMath>
+                </a14:m>
+                <a:r>
+                  <a:rPr lang="en-US" sz="1200" dirty="0"/>
+                  <a:t>  </a:t>
+                </a:r>
+              </a:p>
+              <a:p>
+                <a:endParaRPr lang="en-US" sz="1200" dirty="0"/>
+              </a:p>
+              <a:p>
+                <a:r>
+                  <a:rPr lang="en-US" sz="1200" dirty="0"/>
+                  <a:t>Variance explained by individual, conditional on x: </a:t>
+                </a:r>
+                <a14:m>
+                  <m:oMath xmlns:m="http://schemas.openxmlformats.org/officeDocument/2006/math">
+                    <m:sSub>
+                      <m:sSubPr>
+                        <m:ctrlPr>
+                          <a:rPr lang="en-US" sz="1200" i="1" smtClean="0">
+                            <a:latin typeface="Cambria Math" panose="02040503050406030204" pitchFamily="18" charset="0"/>
+                          </a:rPr>
+                        </m:ctrlPr>
+                      </m:sSubPr>
+                      <m:e>
+                        <m:r>
+                          <a:rPr lang="en-US" sz="1200" b="0" i="1" smtClean="0">
+                            <a:latin typeface="Cambria Math" panose="02040503050406030204" pitchFamily="18" charset="0"/>
+                          </a:rPr>
+                          <m:t>𝑉</m:t>
+                        </m:r>
+                      </m:e>
+                      <m:sub>
+                        <m:r>
+                          <a:rPr lang="en-US" sz="1200" b="0" i="1" smtClean="0">
+                            <a:latin typeface="Cambria Math" panose="02040503050406030204" pitchFamily="18" charset="0"/>
+                          </a:rPr>
+                          <m:t>𝐼</m:t>
+                        </m:r>
+                      </m:sub>
+                    </m:sSub>
+                    <m:r>
+                      <a:rPr lang="en-US" sz="1200" b="0" i="1" smtClean="0">
+                        <a:latin typeface="Cambria Math" panose="02040503050406030204" pitchFamily="18" charset="0"/>
+                      </a:rPr>
+                      <m:t>=</m:t>
+                    </m:r>
+                    <m:sSub>
+                      <m:sSubPr>
+                        <m:ctrlPr>
+                          <a:rPr lang="en-US" sz="1200" b="0" i="1" smtClean="0">
+                            <a:latin typeface="Cambria Math" panose="02040503050406030204" pitchFamily="18" charset="0"/>
+                          </a:rPr>
+                        </m:ctrlPr>
+                      </m:sSubPr>
+                      <m:e>
+                        <m:r>
+                          <a:rPr lang="en-US" sz="1200" b="0" i="1" smtClean="0">
+                            <a:latin typeface="Cambria Math" panose="02040503050406030204" pitchFamily="18" charset="0"/>
+                          </a:rPr>
+                          <m:t>𝑉</m:t>
+                        </m:r>
+                      </m:e>
+                      <m:sub>
+                        <m:r>
+                          <a:rPr lang="en-US" sz="1200" b="0" i="1" smtClean="0">
+                            <a:latin typeface="Cambria Math" panose="02040503050406030204" pitchFamily="18" charset="0"/>
+                          </a:rPr>
+                          <m:t>𝑢</m:t>
+                        </m:r>
+                      </m:sub>
+                    </m:sSub>
+                    <m:r>
+                      <a:rPr lang="en-US" sz="1200" b="0" i="1" smtClean="0">
+                        <a:latin typeface="Cambria Math" panose="02040503050406030204" pitchFamily="18" charset="0"/>
+                      </a:rPr>
+                      <m:t>+</m:t>
+                    </m:r>
+                    <m:sSup>
+                      <m:sSupPr>
+                        <m:ctrlPr>
+                          <a:rPr lang="en-US" sz="1200" b="0" i="1" smtClean="0">
+                            <a:latin typeface="Cambria Math" panose="02040503050406030204" pitchFamily="18" charset="0"/>
+                          </a:rPr>
+                        </m:ctrlPr>
+                      </m:sSupPr>
+                      <m:e>
+                        <m:r>
+                          <a:rPr lang="en-US" sz="1200" b="0" i="1" smtClean="0">
+                            <a:latin typeface="Cambria Math" panose="02040503050406030204" pitchFamily="18" charset="0"/>
+                          </a:rPr>
+                          <m:t>𝑥</m:t>
+                        </m:r>
+                      </m:e>
+                      <m:sup>
+                        <m:r>
+                          <a:rPr lang="en-US" sz="1200" b="0" i="1" smtClean="0">
+                            <a:latin typeface="Cambria Math" panose="02040503050406030204" pitchFamily="18" charset="0"/>
+                          </a:rPr>
+                          <m:t>2</m:t>
+                        </m:r>
+                      </m:sup>
+                    </m:sSup>
+                    <m:sSub>
+                      <m:sSubPr>
+                        <m:ctrlPr>
+                          <a:rPr lang="en-US" sz="1200" i="1">
+                            <a:latin typeface="Cambria Math" panose="02040503050406030204" pitchFamily="18" charset="0"/>
+                          </a:rPr>
+                        </m:ctrlPr>
+                      </m:sSubPr>
+                      <m:e>
+                        <m:r>
+                          <a:rPr lang="en-US" sz="1200" i="1">
+                            <a:latin typeface="Cambria Math" panose="02040503050406030204" pitchFamily="18" charset="0"/>
+                          </a:rPr>
+                          <m:t>𝑉</m:t>
+                        </m:r>
+                      </m:e>
+                      <m:sub>
+                        <m:r>
+                          <a:rPr lang="en-US" sz="1200" b="0" i="1" smtClean="0">
+                            <a:latin typeface="Cambria Math" panose="02040503050406030204" pitchFamily="18" charset="0"/>
+                          </a:rPr>
+                          <m:t>𝑣</m:t>
+                        </m:r>
+                      </m:sub>
+                    </m:sSub>
+                    <m:r>
+                      <a:rPr lang="en-US" sz="1200" b="0" i="1" smtClean="0">
+                        <a:latin typeface="Cambria Math" panose="02040503050406030204" pitchFamily="18" charset="0"/>
+                      </a:rPr>
+                      <m:t>+2</m:t>
+                    </m:r>
+                    <m:r>
+                      <a:rPr lang="en-US" sz="1200" b="0" i="1" smtClean="0">
+                        <a:latin typeface="Cambria Math" panose="02040503050406030204" pitchFamily="18" charset="0"/>
+                      </a:rPr>
+                      <m:t>𝑥</m:t>
+                    </m:r>
+                    <m:sSub>
+                      <m:sSubPr>
+                        <m:ctrlPr>
+                          <a:rPr lang="en-US" sz="1200" i="1">
+                            <a:latin typeface="Cambria Math" panose="02040503050406030204" pitchFamily="18" charset="0"/>
+                          </a:rPr>
+                        </m:ctrlPr>
+                      </m:sSubPr>
+                      <m:e>
+                        <m:r>
+                          <a:rPr lang="en-US" sz="1200" b="0" i="1" smtClean="0">
+                            <a:latin typeface="Cambria Math" panose="02040503050406030204" pitchFamily="18" charset="0"/>
+                          </a:rPr>
+                          <m:t>𝐶</m:t>
+                        </m:r>
+                      </m:e>
+                      <m:sub>
+                        <m:r>
+                          <a:rPr lang="en-US" sz="1200" b="0" i="1" smtClean="0">
+                            <a:latin typeface="Cambria Math" panose="02040503050406030204" pitchFamily="18" charset="0"/>
+                          </a:rPr>
+                          <m:t>𝑢</m:t>
+                        </m:r>
+                        <m:r>
+                          <a:rPr lang="en-US" sz="1200" b="0" i="1" smtClean="0">
+                            <a:latin typeface="Cambria Math" panose="02040503050406030204" pitchFamily="18" charset="0"/>
+                          </a:rPr>
+                          <m:t>,</m:t>
+                        </m:r>
+                        <m:r>
+                          <a:rPr lang="en-US" sz="1200" b="0" i="1" smtClean="0">
+                            <a:latin typeface="Cambria Math" panose="02040503050406030204" pitchFamily="18" charset="0"/>
+                          </a:rPr>
+                          <m:t>𝑣</m:t>
+                        </m:r>
+                      </m:sub>
+                    </m:sSub>
+                  </m:oMath>
+                </a14:m>
+                <a:endParaRPr lang="en-US" sz="1200" dirty="0"/>
+              </a:p>
+              <a:p>
+                <a:r>
+                  <a:rPr lang="en-US" sz="1000" dirty="0"/>
+                  <a:t>(“between-individual variation in average phenotypes is condition on x”)</a:t>
+                </a:r>
+                <a:endParaRPr lang="en-US" sz="1200" dirty="0"/>
+              </a:p>
+              <a:p>
+                <a:endParaRPr lang="en-US" sz="1200" dirty="0"/>
+              </a:p>
+              <a:p>
+                <a:r>
+                  <a:rPr lang="en-US" sz="1200" dirty="0"/>
+                  <a:t>Residual variance: </a:t>
+                </a:r>
+                <a14:m>
+                  <m:oMath xmlns:m="http://schemas.openxmlformats.org/officeDocument/2006/math">
+                    <m:sSub>
+                      <m:sSubPr>
+                        <m:ctrlPr>
+                          <a:rPr lang="en-US" sz="1200" b="0" i="1" smtClean="0">
+                            <a:latin typeface="Cambria Math" panose="02040503050406030204" pitchFamily="18" charset="0"/>
+                          </a:rPr>
+                        </m:ctrlPr>
+                      </m:sSubPr>
+                      <m:e>
+                        <m:r>
+                          <a:rPr lang="en-US" sz="1200" b="0" i="1" smtClean="0">
+                            <a:latin typeface="Cambria Math" panose="02040503050406030204" pitchFamily="18" charset="0"/>
+                          </a:rPr>
+                          <m:t>𝑉</m:t>
+                        </m:r>
+                      </m:e>
+                      <m:sub>
+                        <m:r>
+                          <a:rPr lang="en-US" sz="1200" b="0" i="1" smtClean="0">
+                            <a:latin typeface="Cambria Math" panose="02040503050406030204" pitchFamily="18" charset="0"/>
+                          </a:rPr>
+                          <m:t>𝑅</m:t>
+                        </m:r>
+                      </m:sub>
+                    </m:sSub>
+                  </m:oMath>
+                </a14:m>
+                <a:endParaRPr lang="en-US" sz="1200" dirty="0"/>
+              </a:p>
+              <a:p>
+                <a:endParaRPr lang="en-US" sz="1200" dirty="0"/>
+              </a:p>
+              <a:p>
+                <a:r>
+                  <a:rPr lang="en-US" sz="1200" b="1" dirty="0"/>
+                  <a:t>“Phenotypic” variance: </a:t>
+                </a:r>
+                <a14:m>
+                  <m:oMath xmlns:m="http://schemas.openxmlformats.org/officeDocument/2006/math">
+                    <m:sSub>
+                      <m:sSubPr>
+                        <m:ctrlPr>
+                          <a:rPr lang="en-US" sz="1200" b="1" i="1" smtClean="0">
+                            <a:latin typeface="Cambria Math" panose="02040503050406030204" pitchFamily="18" charset="0"/>
+                          </a:rPr>
+                        </m:ctrlPr>
+                      </m:sSubPr>
+                      <m:e>
+                        <m:r>
+                          <a:rPr lang="en-US" sz="1200" b="1" i="1" smtClean="0">
+                            <a:latin typeface="Cambria Math" panose="02040503050406030204" pitchFamily="18" charset="0"/>
+                          </a:rPr>
+                          <m:t>𝑽</m:t>
+                        </m:r>
+                      </m:e>
+                      <m:sub>
+                        <m:r>
+                          <a:rPr lang="en-US" sz="1200" b="1" i="1" smtClean="0">
+                            <a:latin typeface="Cambria Math" panose="02040503050406030204" pitchFamily="18" charset="0"/>
+                          </a:rPr>
+                          <m:t>𝑷</m:t>
+                        </m:r>
+                      </m:sub>
+                    </m:sSub>
+                    <m:r>
+                      <a:rPr lang="en-US" sz="1200" b="1" i="1" smtClean="0">
+                        <a:latin typeface="Cambria Math" panose="02040503050406030204" pitchFamily="18" charset="0"/>
+                      </a:rPr>
+                      <m:t>=</m:t>
+                    </m:r>
+                    <m:sSub>
+                      <m:sSubPr>
+                        <m:ctrlPr>
+                          <a:rPr lang="en-US" sz="1200" b="1" i="1">
+                            <a:latin typeface="Cambria Math" panose="02040503050406030204" pitchFamily="18" charset="0"/>
+                          </a:rPr>
+                        </m:ctrlPr>
+                      </m:sSubPr>
+                      <m:e>
+                        <m:r>
+                          <a:rPr lang="en-US" sz="1200" b="1" i="1">
+                            <a:latin typeface="Cambria Math" panose="02040503050406030204" pitchFamily="18" charset="0"/>
+                          </a:rPr>
+                          <m:t>𝑽</m:t>
+                        </m:r>
+                      </m:e>
+                      <m:sub>
+                        <m:r>
+                          <a:rPr lang="en-US" sz="1200" b="1" i="1">
+                            <a:latin typeface="Cambria Math" panose="02040503050406030204" pitchFamily="18" charset="0"/>
+                          </a:rPr>
+                          <m:t>𝑭</m:t>
+                        </m:r>
+                      </m:sub>
+                    </m:sSub>
+                    <m:r>
+                      <a:rPr lang="en-US" sz="1200" b="1" i="1" smtClean="0">
+                        <a:latin typeface="Cambria Math" panose="02040503050406030204" pitchFamily="18" charset="0"/>
+                      </a:rPr>
+                      <m:t>+</m:t>
+                    </m:r>
+                    <m:sSub>
+                      <m:sSubPr>
+                        <m:ctrlPr>
+                          <a:rPr lang="en-US" sz="1200" b="1" i="1">
+                            <a:latin typeface="Cambria Math" panose="02040503050406030204" pitchFamily="18" charset="0"/>
+                          </a:rPr>
+                        </m:ctrlPr>
+                      </m:sSubPr>
+                      <m:e>
+                        <m:r>
+                          <a:rPr lang="en-US" sz="1200" b="1" i="1">
+                            <a:latin typeface="Cambria Math" panose="02040503050406030204" pitchFamily="18" charset="0"/>
+                          </a:rPr>
+                          <m:t>𝑽</m:t>
+                        </m:r>
+                      </m:e>
+                      <m:sub>
+                        <m:r>
+                          <a:rPr lang="en-US" sz="1200" b="1" i="1" smtClean="0">
+                            <a:latin typeface="Cambria Math" panose="02040503050406030204" pitchFamily="18" charset="0"/>
+                          </a:rPr>
+                          <m:t>𝑰</m:t>
+                        </m:r>
+                      </m:sub>
+                    </m:sSub>
+                    <m:r>
+                      <a:rPr lang="en-US" sz="1200" b="1" i="1" smtClean="0">
+                        <a:latin typeface="Cambria Math" panose="02040503050406030204" pitchFamily="18" charset="0"/>
+                      </a:rPr>
+                      <m:t>+</m:t>
+                    </m:r>
+                    <m:sSub>
+                      <m:sSubPr>
+                        <m:ctrlPr>
+                          <a:rPr lang="en-US" sz="1200" b="1" i="1">
+                            <a:latin typeface="Cambria Math" panose="02040503050406030204" pitchFamily="18" charset="0"/>
+                          </a:rPr>
+                        </m:ctrlPr>
+                      </m:sSubPr>
+                      <m:e>
+                        <m:r>
+                          <a:rPr lang="en-US" sz="1200" b="1" i="1">
+                            <a:latin typeface="Cambria Math" panose="02040503050406030204" pitchFamily="18" charset="0"/>
+                          </a:rPr>
+                          <m:t>𝑽</m:t>
+                        </m:r>
+                      </m:e>
+                      <m:sub>
+                        <m:r>
+                          <a:rPr lang="en-US" sz="1200" b="1" i="1" smtClean="0">
+                            <a:latin typeface="Cambria Math" panose="02040503050406030204" pitchFamily="18" charset="0"/>
+                          </a:rPr>
+                          <m:t>𝑹</m:t>
+                        </m:r>
+                      </m:sub>
+                    </m:sSub>
+                  </m:oMath>
+                </a14:m>
+                <a:endParaRPr lang="en-US" sz="1200" b="1" dirty="0"/>
+              </a:p>
+            </p:txBody>
+          </p:sp>
+        </mc:Choice>
+        <mc:Fallback>
+          <p:sp>
+            <p:nvSpPr>
+              <p:cNvPr id="3" name="TextBox 2">
+                <a:extLst>
+                  <a:ext uri="{FF2B5EF4-FFF2-40B4-BE49-F238E27FC236}">
+                    <a16:creationId xmlns:a16="http://schemas.microsoft.com/office/drawing/2014/main" id="{8F78BE17-C73E-0409-F14E-DC6B8F7C2A44}"/>
+                  </a:ext>
+                </a:extLst>
+              </p:cNvPr>
+              <p:cNvSpPr txBox="1">
+                <a:spLocks noRot="1" noChangeAspect="1" noMove="1" noResize="1" noEditPoints="1" noAdjustHandles="1" noChangeArrowheads="1" noChangeShapeType="1" noTextEdit="1"/>
+              </p:cNvSpPr>
+              <p:nvPr/>
+            </p:nvSpPr>
+            <p:spPr>
+              <a:xfrm>
+                <a:off x="4181907" y="0"/>
+                <a:ext cx="5250997" cy="1550809"/>
+              </a:xfrm>
+              <a:prstGeom prst="rect">
+                <a:avLst/>
+              </a:prstGeom>
+              <a:blipFill>
+                <a:blip r:embed="rId3"/>
+                <a:stretch>
+                  <a:fillRect b="-2362"/>
+                </a:stretch>
+              </a:blipFill>
+            </p:spPr>
+            <p:txBody>
+              <a:bodyPr/>
+              <a:lstStyle/>
+              <a:p>
+                <a:r>
+                  <a:rPr lang="en-US">
+                    <a:noFill/>
+                  </a:rPr>
+                  <a:t> </a:t>
+                </a:r>
+              </a:p>
+            </p:txBody>
+          </p:sp>
+        </mc:Fallback>
+      </mc:AlternateContent>
+      <p:cxnSp>
+        <p:nvCxnSpPr>
+          <p:cNvPr id="5" name="Straight Connector 4">
+            <a:extLst>
+              <a:ext uri="{FF2B5EF4-FFF2-40B4-BE49-F238E27FC236}">
+                <a16:creationId xmlns:a16="http://schemas.microsoft.com/office/drawing/2014/main" id="{63B6712C-5732-FE9F-C4CE-3C3EB97CE856}"/>
+              </a:ext>
+            </a:extLst>
+          </p:cNvPr>
+          <p:cNvCxnSpPr/>
+          <p:nvPr/>
+        </p:nvCxnSpPr>
+        <p:spPr>
+          <a:xfrm>
+            <a:off x="4181907" y="0"/>
+            <a:ext cx="0" cy="6858000"/>
+          </a:xfrm>
+          <a:prstGeom prst="line">
+            <a:avLst/>
+          </a:prstGeom>
+          <a:ln w="12700"/>
+        </p:spPr>
+        <p:style>
+          <a:lnRef idx="1">
+            <a:schemeClr val="accent1"/>
+          </a:lnRef>
+          <a:fillRef idx="0">
+            <a:schemeClr val="accent1"/>
+          </a:fillRef>
+          <a:effectRef idx="0">
+            <a:schemeClr val="accent1"/>
+          </a:effectRef>
+          <a:fontRef idx="minor">
+            <a:schemeClr val="tx1"/>
+          </a:fontRef>
+        </p:style>
+      </p:cxnSp>
+      <mc:AlternateContent xmlns:mc="http://schemas.openxmlformats.org/markup-compatibility/2006">
+        <mc:Choice xmlns:a14="http://schemas.microsoft.com/office/drawing/2010/main" Requires="a14">
+          <p:sp>
+            <p:nvSpPr>
+              <p:cNvPr id="6" name="TextBox 5">
+                <a:extLst>
+                  <a:ext uri="{FF2B5EF4-FFF2-40B4-BE49-F238E27FC236}">
+                    <a16:creationId xmlns:a16="http://schemas.microsoft.com/office/drawing/2014/main" id="{3CFA36DE-A1A0-DB59-E4CD-975D540831B9}"/>
+                  </a:ext>
+                </a:extLst>
+              </p:cNvPr>
+              <p:cNvSpPr txBox="1"/>
+              <p:nvPr/>
+            </p:nvSpPr>
+            <p:spPr>
+              <a:xfrm>
+                <a:off x="4225250" y="1695156"/>
+                <a:ext cx="7950446" cy="224549"/>
+              </a:xfrm>
+              <a:prstGeom prst="rect">
+                <a:avLst/>
+              </a:prstGeom>
+              <a:noFill/>
+            </p:spPr>
+            <p:txBody>
+              <a:bodyPr wrap="none" lIns="0" tIns="0" rIns="0" bIns="0" rtlCol="0">
+                <a:spAutoFit/>
+              </a:bodyPr>
+              <a:lstStyle/>
+              <a:p>
+                <a14:m>
+                  <m:oMathPara xmlns:m="http://schemas.openxmlformats.org/officeDocument/2006/math">
+                    <m:oMathParaPr>
+                      <m:jc m:val="centerGroup"/>
+                    </m:oMathParaPr>
+                    <m:oMath xmlns:m="http://schemas.openxmlformats.org/officeDocument/2006/math">
+                      <m:sSub>
+                        <m:sSubPr>
+                          <m:ctrlPr>
+                            <a:rPr lang="en-US" sz="1100" i="1" smtClean="0">
+                              <a:latin typeface="Cambria Math" panose="02040503050406030204" pitchFamily="18" charset="0"/>
+                            </a:rPr>
+                          </m:ctrlPr>
+                        </m:sSubPr>
+                        <m:e>
+                          <m:r>
+                            <a:rPr lang="en-US" sz="1100" b="0" i="1" smtClean="0">
+                              <a:latin typeface="Cambria Math" panose="02040503050406030204" pitchFamily="18" charset="0"/>
+                            </a:rPr>
+                            <m:t>𝑉</m:t>
+                          </m:r>
+                        </m:e>
+                        <m:sub>
+                          <m:r>
+                            <a:rPr lang="en-US" sz="1100" b="0" i="1" smtClean="0">
+                              <a:latin typeface="Cambria Math" panose="02040503050406030204" pitchFamily="18" charset="0"/>
+                            </a:rPr>
+                            <m:t>𝑃</m:t>
+                          </m:r>
+                          <m:r>
+                            <a:rPr lang="en-US" sz="1100" b="0" i="1" smtClean="0">
+                              <a:latin typeface="Cambria Math" panose="02040503050406030204" pitchFamily="18" charset="0"/>
+                            </a:rPr>
+                            <m:t>,</m:t>
+                          </m:r>
+                          <m:r>
+                            <a:rPr lang="en-US" sz="1100" b="0" i="1" smtClean="0">
+                              <a:latin typeface="Cambria Math" panose="02040503050406030204" pitchFamily="18" charset="0"/>
+                            </a:rPr>
+                            <m:t>𝑂𝑏𝑠</m:t>
+                          </m:r>
+                        </m:sub>
+                      </m:sSub>
+                      <m:r>
+                        <a:rPr lang="en-US" sz="1100" b="0" i="1" smtClean="0">
+                          <a:latin typeface="Cambria Math" panose="02040503050406030204" pitchFamily="18" charset="0"/>
+                        </a:rPr>
+                        <m:t>= </m:t>
+                      </m:r>
+                      <m:d>
+                        <m:dPr>
+                          <m:ctrlPr>
+                            <a:rPr lang="en-US" sz="1100" b="0" i="1" smtClean="0">
+                              <a:latin typeface="Cambria Math" panose="02040503050406030204" pitchFamily="18" charset="0"/>
+                            </a:rPr>
+                          </m:ctrlPr>
+                        </m:dPr>
+                        <m:e>
+                          <m:sSup>
+                            <m:sSupPr>
+                              <m:ctrlPr>
+                                <a:rPr lang="en-US" sz="1100" i="1">
+                                  <a:latin typeface="Cambria Math" panose="02040503050406030204" pitchFamily="18" charset="0"/>
+                                </a:rPr>
+                              </m:ctrlPr>
+                            </m:sSupPr>
+                            <m:e>
+                              <m:r>
+                                <a:rPr lang="en-US" sz="1100" i="1">
+                                  <a:latin typeface="Cambria Math" panose="02040503050406030204" pitchFamily="18" charset="0"/>
+                                </a:rPr>
+                                <m:t>𝑏𝑒𝑡𝑎</m:t>
+                              </m:r>
+                              <m:r>
+                                <a:rPr lang="en-US" sz="1100" i="1">
+                                  <a:latin typeface="Cambria Math" panose="02040503050406030204" pitchFamily="18" charset="0"/>
+                                </a:rPr>
+                                <m:t>.</m:t>
+                              </m:r>
+                              <m:r>
+                                <a:rPr lang="en-US" sz="1100" i="1">
+                                  <a:latin typeface="Cambria Math" panose="02040503050406030204" pitchFamily="18" charset="0"/>
+                                </a:rPr>
+                                <m:t>𝑚𝑢</m:t>
+                              </m:r>
+                            </m:e>
+                            <m:sup>
+                              <m:r>
+                                <a:rPr lang="en-US" sz="1100" i="1">
+                                  <a:latin typeface="Cambria Math" panose="02040503050406030204" pitchFamily="18" charset="0"/>
+                                </a:rPr>
+                                <m:t>2</m:t>
+                              </m:r>
+                            </m:sup>
+                          </m:sSup>
+                          <m:sSub>
+                            <m:sSubPr>
+                              <m:ctrlPr>
+                                <a:rPr lang="en-US" sz="1100" i="1">
+                                  <a:latin typeface="Cambria Math" panose="02040503050406030204" pitchFamily="18" charset="0"/>
+                                </a:rPr>
+                              </m:ctrlPr>
+                            </m:sSubPr>
+                            <m:e>
+                              <m:r>
+                                <a:rPr lang="en-US" sz="1100" i="1">
+                                  <a:latin typeface="Cambria Math" panose="02040503050406030204" pitchFamily="18" charset="0"/>
+                                </a:rPr>
+                                <m:t>𝑉</m:t>
+                              </m:r>
+                            </m:e>
+                            <m:sub>
+                              <m:r>
+                                <a:rPr lang="en-US" sz="1100" i="1">
+                                  <a:latin typeface="Cambria Math" panose="02040503050406030204" pitchFamily="18" charset="0"/>
+                                </a:rPr>
+                                <m:t>𝑥</m:t>
+                              </m:r>
+                            </m:sub>
+                          </m:sSub>
+                        </m:e>
+                      </m:d>
+                      <m:r>
+                        <a:rPr lang="en-US" sz="1100" b="0" i="1" smtClean="0">
+                          <a:latin typeface="Cambria Math" panose="02040503050406030204" pitchFamily="18" charset="0"/>
+                        </a:rPr>
+                        <m:t>+</m:t>
+                      </m:r>
+                      <m:d>
+                        <m:dPr>
+                          <m:ctrlPr>
+                            <a:rPr lang="en-US" sz="1100" b="0" i="1" smtClean="0">
+                              <a:latin typeface="Cambria Math" panose="02040503050406030204" pitchFamily="18" charset="0"/>
+                            </a:rPr>
+                          </m:ctrlPr>
+                        </m:dPr>
+                        <m:e>
+                          <m:sSup>
+                            <m:sSupPr>
+                              <m:ctrlPr>
+                                <a:rPr lang="en-US" sz="1100" b="0" i="1" smtClean="0">
+                                  <a:latin typeface="Cambria Math" panose="02040503050406030204" pitchFamily="18" charset="0"/>
+                                </a:rPr>
+                              </m:ctrlPr>
+                            </m:sSupPr>
+                            <m:e>
+                              <m:r>
+                                <a:rPr lang="en-US" sz="1100" b="0" i="1" smtClean="0">
+                                  <a:latin typeface="Cambria Math" panose="02040503050406030204" pitchFamily="18" charset="0"/>
+                                </a:rPr>
+                                <m:t>𝑎𝑙𝑝h𝑎</m:t>
+                              </m:r>
+                              <m:r>
+                                <a:rPr lang="en-US" sz="1100" b="0" i="1" smtClean="0">
+                                  <a:latin typeface="Cambria Math" panose="02040503050406030204" pitchFamily="18" charset="0"/>
+                                </a:rPr>
+                                <m:t>.</m:t>
+                              </m:r>
+                              <m:r>
+                                <a:rPr lang="en-US" sz="1100" b="0" i="1" smtClean="0">
+                                  <a:latin typeface="Cambria Math" panose="02040503050406030204" pitchFamily="18" charset="0"/>
+                                </a:rPr>
+                                <m:t>𝑠𝑖𝑔𝑚𝑎</m:t>
+                              </m:r>
+                            </m:e>
+                            <m:sup>
+                              <m:r>
+                                <a:rPr lang="en-US" sz="1100" b="0" i="1" smtClean="0">
+                                  <a:latin typeface="Cambria Math" panose="02040503050406030204" pitchFamily="18" charset="0"/>
+                                </a:rPr>
+                                <m:t>2</m:t>
+                              </m:r>
+                            </m:sup>
+                          </m:sSup>
+                          <m:r>
+                            <a:rPr lang="en-US" sz="1100" b="0" i="1" smtClean="0">
+                              <a:latin typeface="Cambria Math" panose="02040503050406030204" pitchFamily="18" charset="0"/>
+                            </a:rPr>
+                            <m:t>+</m:t>
+                          </m:r>
+                          <m:sSup>
+                            <m:sSupPr>
+                              <m:ctrlPr>
+                                <a:rPr lang="en-US" sz="1100" i="1">
+                                  <a:latin typeface="Cambria Math" panose="02040503050406030204" pitchFamily="18" charset="0"/>
+                                </a:rPr>
+                              </m:ctrlPr>
+                            </m:sSupPr>
+                            <m:e>
+                              <m:r>
+                                <a:rPr lang="en-US" sz="1100" i="1">
+                                  <a:latin typeface="Cambria Math" panose="02040503050406030204" pitchFamily="18" charset="0"/>
+                                </a:rPr>
+                                <m:t>𝑥</m:t>
+                              </m:r>
+                            </m:e>
+                            <m:sup>
+                              <m:r>
+                                <a:rPr lang="en-US" sz="1100" i="1">
+                                  <a:latin typeface="Cambria Math" panose="02040503050406030204" pitchFamily="18" charset="0"/>
+                                </a:rPr>
+                                <m:t>2</m:t>
+                              </m:r>
+                            </m:sup>
+                          </m:sSup>
+                          <m:sSup>
+                            <m:sSupPr>
+                              <m:ctrlPr>
+                                <a:rPr lang="en-US" sz="1100" i="1" smtClean="0">
+                                  <a:latin typeface="Cambria Math" panose="02040503050406030204" pitchFamily="18" charset="0"/>
+                                </a:rPr>
+                              </m:ctrlPr>
+                            </m:sSupPr>
+                            <m:e>
+                              <m:r>
+                                <a:rPr lang="en-US" sz="1100" b="0" i="1" smtClean="0">
+                                  <a:latin typeface="Cambria Math" panose="02040503050406030204" pitchFamily="18" charset="0"/>
+                                </a:rPr>
+                                <m:t>𝑏𝑒𝑡𝑎</m:t>
+                              </m:r>
+                              <m:r>
+                                <a:rPr lang="en-US" sz="1100" b="0" i="1" smtClean="0">
+                                  <a:latin typeface="Cambria Math" panose="02040503050406030204" pitchFamily="18" charset="0"/>
+                                </a:rPr>
+                                <m:t>.</m:t>
+                              </m:r>
+                              <m:r>
+                                <a:rPr lang="en-US" sz="1100" b="0" i="1" smtClean="0">
+                                  <a:latin typeface="Cambria Math" panose="02040503050406030204" pitchFamily="18" charset="0"/>
+                                </a:rPr>
+                                <m:t>𝑠𝑖𝑔𝑚𝑎</m:t>
+                              </m:r>
+                            </m:e>
+                            <m:sup>
+                              <m:r>
+                                <a:rPr lang="en-US" sz="1100" b="0" i="1" smtClean="0">
+                                  <a:latin typeface="Cambria Math" panose="02040503050406030204" pitchFamily="18" charset="0"/>
+                                </a:rPr>
+                                <m:t>2</m:t>
+                              </m:r>
+                            </m:sup>
+                          </m:sSup>
+                          <m:r>
+                            <a:rPr lang="en-US" sz="1100" b="0" i="1" smtClean="0">
+                              <a:latin typeface="Cambria Math" panose="02040503050406030204" pitchFamily="18" charset="0"/>
+                            </a:rPr>
+                            <m:t>+2</m:t>
+                          </m:r>
+                          <m:r>
+                            <a:rPr lang="en-US" sz="1100" b="0" i="1" smtClean="0">
+                              <a:latin typeface="Cambria Math" panose="02040503050406030204" pitchFamily="18" charset="0"/>
+                            </a:rPr>
+                            <m:t>𝑥</m:t>
+                          </m:r>
+                          <m:d>
+                            <m:dPr>
+                              <m:ctrlPr>
+                                <a:rPr lang="en-US" sz="1100" b="0" i="1" smtClean="0">
+                                  <a:latin typeface="Cambria Math" panose="02040503050406030204" pitchFamily="18" charset="0"/>
+                                </a:rPr>
+                              </m:ctrlPr>
+                            </m:dPr>
+                            <m:e>
+                              <m:r>
+                                <a:rPr lang="en-US" sz="1100" i="1">
+                                  <a:latin typeface="Cambria Math" panose="02040503050406030204" pitchFamily="18" charset="0"/>
+                                  <a:ea typeface="Cambria Math" panose="02040503050406030204" pitchFamily="18" charset="0"/>
+                                </a:rPr>
+                                <m:t>𝜌</m:t>
+                              </m:r>
+                              <m:r>
+                                <a:rPr lang="en-US" sz="1100" i="1">
+                                  <a:latin typeface="Cambria Math" panose="02040503050406030204" pitchFamily="18" charset="0"/>
+                                  <a:ea typeface="Cambria Math" panose="02040503050406030204" pitchFamily="18" charset="0"/>
+                                </a:rPr>
+                                <m:t>∗</m:t>
+                              </m:r>
+                              <m:r>
+                                <a:rPr lang="en-US" sz="1100" i="1">
+                                  <a:latin typeface="Cambria Math" panose="02040503050406030204" pitchFamily="18" charset="0"/>
+                                  <a:ea typeface="Cambria Math" panose="02040503050406030204" pitchFamily="18" charset="0"/>
+                                </a:rPr>
+                                <m:t>𝑎𝑙𝑝h𝑎</m:t>
+                              </m:r>
+                              <m:r>
+                                <a:rPr lang="en-US" sz="1100" i="1">
+                                  <a:latin typeface="Cambria Math" panose="02040503050406030204" pitchFamily="18" charset="0"/>
+                                  <a:ea typeface="Cambria Math" panose="02040503050406030204" pitchFamily="18" charset="0"/>
+                                </a:rPr>
+                                <m:t>.</m:t>
+                              </m:r>
+                              <m:r>
+                                <a:rPr lang="en-US" sz="1100" i="1">
+                                  <a:latin typeface="Cambria Math" panose="02040503050406030204" pitchFamily="18" charset="0"/>
+                                  <a:ea typeface="Cambria Math" panose="02040503050406030204" pitchFamily="18" charset="0"/>
+                                </a:rPr>
+                                <m:t>𝑠𝑖𝑔𝑚𝑎</m:t>
+                              </m:r>
+                              <m:r>
+                                <a:rPr lang="en-US" sz="1100" i="1">
+                                  <a:latin typeface="Cambria Math" panose="02040503050406030204" pitchFamily="18" charset="0"/>
+                                  <a:ea typeface="Cambria Math" panose="02040503050406030204" pitchFamily="18" charset="0"/>
+                                </a:rPr>
+                                <m:t>∗</m:t>
+                              </m:r>
+                              <m:r>
+                                <a:rPr lang="en-US" sz="1100" i="1">
+                                  <a:latin typeface="Cambria Math" panose="02040503050406030204" pitchFamily="18" charset="0"/>
+                                  <a:ea typeface="Cambria Math" panose="02040503050406030204" pitchFamily="18" charset="0"/>
+                                </a:rPr>
+                                <m:t>𝑏𝑒𝑡𝑎</m:t>
+                              </m:r>
+                              <m:r>
+                                <a:rPr lang="en-US" sz="1100" i="1">
+                                  <a:latin typeface="Cambria Math" panose="02040503050406030204" pitchFamily="18" charset="0"/>
+                                  <a:ea typeface="Cambria Math" panose="02040503050406030204" pitchFamily="18" charset="0"/>
+                                </a:rPr>
+                                <m:t>.</m:t>
+                              </m:r>
+                              <m:r>
+                                <a:rPr lang="en-US" sz="1100" i="1">
+                                  <a:latin typeface="Cambria Math" panose="02040503050406030204" pitchFamily="18" charset="0"/>
+                                  <a:ea typeface="Cambria Math" panose="02040503050406030204" pitchFamily="18" charset="0"/>
+                                </a:rPr>
+                                <m:t>𝑠𝑖𝑔𝑚𝑎</m:t>
+                              </m:r>
+                            </m:e>
+                          </m:d>
+                        </m:e>
+                      </m:d>
+                      <m:r>
+                        <a:rPr lang="en-US" sz="1100" b="0" i="1" smtClean="0">
+                          <a:latin typeface="Cambria Math" panose="02040503050406030204" pitchFamily="18" charset="0"/>
+                        </a:rPr>
+                        <m:t>+</m:t>
+                      </m:r>
+                      <m:sSup>
+                        <m:sSupPr>
+                          <m:ctrlPr>
+                            <a:rPr lang="en-US" sz="1100" b="0" i="1" smtClean="0">
+                              <a:latin typeface="Cambria Math" panose="02040503050406030204" pitchFamily="18" charset="0"/>
+                            </a:rPr>
+                          </m:ctrlPr>
+                        </m:sSupPr>
+                        <m:e>
+                          <m:d>
+                            <m:dPr>
+                              <m:ctrlPr>
+                                <a:rPr lang="en-US" sz="1100" b="0" i="1" smtClean="0">
+                                  <a:latin typeface="Cambria Math" panose="02040503050406030204" pitchFamily="18" charset="0"/>
+                                </a:rPr>
+                              </m:ctrlPr>
+                            </m:dPr>
+                            <m:e>
+                              <m:sSup>
+                                <m:sSupPr>
+                                  <m:ctrlPr>
+                                    <a:rPr lang="en-US" sz="1100" i="1">
+                                      <a:latin typeface="Cambria Math" panose="02040503050406030204" pitchFamily="18" charset="0"/>
+                                    </a:rPr>
+                                  </m:ctrlPr>
+                                </m:sSupPr>
+                                <m:e>
+                                  <m:r>
+                                    <a:rPr lang="en-US" sz="1100" i="1">
+                                      <a:latin typeface="Cambria Math" panose="02040503050406030204" pitchFamily="18" charset="0"/>
+                                    </a:rPr>
+                                    <m:t>𝑒</m:t>
+                                  </m:r>
+                                </m:e>
+                                <m:sup>
+                                  <m:r>
+                                    <a:rPr lang="en-US" sz="1100" i="1">
+                                      <a:latin typeface="Cambria Math" panose="02040503050406030204" pitchFamily="18" charset="0"/>
+                                    </a:rPr>
+                                    <m:t>𝑠𝑖𝑔</m:t>
+                                  </m:r>
+                                  <m:r>
+                                    <a:rPr lang="en-US" sz="1100" i="1">
+                                      <a:latin typeface="Cambria Math" panose="02040503050406030204" pitchFamily="18" charset="0"/>
+                                    </a:rPr>
+                                    <m:t>.</m:t>
+                                  </m:r>
+                                  <m:r>
+                                    <a:rPr lang="en-US" sz="1100" i="1">
+                                      <a:latin typeface="Cambria Math" panose="02040503050406030204" pitchFamily="18" charset="0"/>
+                                    </a:rPr>
+                                    <m:t>𝑎𝑙𝑝h𝑎</m:t>
+                                  </m:r>
+                                  <m:r>
+                                    <a:rPr lang="en-US" sz="1100" i="1">
+                                      <a:latin typeface="Cambria Math" panose="02040503050406030204" pitchFamily="18" charset="0"/>
+                                    </a:rPr>
+                                    <m:t>.</m:t>
+                                  </m:r>
+                                  <m:r>
+                                    <a:rPr lang="en-US" sz="1100" i="1">
+                                      <a:latin typeface="Cambria Math" panose="02040503050406030204" pitchFamily="18" charset="0"/>
+                                    </a:rPr>
+                                    <m:t>𝑚𝑢</m:t>
+                                  </m:r>
+                                  <m:r>
+                                    <a:rPr lang="en-US" sz="1100" i="1">
+                                      <a:latin typeface="Cambria Math" panose="02040503050406030204" pitchFamily="18" charset="0"/>
+                                    </a:rPr>
+                                    <m:t>+</m:t>
+                                  </m:r>
+                                  <m:r>
+                                    <a:rPr lang="en-US" sz="1100" i="1">
+                                      <a:latin typeface="Cambria Math" panose="02040503050406030204" pitchFamily="18" charset="0"/>
+                                    </a:rPr>
+                                    <m:t>𝑠𝑖𝑔</m:t>
+                                  </m:r>
+                                  <m:r>
+                                    <a:rPr lang="en-US" sz="1100" i="1">
+                                      <a:latin typeface="Cambria Math" panose="02040503050406030204" pitchFamily="18" charset="0"/>
+                                    </a:rPr>
+                                    <m:t>.</m:t>
+                                  </m:r>
+                                  <m:r>
+                                    <a:rPr lang="en-US" sz="1100" i="1">
+                                      <a:latin typeface="Cambria Math" panose="02040503050406030204" pitchFamily="18" charset="0"/>
+                                    </a:rPr>
+                                    <m:t>𝑏𝑒𝑡𝑎</m:t>
+                                  </m:r>
+                                  <m:r>
+                                    <a:rPr lang="en-US" sz="1100" i="1">
+                                      <a:latin typeface="Cambria Math" panose="02040503050406030204" pitchFamily="18" charset="0"/>
+                                    </a:rPr>
+                                    <m:t>.</m:t>
+                                  </m:r>
+                                  <m:r>
+                                    <a:rPr lang="en-US" sz="1100" i="1">
+                                      <a:latin typeface="Cambria Math" panose="02040503050406030204" pitchFamily="18" charset="0"/>
+                                    </a:rPr>
+                                    <m:t>𝑚𝑢</m:t>
+                                  </m:r>
+                                  <m:r>
+                                    <a:rPr lang="en-US" sz="1100" i="1">
+                                      <a:latin typeface="Cambria Math" panose="02040503050406030204" pitchFamily="18" charset="0"/>
+                                    </a:rPr>
+                                    <m:t>∗</m:t>
+                                  </m:r>
+                                  <m:r>
+                                    <a:rPr lang="en-US" sz="1100" i="1">
+                                      <a:latin typeface="Cambria Math" panose="02040503050406030204" pitchFamily="18" charset="0"/>
+                                    </a:rPr>
+                                    <m:t>𝑥</m:t>
+                                  </m:r>
+                                </m:sup>
+                              </m:sSup>
+                            </m:e>
+                          </m:d>
+                        </m:e>
+                        <m:sup>
+                          <m:r>
+                            <a:rPr lang="en-US" sz="1100" b="0" i="1" smtClean="0">
+                              <a:latin typeface="Cambria Math" panose="02040503050406030204" pitchFamily="18" charset="0"/>
+                            </a:rPr>
+                            <m:t>2</m:t>
+                          </m:r>
+                        </m:sup>
+                      </m:sSup>
+                    </m:oMath>
+                  </m:oMathPara>
+                </a14:m>
+                <a:endParaRPr lang="en-US" sz="1100" dirty="0"/>
+              </a:p>
+            </p:txBody>
+          </p:sp>
+        </mc:Choice>
+        <mc:Fallback>
+          <p:sp>
+            <p:nvSpPr>
+              <p:cNvPr id="6" name="TextBox 5">
+                <a:extLst>
+                  <a:ext uri="{FF2B5EF4-FFF2-40B4-BE49-F238E27FC236}">
+                    <a16:creationId xmlns:a16="http://schemas.microsoft.com/office/drawing/2014/main" id="{3CFA36DE-A1A0-DB59-E4CD-975D540831B9}"/>
+                  </a:ext>
+                </a:extLst>
+              </p:cNvPr>
+              <p:cNvSpPr txBox="1">
+                <a:spLocks noRot="1" noChangeAspect="1" noMove="1" noResize="1" noEditPoints="1" noAdjustHandles="1" noChangeArrowheads="1" noChangeShapeType="1" noTextEdit="1"/>
+              </p:cNvSpPr>
+              <p:nvPr/>
+            </p:nvSpPr>
+            <p:spPr>
+              <a:xfrm>
+                <a:off x="4225250" y="1695156"/>
+                <a:ext cx="7950446" cy="224549"/>
+              </a:xfrm>
+              <a:prstGeom prst="rect">
+                <a:avLst/>
+              </a:prstGeom>
+              <a:blipFill>
+                <a:blip r:embed="rId4"/>
+                <a:stretch>
+                  <a:fillRect b="-21622"/>
+                </a:stretch>
+              </a:blipFill>
+            </p:spPr>
+            <p:txBody>
+              <a:bodyPr/>
+              <a:lstStyle/>
+              <a:p>
+                <a:r>
+                  <a:rPr lang="en-US">
+                    <a:noFill/>
+                  </a:rPr>
+                  <a:t> </a:t>
+                </a:r>
+              </a:p>
+            </p:txBody>
+          </p:sp>
+        </mc:Fallback>
+      </mc:AlternateContent>
+      <mc:AlternateContent xmlns:mc="http://schemas.openxmlformats.org/markup-compatibility/2006">
+        <mc:Choice xmlns:a14="http://schemas.microsoft.com/office/drawing/2010/main" Requires="a14">
+          <p:sp>
+            <p:nvSpPr>
+              <p:cNvPr id="7" name="TextBox 6">
+                <a:extLst>
+                  <a:ext uri="{FF2B5EF4-FFF2-40B4-BE49-F238E27FC236}">
+                    <a16:creationId xmlns:a16="http://schemas.microsoft.com/office/drawing/2014/main" id="{ABF8D940-D2DE-6321-F36A-CAB58BE76DD0}"/>
+                  </a:ext>
+                </a:extLst>
+              </p:cNvPr>
+              <p:cNvSpPr txBox="1"/>
+              <p:nvPr/>
+            </p:nvSpPr>
+            <p:spPr>
+              <a:xfrm>
+                <a:off x="4254853" y="2122922"/>
+                <a:ext cx="2423356" cy="224549"/>
+              </a:xfrm>
+              <a:prstGeom prst="rect">
+                <a:avLst/>
+              </a:prstGeom>
+              <a:noFill/>
+            </p:spPr>
+            <p:txBody>
+              <a:bodyPr wrap="none" lIns="0" tIns="0" rIns="0" bIns="0" rtlCol="0">
+                <a:spAutoFit/>
+              </a:bodyPr>
+              <a:lstStyle/>
+              <a:p>
+                <a14:m>
+                  <m:oMathPara xmlns:m="http://schemas.openxmlformats.org/officeDocument/2006/math">
+                    <m:oMathParaPr>
+                      <m:jc m:val="centerGroup"/>
+                    </m:oMathParaPr>
+                    <m:oMath xmlns:m="http://schemas.openxmlformats.org/officeDocument/2006/math">
+                      <m:sSub>
+                        <m:sSubPr>
+                          <m:ctrlPr>
+                            <a:rPr lang="en-US" sz="1100" i="1" smtClean="0">
+                              <a:latin typeface="Cambria Math" panose="02040503050406030204" pitchFamily="18" charset="0"/>
+                            </a:rPr>
+                          </m:ctrlPr>
+                        </m:sSubPr>
+                        <m:e>
+                          <m:r>
+                            <a:rPr lang="en-US" sz="1100" b="0" i="1" smtClean="0">
+                              <a:latin typeface="Cambria Math" panose="02040503050406030204" pitchFamily="18" charset="0"/>
+                            </a:rPr>
+                            <m:t>𝑉</m:t>
+                          </m:r>
+                        </m:e>
+                        <m:sub>
+                          <m:r>
+                            <a:rPr lang="en-US" sz="1100" b="0" i="1" smtClean="0">
+                              <a:latin typeface="Cambria Math" panose="02040503050406030204" pitchFamily="18" charset="0"/>
+                            </a:rPr>
+                            <m:t>𝑃</m:t>
+                          </m:r>
+                          <m:r>
+                            <a:rPr lang="en-US" sz="1100" b="0" i="1" smtClean="0">
+                              <a:latin typeface="Cambria Math" panose="02040503050406030204" pitchFamily="18" charset="0"/>
+                            </a:rPr>
+                            <m:t>,1</m:t>
+                          </m:r>
+                        </m:sub>
+                      </m:sSub>
+                      <m:r>
+                        <a:rPr lang="en-US" sz="1100" b="0" i="1" smtClean="0">
+                          <a:latin typeface="Cambria Math" panose="02040503050406030204" pitchFamily="18" charset="0"/>
+                        </a:rPr>
+                        <m:t>= </m:t>
+                      </m:r>
+                      <m:d>
+                        <m:dPr>
+                          <m:ctrlPr>
+                            <a:rPr lang="en-US" sz="1100" b="0" i="1" smtClean="0">
+                              <a:latin typeface="Cambria Math" panose="02040503050406030204" pitchFamily="18" charset="0"/>
+                            </a:rPr>
+                          </m:ctrlPr>
+                        </m:dPr>
+                        <m:e>
+                          <m:sSup>
+                            <m:sSupPr>
+                              <m:ctrlPr>
+                                <a:rPr lang="en-US" sz="1100" i="1">
+                                  <a:latin typeface="Cambria Math" panose="02040503050406030204" pitchFamily="18" charset="0"/>
+                                </a:rPr>
+                              </m:ctrlPr>
+                            </m:sSupPr>
+                            <m:e>
+                              <m:r>
+                                <a:rPr lang="en-US" sz="1100" i="1">
+                                  <a:latin typeface="Cambria Math" panose="02040503050406030204" pitchFamily="18" charset="0"/>
+                                </a:rPr>
+                                <m:t>𝑏𝑒𝑡𝑎</m:t>
+                              </m:r>
+                              <m:r>
+                                <a:rPr lang="en-US" sz="1100" i="1">
+                                  <a:latin typeface="Cambria Math" panose="02040503050406030204" pitchFamily="18" charset="0"/>
+                                </a:rPr>
+                                <m:t>.</m:t>
+                              </m:r>
+                              <m:r>
+                                <a:rPr lang="en-US" sz="1100" i="1">
+                                  <a:latin typeface="Cambria Math" panose="02040503050406030204" pitchFamily="18" charset="0"/>
+                                </a:rPr>
+                                <m:t>𝑚𝑢</m:t>
+                              </m:r>
+                            </m:e>
+                            <m:sup>
+                              <m:r>
+                                <a:rPr lang="en-US" sz="1100" i="1">
+                                  <a:latin typeface="Cambria Math" panose="02040503050406030204" pitchFamily="18" charset="0"/>
+                                </a:rPr>
+                                <m:t>2</m:t>
+                              </m:r>
+                            </m:sup>
+                          </m:sSup>
+                          <m:sSub>
+                            <m:sSubPr>
+                              <m:ctrlPr>
+                                <a:rPr lang="en-US" sz="1100" i="1">
+                                  <a:latin typeface="Cambria Math" panose="02040503050406030204" pitchFamily="18" charset="0"/>
+                                </a:rPr>
+                              </m:ctrlPr>
+                            </m:sSubPr>
+                            <m:e>
+                              <m:r>
+                                <a:rPr lang="en-US" sz="1100" i="1">
+                                  <a:latin typeface="Cambria Math" panose="02040503050406030204" pitchFamily="18" charset="0"/>
+                                </a:rPr>
+                                <m:t>𝑉</m:t>
+                              </m:r>
+                            </m:e>
+                            <m:sub>
+                              <m:r>
+                                <a:rPr lang="en-US" sz="1100" i="1">
+                                  <a:latin typeface="Cambria Math" panose="02040503050406030204" pitchFamily="18" charset="0"/>
+                                </a:rPr>
+                                <m:t>𝑥</m:t>
+                              </m:r>
+                            </m:sub>
+                          </m:sSub>
+                        </m:e>
+                      </m:d>
+                      <m:r>
+                        <a:rPr lang="en-US" sz="1100" b="0" i="1" smtClean="0">
+                          <a:latin typeface="Cambria Math" panose="02040503050406030204" pitchFamily="18" charset="0"/>
+                        </a:rPr>
+                        <m:t>+</m:t>
+                      </m:r>
+                      <m:sSup>
+                        <m:sSupPr>
+                          <m:ctrlPr>
+                            <a:rPr lang="en-US" sz="1100" i="1">
+                              <a:latin typeface="Cambria Math" panose="02040503050406030204" pitchFamily="18" charset="0"/>
+                            </a:rPr>
+                          </m:ctrlPr>
+                        </m:sSupPr>
+                        <m:e>
+                          <m:d>
+                            <m:dPr>
+                              <m:ctrlPr>
+                                <a:rPr lang="en-US" sz="1100" i="1">
+                                  <a:latin typeface="Cambria Math" panose="02040503050406030204" pitchFamily="18" charset="0"/>
+                                </a:rPr>
+                              </m:ctrlPr>
+                            </m:dPr>
+                            <m:e>
+                              <m:sSup>
+                                <m:sSupPr>
+                                  <m:ctrlPr>
+                                    <a:rPr lang="en-US" sz="1100" i="1">
+                                      <a:latin typeface="Cambria Math" panose="02040503050406030204" pitchFamily="18" charset="0"/>
+                                    </a:rPr>
+                                  </m:ctrlPr>
+                                </m:sSupPr>
+                                <m:e>
+                                  <m:r>
+                                    <a:rPr lang="en-US" sz="1100" i="1">
+                                      <a:latin typeface="Cambria Math" panose="02040503050406030204" pitchFamily="18" charset="0"/>
+                                    </a:rPr>
+                                    <m:t>𝑒</m:t>
+                                  </m:r>
+                                </m:e>
+                                <m:sup>
+                                  <m:r>
+                                    <a:rPr lang="en-US" sz="1100" i="1">
+                                      <a:latin typeface="Cambria Math" panose="02040503050406030204" pitchFamily="18" charset="0"/>
+                                    </a:rPr>
+                                    <m:t>𝑠𝑖𝑔</m:t>
+                                  </m:r>
+                                  <m:r>
+                                    <a:rPr lang="en-US" sz="1100" i="1">
+                                      <a:latin typeface="Cambria Math" panose="02040503050406030204" pitchFamily="18" charset="0"/>
+                                    </a:rPr>
+                                    <m:t>.</m:t>
+                                  </m:r>
+                                  <m:r>
+                                    <a:rPr lang="en-US" sz="1100" i="1">
+                                      <a:latin typeface="Cambria Math" panose="02040503050406030204" pitchFamily="18" charset="0"/>
+                                    </a:rPr>
+                                    <m:t>𝑎𝑙𝑝h𝑎</m:t>
+                                  </m:r>
+                                  <m:r>
+                                    <a:rPr lang="en-US" sz="1100" i="1">
+                                      <a:latin typeface="Cambria Math" panose="02040503050406030204" pitchFamily="18" charset="0"/>
+                                    </a:rPr>
+                                    <m:t>.</m:t>
+                                  </m:r>
+                                  <m:r>
+                                    <a:rPr lang="en-US" sz="1100" i="1">
+                                      <a:latin typeface="Cambria Math" panose="02040503050406030204" pitchFamily="18" charset="0"/>
+                                    </a:rPr>
+                                    <m:t>𝑚𝑢</m:t>
+                                  </m:r>
+                                </m:sup>
+                              </m:sSup>
+                            </m:e>
+                          </m:d>
+                        </m:e>
+                        <m:sup>
+                          <m:r>
+                            <a:rPr lang="en-US" sz="1100" i="1">
+                              <a:latin typeface="Cambria Math" panose="02040503050406030204" pitchFamily="18" charset="0"/>
+                            </a:rPr>
+                            <m:t>2</m:t>
+                          </m:r>
+                        </m:sup>
+                      </m:sSup>
+                    </m:oMath>
+                  </m:oMathPara>
+                </a14:m>
+                <a:endParaRPr lang="en-US" sz="1100" dirty="0"/>
+              </a:p>
+            </p:txBody>
+          </p:sp>
+        </mc:Choice>
+        <mc:Fallback>
+          <p:sp>
+            <p:nvSpPr>
+              <p:cNvPr id="7" name="TextBox 6">
+                <a:extLst>
+                  <a:ext uri="{FF2B5EF4-FFF2-40B4-BE49-F238E27FC236}">
+                    <a16:creationId xmlns:a16="http://schemas.microsoft.com/office/drawing/2014/main" id="{ABF8D940-D2DE-6321-F36A-CAB58BE76DD0}"/>
+                  </a:ext>
+                </a:extLst>
+              </p:cNvPr>
+              <p:cNvSpPr txBox="1">
+                <a:spLocks noRot="1" noChangeAspect="1" noMove="1" noResize="1" noEditPoints="1" noAdjustHandles="1" noChangeArrowheads="1" noChangeShapeType="1" noTextEdit="1"/>
+              </p:cNvSpPr>
+              <p:nvPr/>
+            </p:nvSpPr>
+            <p:spPr>
+              <a:xfrm>
+                <a:off x="4254853" y="2122922"/>
+                <a:ext cx="2423356" cy="224549"/>
+              </a:xfrm>
+              <a:prstGeom prst="rect">
+                <a:avLst/>
+              </a:prstGeom>
+              <a:blipFill>
+                <a:blip r:embed="rId5"/>
+                <a:stretch>
+                  <a:fillRect l="-1005" b="-8108"/>
+                </a:stretch>
+              </a:blipFill>
+            </p:spPr>
+            <p:txBody>
+              <a:bodyPr/>
+              <a:lstStyle/>
+              <a:p>
+                <a:r>
+                  <a:rPr lang="en-US">
+                    <a:noFill/>
+                  </a:rPr>
+                  <a:t> </a:t>
+                </a:r>
+              </a:p>
+            </p:txBody>
+          </p:sp>
+        </mc:Fallback>
+      </mc:AlternateContent>
+      <mc:AlternateContent xmlns:mc="http://schemas.openxmlformats.org/markup-compatibility/2006">
+        <mc:Choice xmlns:a14="http://schemas.microsoft.com/office/drawing/2010/main" Requires="a14">
+          <p:sp>
+            <p:nvSpPr>
+              <p:cNvPr id="8" name="TextBox 7">
+                <a:extLst>
+                  <a:ext uri="{FF2B5EF4-FFF2-40B4-BE49-F238E27FC236}">
+                    <a16:creationId xmlns:a16="http://schemas.microsoft.com/office/drawing/2014/main" id="{A842E7BB-6F72-71C0-6A53-8AA72E7E30EB}"/>
+                  </a:ext>
+                </a:extLst>
+              </p:cNvPr>
+              <p:cNvSpPr txBox="1"/>
+              <p:nvPr/>
+            </p:nvSpPr>
+            <p:spPr>
+              <a:xfrm>
+                <a:off x="4225250" y="2545750"/>
+                <a:ext cx="7045134" cy="224549"/>
+              </a:xfrm>
+              <a:prstGeom prst="rect">
+                <a:avLst/>
+              </a:prstGeom>
+              <a:noFill/>
+            </p:spPr>
+            <p:txBody>
+              <a:bodyPr wrap="none" lIns="0" tIns="0" rIns="0" bIns="0" rtlCol="0">
+                <a:spAutoFit/>
+              </a:bodyPr>
+              <a:lstStyle/>
+              <a:p>
+                <a14:m>
+                  <m:oMathPara xmlns:m="http://schemas.openxmlformats.org/officeDocument/2006/math">
+                    <m:oMathParaPr>
+                      <m:jc m:val="centerGroup"/>
+                    </m:oMathParaPr>
+                    <m:oMath xmlns:m="http://schemas.openxmlformats.org/officeDocument/2006/math">
+                      <m:sSub>
+                        <m:sSubPr>
+                          <m:ctrlPr>
+                            <a:rPr lang="en-US" sz="1100" i="1" smtClean="0">
+                              <a:latin typeface="Cambria Math" panose="02040503050406030204" pitchFamily="18" charset="0"/>
+                            </a:rPr>
+                          </m:ctrlPr>
+                        </m:sSubPr>
+                        <m:e>
+                          <m:r>
+                            <a:rPr lang="en-US" sz="1100" b="0" i="1" smtClean="0">
+                              <a:latin typeface="Cambria Math" panose="02040503050406030204" pitchFamily="18" charset="0"/>
+                            </a:rPr>
+                            <m:t>𝑉</m:t>
+                          </m:r>
+                        </m:e>
+                        <m:sub>
+                          <m:r>
+                            <a:rPr lang="en-US" sz="1100" b="0" i="1" smtClean="0">
+                              <a:latin typeface="Cambria Math" panose="02040503050406030204" pitchFamily="18" charset="0"/>
+                            </a:rPr>
+                            <m:t>𝑃</m:t>
+                          </m:r>
+                          <m:r>
+                            <a:rPr lang="en-US" sz="1100" b="0" i="1" smtClean="0">
+                              <a:latin typeface="Cambria Math" panose="02040503050406030204" pitchFamily="18" charset="0"/>
+                            </a:rPr>
+                            <m:t>,2</m:t>
+                          </m:r>
+                        </m:sub>
+                      </m:sSub>
+                      <m:r>
+                        <a:rPr lang="en-US" sz="1100" b="0" i="1" smtClean="0">
+                          <a:latin typeface="Cambria Math" panose="02040503050406030204" pitchFamily="18" charset="0"/>
+                        </a:rPr>
+                        <m:t>= </m:t>
+                      </m:r>
+                      <m:d>
+                        <m:dPr>
+                          <m:ctrlPr>
+                            <a:rPr lang="en-US" sz="1100" b="0" i="1" smtClean="0">
+                              <a:latin typeface="Cambria Math" panose="02040503050406030204" pitchFamily="18" charset="0"/>
+                            </a:rPr>
+                          </m:ctrlPr>
+                        </m:dPr>
+                        <m:e>
+                          <m:sSup>
+                            <m:sSupPr>
+                              <m:ctrlPr>
+                                <a:rPr lang="en-US" sz="1100" i="1">
+                                  <a:latin typeface="Cambria Math" panose="02040503050406030204" pitchFamily="18" charset="0"/>
+                                </a:rPr>
+                              </m:ctrlPr>
+                            </m:sSupPr>
+                            <m:e>
+                              <m:r>
+                                <a:rPr lang="en-US" sz="1100" i="1">
+                                  <a:latin typeface="Cambria Math" panose="02040503050406030204" pitchFamily="18" charset="0"/>
+                                </a:rPr>
+                                <m:t>𝑏𝑒𝑡𝑎</m:t>
+                              </m:r>
+                              <m:r>
+                                <a:rPr lang="en-US" sz="1100" i="1">
+                                  <a:latin typeface="Cambria Math" panose="02040503050406030204" pitchFamily="18" charset="0"/>
+                                </a:rPr>
+                                <m:t>.</m:t>
+                              </m:r>
+                              <m:r>
+                                <a:rPr lang="en-US" sz="1100" i="1">
+                                  <a:latin typeface="Cambria Math" panose="02040503050406030204" pitchFamily="18" charset="0"/>
+                                </a:rPr>
+                                <m:t>𝑚𝑢</m:t>
+                              </m:r>
+                            </m:e>
+                            <m:sup>
+                              <m:r>
+                                <a:rPr lang="en-US" sz="1100" i="1">
+                                  <a:latin typeface="Cambria Math" panose="02040503050406030204" pitchFamily="18" charset="0"/>
+                                </a:rPr>
+                                <m:t>2</m:t>
+                              </m:r>
+                            </m:sup>
+                          </m:sSup>
+                          <m:sSub>
+                            <m:sSubPr>
+                              <m:ctrlPr>
+                                <a:rPr lang="en-US" sz="1100" i="1">
+                                  <a:latin typeface="Cambria Math" panose="02040503050406030204" pitchFamily="18" charset="0"/>
+                                </a:rPr>
+                              </m:ctrlPr>
+                            </m:sSubPr>
+                            <m:e>
+                              <m:r>
+                                <a:rPr lang="en-US" sz="1100" i="1">
+                                  <a:latin typeface="Cambria Math" panose="02040503050406030204" pitchFamily="18" charset="0"/>
+                                </a:rPr>
+                                <m:t>𝑉</m:t>
+                              </m:r>
+                            </m:e>
+                            <m:sub>
+                              <m:r>
+                                <a:rPr lang="en-US" sz="1100" i="1">
+                                  <a:latin typeface="Cambria Math" panose="02040503050406030204" pitchFamily="18" charset="0"/>
+                                </a:rPr>
+                                <m:t>𝑥</m:t>
+                              </m:r>
+                            </m:sub>
+                          </m:sSub>
+                        </m:e>
+                      </m:d>
+                      <m:r>
+                        <a:rPr lang="en-US" sz="1100" b="0" i="1" smtClean="0">
+                          <a:latin typeface="Cambria Math" panose="02040503050406030204" pitchFamily="18" charset="0"/>
+                        </a:rPr>
+                        <m:t>+</m:t>
+                      </m:r>
+                      <m:d>
+                        <m:dPr>
+                          <m:ctrlPr>
+                            <a:rPr lang="en-US" sz="1100" b="0" i="1" smtClean="0">
+                              <a:latin typeface="Cambria Math" panose="02040503050406030204" pitchFamily="18" charset="0"/>
+                            </a:rPr>
+                          </m:ctrlPr>
+                        </m:dPr>
+                        <m:e>
+                          <m:sSup>
+                            <m:sSupPr>
+                              <m:ctrlPr>
+                                <a:rPr lang="en-US" sz="1100" b="0" i="1" smtClean="0">
+                                  <a:latin typeface="Cambria Math" panose="02040503050406030204" pitchFamily="18" charset="0"/>
+                                </a:rPr>
+                              </m:ctrlPr>
+                            </m:sSupPr>
+                            <m:e>
+                              <m:r>
+                                <a:rPr lang="en-US" sz="1100" b="0" i="1" smtClean="0">
+                                  <a:latin typeface="Cambria Math" panose="02040503050406030204" pitchFamily="18" charset="0"/>
+                                </a:rPr>
+                                <m:t>𝑎𝑙𝑝h𝑎</m:t>
+                              </m:r>
+                              <m:r>
+                                <a:rPr lang="en-US" sz="1100" b="0" i="1" smtClean="0">
+                                  <a:latin typeface="Cambria Math" panose="02040503050406030204" pitchFamily="18" charset="0"/>
+                                </a:rPr>
+                                <m:t>.</m:t>
+                              </m:r>
+                              <m:r>
+                                <a:rPr lang="en-US" sz="1100" b="0" i="1" smtClean="0">
+                                  <a:latin typeface="Cambria Math" panose="02040503050406030204" pitchFamily="18" charset="0"/>
+                                </a:rPr>
+                                <m:t>𝑠𝑖𝑔𝑚𝑎</m:t>
+                              </m:r>
+                            </m:e>
+                            <m:sup>
+                              <m:r>
+                                <a:rPr lang="en-US" sz="1100" b="0" i="1" smtClean="0">
+                                  <a:latin typeface="Cambria Math" panose="02040503050406030204" pitchFamily="18" charset="0"/>
+                                </a:rPr>
+                                <m:t>2</m:t>
+                              </m:r>
+                            </m:sup>
+                          </m:sSup>
+                          <m:r>
+                            <a:rPr lang="en-US" sz="1100" b="0" i="1" smtClean="0">
+                              <a:latin typeface="Cambria Math" panose="02040503050406030204" pitchFamily="18" charset="0"/>
+                            </a:rPr>
+                            <m:t>+</m:t>
+                          </m:r>
+                          <m:sSup>
+                            <m:sSupPr>
+                              <m:ctrlPr>
+                                <a:rPr lang="en-US" sz="1100" i="1">
+                                  <a:latin typeface="Cambria Math" panose="02040503050406030204" pitchFamily="18" charset="0"/>
+                                </a:rPr>
+                              </m:ctrlPr>
+                            </m:sSupPr>
+                            <m:e>
+                              <m:r>
+                                <a:rPr lang="en-US" sz="1100" i="1">
+                                  <a:latin typeface="Cambria Math" panose="02040503050406030204" pitchFamily="18" charset="0"/>
+                                </a:rPr>
+                                <m:t>𝑥</m:t>
+                              </m:r>
+                            </m:e>
+                            <m:sup>
+                              <m:r>
+                                <a:rPr lang="en-US" sz="1100" i="1">
+                                  <a:latin typeface="Cambria Math" panose="02040503050406030204" pitchFamily="18" charset="0"/>
+                                </a:rPr>
+                                <m:t>2</m:t>
+                              </m:r>
+                            </m:sup>
+                          </m:sSup>
+                          <m:sSup>
+                            <m:sSupPr>
+                              <m:ctrlPr>
+                                <a:rPr lang="en-US" sz="1100" i="1" smtClean="0">
+                                  <a:latin typeface="Cambria Math" panose="02040503050406030204" pitchFamily="18" charset="0"/>
+                                </a:rPr>
+                              </m:ctrlPr>
+                            </m:sSupPr>
+                            <m:e>
+                              <m:r>
+                                <a:rPr lang="en-US" sz="1100" b="0" i="1" smtClean="0">
+                                  <a:latin typeface="Cambria Math" panose="02040503050406030204" pitchFamily="18" charset="0"/>
+                                </a:rPr>
+                                <m:t>𝑏𝑒𝑡𝑎</m:t>
+                              </m:r>
+                              <m:r>
+                                <a:rPr lang="en-US" sz="1100" b="0" i="1" smtClean="0">
+                                  <a:latin typeface="Cambria Math" panose="02040503050406030204" pitchFamily="18" charset="0"/>
+                                </a:rPr>
+                                <m:t>.</m:t>
+                              </m:r>
+                              <m:r>
+                                <a:rPr lang="en-US" sz="1100" b="0" i="1" smtClean="0">
+                                  <a:latin typeface="Cambria Math" panose="02040503050406030204" pitchFamily="18" charset="0"/>
+                                </a:rPr>
+                                <m:t>𝑠𝑖𝑔𝑚𝑎</m:t>
+                              </m:r>
+                            </m:e>
+                            <m:sup>
+                              <m:r>
+                                <a:rPr lang="en-US" sz="1100" b="0" i="1" smtClean="0">
+                                  <a:latin typeface="Cambria Math" panose="02040503050406030204" pitchFamily="18" charset="0"/>
+                                </a:rPr>
+                                <m:t>2</m:t>
+                              </m:r>
+                            </m:sup>
+                          </m:sSup>
+                          <m:r>
+                            <a:rPr lang="en-US" sz="1100" b="0" i="1" smtClean="0">
+                              <a:latin typeface="Cambria Math" panose="02040503050406030204" pitchFamily="18" charset="0"/>
+                            </a:rPr>
+                            <m:t>+2</m:t>
+                          </m:r>
+                          <m:r>
+                            <a:rPr lang="en-US" sz="1100" b="0" i="1" smtClean="0">
+                              <a:latin typeface="Cambria Math" panose="02040503050406030204" pitchFamily="18" charset="0"/>
+                            </a:rPr>
+                            <m:t>𝑥</m:t>
+                          </m:r>
+                          <m:d>
+                            <m:dPr>
+                              <m:ctrlPr>
+                                <a:rPr lang="en-US" sz="1100" b="0" i="1" smtClean="0">
+                                  <a:latin typeface="Cambria Math" panose="02040503050406030204" pitchFamily="18" charset="0"/>
+                                </a:rPr>
+                              </m:ctrlPr>
+                            </m:dPr>
+                            <m:e>
+                              <m:r>
+                                <a:rPr lang="en-US" sz="1100" i="1">
+                                  <a:latin typeface="Cambria Math" panose="02040503050406030204" pitchFamily="18" charset="0"/>
+                                  <a:ea typeface="Cambria Math" panose="02040503050406030204" pitchFamily="18" charset="0"/>
+                                </a:rPr>
+                                <m:t>𝜌</m:t>
+                              </m:r>
+                              <m:r>
+                                <a:rPr lang="en-US" sz="1100" i="1">
+                                  <a:latin typeface="Cambria Math" panose="02040503050406030204" pitchFamily="18" charset="0"/>
+                                  <a:ea typeface="Cambria Math" panose="02040503050406030204" pitchFamily="18" charset="0"/>
+                                </a:rPr>
+                                <m:t>∗</m:t>
+                              </m:r>
+                              <m:r>
+                                <a:rPr lang="en-US" sz="1100" i="1">
+                                  <a:latin typeface="Cambria Math" panose="02040503050406030204" pitchFamily="18" charset="0"/>
+                                  <a:ea typeface="Cambria Math" panose="02040503050406030204" pitchFamily="18" charset="0"/>
+                                </a:rPr>
+                                <m:t>𝑎𝑙𝑝h𝑎</m:t>
+                              </m:r>
+                              <m:r>
+                                <a:rPr lang="en-US" sz="1100" i="1">
+                                  <a:latin typeface="Cambria Math" panose="02040503050406030204" pitchFamily="18" charset="0"/>
+                                  <a:ea typeface="Cambria Math" panose="02040503050406030204" pitchFamily="18" charset="0"/>
+                                </a:rPr>
+                                <m:t>.</m:t>
+                              </m:r>
+                              <m:r>
+                                <a:rPr lang="en-US" sz="1100" i="1">
+                                  <a:latin typeface="Cambria Math" panose="02040503050406030204" pitchFamily="18" charset="0"/>
+                                  <a:ea typeface="Cambria Math" panose="02040503050406030204" pitchFamily="18" charset="0"/>
+                                </a:rPr>
+                                <m:t>𝑠𝑖𝑔𝑚𝑎</m:t>
+                              </m:r>
+                              <m:r>
+                                <a:rPr lang="en-US" sz="1100" i="1">
+                                  <a:latin typeface="Cambria Math" panose="02040503050406030204" pitchFamily="18" charset="0"/>
+                                  <a:ea typeface="Cambria Math" panose="02040503050406030204" pitchFamily="18" charset="0"/>
+                                </a:rPr>
+                                <m:t>∗</m:t>
+                              </m:r>
+                              <m:r>
+                                <a:rPr lang="en-US" sz="1100" i="1">
+                                  <a:latin typeface="Cambria Math" panose="02040503050406030204" pitchFamily="18" charset="0"/>
+                                  <a:ea typeface="Cambria Math" panose="02040503050406030204" pitchFamily="18" charset="0"/>
+                                </a:rPr>
+                                <m:t>𝑏𝑒𝑡𝑎</m:t>
+                              </m:r>
+                              <m:r>
+                                <a:rPr lang="en-US" sz="1100" i="1">
+                                  <a:latin typeface="Cambria Math" panose="02040503050406030204" pitchFamily="18" charset="0"/>
+                                  <a:ea typeface="Cambria Math" panose="02040503050406030204" pitchFamily="18" charset="0"/>
+                                </a:rPr>
+                                <m:t>.</m:t>
+                              </m:r>
+                              <m:r>
+                                <a:rPr lang="en-US" sz="1100" i="1">
+                                  <a:latin typeface="Cambria Math" panose="02040503050406030204" pitchFamily="18" charset="0"/>
+                                  <a:ea typeface="Cambria Math" panose="02040503050406030204" pitchFamily="18" charset="0"/>
+                                </a:rPr>
+                                <m:t>𝑠𝑖𝑔𝑚𝑎</m:t>
+                              </m:r>
+                            </m:e>
+                          </m:d>
+                        </m:e>
+                      </m:d>
+                      <m:r>
+                        <a:rPr lang="en-US" sz="1100" b="0" i="1" smtClean="0">
+                          <a:latin typeface="Cambria Math" panose="02040503050406030204" pitchFamily="18" charset="0"/>
+                        </a:rPr>
+                        <m:t>+</m:t>
+                      </m:r>
+                      <m:sSup>
+                        <m:sSupPr>
+                          <m:ctrlPr>
+                            <a:rPr lang="en-US" sz="1100" i="1">
+                              <a:latin typeface="Cambria Math" panose="02040503050406030204" pitchFamily="18" charset="0"/>
+                            </a:rPr>
+                          </m:ctrlPr>
+                        </m:sSupPr>
+                        <m:e>
+                          <m:d>
+                            <m:dPr>
+                              <m:ctrlPr>
+                                <a:rPr lang="en-US" sz="1100" i="1">
+                                  <a:latin typeface="Cambria Math" panose="02040503050406030204" pitchFamily="18" charset="0"/>
+                                </a:rPr>
+                              </m:ctrlPr>
+                            </m:dPr>
+                            <m:e>
+                              <m:sSup>
+                                <m:sSupPr>
+                                  <m:ctrlPr>
+                                    <a:rPr lang="en-US" sz="1100" i="1">
+                                      <a:latin typeface="Cambria Math" panose="02040503050406030204" pitchFamily="18" charset="0"/>
+                                    </a:rPr>
+                                  </m:ctrlPr>
+                                </m:sSupPr>
+                                <m:e>
+                                  <m:r>
+                                    <a:rPr lang="en-US" sz="1100" i="1">
+                                      <a:latin typeface="Cambria Math" panose="02040503050406030204" pitchFamily="18" charset="0"/>
+                                    </a:rPr>
+                                    <m:t>𝑒</m:t>
+                                  </m:r>
+                                </m:e>
+                                <m:sup>
+                                  <m:r>
+                                    <a:rPr lang="en-US" sz="1100" i="1">
+                                      <a:latin typeface="Cambria Math" panose="02040503050406030204" pitchFamily="18" charset="0"/>
+                                    </a:rPr>
+                                    <m:t>𝑠𝑖𝑔</m:t>
+                                  </m:r>
+                                  <m:r>
+                                    <a:rPr lang="en-US" sz="1100" i="1">
+                                      <a:latin typeface="Cambria Math" panose="02040503050406030204" pitchFamily="18" charset="0"/>
+                                    </a:rPr>
+                                    <m:t>.</m:t>
+                                  </m:r>
+                                  <m:r>
+                                    <a:rPr lang="en-US" sz="1100" i="1">
+                                      <a:latin typeface="Cambria Math" panose="02040503050406030204" pitchFamily="18" charset="0"/>
+                                    </a:rPr>
+                                    <m:t>𝑎𝑙𝑝h𝑎</m:t>
+                                  </m:r>
+                                  <m:r>
+                                    <a:rPr lang="en-US" sz="1100" i="1">
+                                      <a:latin typeface="Cambria Math" panose="02040503050406030204" pitchFamily="18" charset="0"/>
+                                    </a:rPr>
+                                    <m:t>.</m:t>
+                                  </m:r>
+                                  <m:r>
+                                    <a:rPr lang="en-US" sz="1100" i="1">
+                                      <a:latin typeface="Cambria Math" panose="02040503050406030204" pitchFamily="18" charset="0"/>
+                                    </a:rPr>
+                                    <m:t>𝑚𝑢</m:t>
+                                  </m:r>
+                                </m:sup>
+                              </m:sSup>
+                            </m:e>
+                          </m:d>
+                        </m:e>
+                        <m:sup>
+                          <m:r>
+                            <a:rPr lang="en-US" sz="1100" i="1">
+                              <a:latin typeface="Cambria Math" panose="02040503050406030204" pitchFamily="18" charset="0"/>
+                            </a:rPr>
+                            <m:t>2</m:t>
+                          </m:r>
+                        </m:sup>
+                      </m:sSup>
+                    </m:oMath>
+                  </m:oMathPara>
+                </a14:m>
+                <a:endParaRPr lang="en-US" sz="1100" dirty="0"/>
+              </a:p>
+            </p:txBody>
+          </p:sp>
+        </mc:Choice>
+        <mc:Fallback>
+          <p:sp>
+            <p:nvSpPr>
+              <p:cNvPr id="8" name="TextBox 7">
+                <a:extLst>
+                  <a:ext uri="{FF2B5EF4-FFF2-40B4-BE49-F238E27FC236}">
+                    <a16:creationId xmlns:a16="http://schemas.microsoft.com/office/drawing/2014/main" id="{A842E7BB-6F72-71C0-6A53-8AA72E7E30EB}"/>
+                  </a:ext>
+                </a:extLst>
+              </p:cNvPr>
+              <p:cNvSpPr txBox="1">
+                <a:spLocks noRot="1" noChangeAspect="1" noMove="1" noResize="1" noEditPoints="1" noAdjustHandles="1" noChangeArrowheads="1" noChangeShapeType="1" noTextEdit="1"/>
+              </p:cNvSpPr>
+              <p:nvPr/>
+            </p:nvSpPr>
+            <p:spPr>
+              <a:xfrm>
+                <a:off x="4225250" y="2545750"/>
+                <a:ext cx="7045134" cy="224549"/>
+              </a:xfrm>
+              <a:prstGeom prst="rect">
+                <a:avLst/>
+              </a:prstGeom>
+              <a:blipFill>
+                <a:blip r:embed="rId6"/>
+                <a:stretch>
+                  <a:fillRect t="-2778" b="-25000"/>
+                </a:stretch>
+              </a:blipFill>
+            </p:spPr>
+            <p:txBody>
+              <a:bodyPr/>
+              <a:lstStyle/>
+              <a:p>
+                <a:r>
+                  <a:rPr lang="en-US">
+                    <a:noFill/>
+                  </a:rPr>
+                  <a:t> </a:t>
+                </a:r>
+              </a:p>
+            </p:txBody>
+          </p:sp>
+        </mc:Fallback>
+      </mc:AlternateContent>
+      <mc:AlternateContent xmlns:mc="http://schemas.openxmlformats.org/markup-compatibility/2006">
+        <mc:Choice xmlns:a14="http://schemas.microsoft.com/office/drawing/2010/main" Requires="a14">
+          <p:sp>
+            <p:nvSpPr>
+              <p:cNvPr id="9" name="TextBox 8">
+                <a:extLst>
+                  <a:ext uri="{FF2B5EF4-FFF2-40B4-BE49-F238E27FC236}">
+                    <a16:creationId xmlns:a16="http://schemas.microsoft.com/office/drawing/2014/main" id="{52B000AD-6E5C-AF7C-D400-CD2015409A5B}"/>
+                  </a:ext>
+                </a:extLst>
+              </p:cNvPr>
+              <p:cNvSpPr txBox="1"/>
+              <p:nvPr/>
+            </p:nvSpPr>
+            <p:spPr>
+              <a:xfrm>
+                <a:off x="4254853" y="2945764"/>
+                <a:ext cx="3203121" cy="224549"/>
+              </a:xfrm>
+              <a:prstGeom prst="rect">
+                <a:avLst/>
+              </a:prstGeom>
+              <a:noFill/>
+            </p:spPr>
+            <p:txBody>
+              <a:bodyPr wrap="none" lIns="0" tIns="0" rIns="0" bIns="0" rtlCol="0">
+                <a:spAutoFit/>
+              </a:bodyPr>
+              <a:lstStyle/>
+              <a:p>
+                <a14:m>
+                  <m:oMathPara xmlns:m="http://schemas.openxmlformats.org/officeDocument/2006/math">
+                    <m:oMathParaPr>
+                      <m:jc m:val="centerGroup"/>
+                    </m:oMathParaPr>
+                    <m:oMath xmlns:m="http://schemas.openxmlformats.org/officeDocument/2006/math">
+                      <m:sSub>
+                        <m:sSubPr>
+                          <m:ctrlPr>
+                            <a:rPr lang="en-US" sz="1100" i="1" smtClean="0">
+                              <a:latin typeface="Cambria Math" panose="02040503050406030204" pitchFamily="18" charset="0"/>
+                            </a:rPr>
+                          </m:ctrlPr>
+                        </m:sSubPr>
+                        <m:e>
+                          <m:r>
+                            <a:rPr lang="en-US" sz="1100" b="0" i="1" smtClean="0">
+                              <a:latin typeface="Cambria Math" panose="02040503050406030204" pitchFamily="18" charset="0"/>
+                            </a:rPr>
+                            <m:t>𝑉</m:t>
+                          </m:r>
+                        </m:e>
+                        <m:sub>
+                          <m:r>
+                            <a:rPr lang="en-US" sz="1100" b="0" i="1" smtClean="0">
+                              <a:latin typeface="Cambria Math" panose="02040503050406030204" pitchFamily="18" charset="0"/>
+                            </a:rPr>
+                            <m:t>𝑃</m:t>
+                          </m:r>
+                          <m:r>
+                            <a:rPr lang="en-US" sz="1100" b="0" i="1" smtClean="0">
+                              <a:latin typeface="Cambria Math" panose="02040503050406030204" pitchFamily="18" charset="0"/>
+                            </a:rPr>
+                            <m:t>,3</m:t>
+                          </m:r>
+                        </m:sub>
+                      </m:sSub>
+                      <m:r>
+                        <a:rPr lang="en-US" sz="1100" b="0" i="1" smtClean="0">
+                          <a:latin typeface="Cambria Math" panose="02040503050406030204" pitchFamily="18" charset="0"/>
+                        </a:rPr>
+                        <m:t>= </m:t>
+                      </m:r>
+                      <m:d>
+                        <m:dPr>
+                          <m:ctrlPr>
+                            <a:rPr lang="en-US" sz="1100" b="0" i="1" smtClean="0">
+                              <a:latin typeface="Cambria Math" panose="02040503050406030204" pitchFamily="18" charset="0"/>
+                            </a:rPr>
+                          </m:ctrlPr>
+                        </m:dPr>
+                        <m:e>
+                          <m:sSup>
+                            <m:sSupPr>
+                              <m:ctrlPr>
+                                <a:rPr lang="en-US" sz="1100" i="1">
+                                  <a:latin typeface="Cambria Math" panose="02040503050406030204" pitchFamily="18" charset="0"/>
+                                </a:rPr>
+                              </m:ctrlPr>
+                            </m:sSupPr>
+                            <m:e>
+                              <m:r>
+                                <a:rPr lang="en-US" sz="1100" i="1">
+                                  <a:latin typeface="Cambria Math" panose="02040503050406030204" pitchFamily="18" charset="0"/>
+                                </a:rPr>
+                                <m:t>𝑏𝑒𝑡𝑎</m:t>
+                              </m:r>
+                              <m:r>
+                                <a:rPr lang="en-US" sz="1100" i="1">
+                                  <a:latin typeface="Cambria Math" panose="02040503050406030204" pitchFamily="18" charset="0"/>
+                                </a:rPr>
+                                <m:t>.</m:t>
+                              </m:r>
+                              <m:r>
+                                <a:rPr lang="en-US" sz="1100" i="1">
+                                  <a:latin typeface="Cambria Math" panose="02040503050406030204" pitchFamily="18" charset="0"/>
+                                </a:rPr>
+                                <m:t>𝑚𝑢</m:t>
+                              </m:r>
+                            </m:e>
+                            <m:sup>
+                              <m:r>
+                                <a:rPr lang="en-US" sz="1100" i="1">
+                                  <a:latin typeface="Cambria Math" panose="02040503050406030204" pitchFamily="18" charset="0"/>
+                                </a:rPr>
+                                <m:t>2</m:t>
+                              </m:r>
+                            </m:sup>
+                          </m:sSup>
+                          <m:sSub>
+                            <m:sSubPr>
+                              <m:ctrlPr>
+                                <a:rPr lang="en-US" sz="1100" i="1">
+                                  <a:latin typeface="Cambria Math" panose="02040503050406030204" pitchFamily="18" charset="0"/>
+                                </a:rPr>
+                              </m:ctrlPr>
+                            </m:sSubPr>
+                            <m:e>
+                              <m:r>
+                                <a:rPr lang="en-US" sz="1100" i="1">
+                                  <a:latin typeface="Cambria Math" panose="02040503050406030204" pitchFamily="18" charset="0"/>
+                                </a:rPr>
+                                <m:t>𝑉</m:t>
+                              </m:r>
+                            </m:e>
+                            <m:sub>
+                              <m:r>
+                                <a:rPr lang="en-US" sz="1100" i="1">
+                                  <a:latin typeface="Cambria Math" panose="02040503050406030204" pitchFamily="18" charset="0"/>
+                                </a:rPr>
+                                <m:t>𝑥</m:t>
+                              </m:r>
+                            </m:sub>
+                          </m:sSub>
+                        </m:e>
+                      </m:d>
+                      <m:r>
+                        <a:rPr lang="en-US" sz="1100" b="0" i="1" smtClean="0">
+                          <a:latin typeface="Cambria Math" panose="02040503050406030204" pitchFamily="18" charset="0"/>
+                        </a:rPr>
+                        <m:t>+</m:t>
+                      </m:r>
+                      <m:sSup>
+                        <m:sSupPr>
+                          <m:ctrlPr>
+                            <a:rPr lang="en-US" sz="1100" i="1">
+                              <a:latin typeface="Cambria Math" panose="02040503050406030204" pitchFamily="18" charset="0"/>
+                            </a:rPr>
+                          </m:ctrlPr>
+                        </m:sSupPr>
+                        <m:e>
+                          <m:d>
+                            <m:dPr>
+                              <m:ctrlPr>
+                                <a:rPr lang="en-US" sz="1100" i="1">
+                                  <a:latin typeface="Cambria Math" panose="02040503050406030204" pitchFamily="18" charset="0"/>
+                                </a:rPr>
+                              </m:ctrlPr>
+                            </m:dPr>
+                            <m:e>
+                              <m:sSup>
+                                <m:sSupPr>
+                                  <m:ctrlPr>
+                                    <a:rPr lang="en-US" sz="1100" i="1">
+                                      <a:latin typeface="Cambria Math" panose="02040503050406030204" pitchFamily="18" charset="0"/>
+                                    </a:rPr>
+                                  </m:ctrlPr>
+                                </m:sSupPr>
+                                <m:e>
+                                  <m:r>
+                                    <a:rPr lang="en-US" sz="1100" i="1">
+                                      <a:latin typeface="Cambria Math" panose="02040503050406030204" pitchFamily="18" charset="0"/>
+                                    </a:rPr>
+                                    <m:t>𝑒</m:t>
+                                  </m:r>
+                                </m:e>
+                                <m:sup>
+                                  <m:r>
+                                    <a:rPr lang="en-US" sz="1100" i="1">
+                                      <a:latin typeface="Cambria Math" panose="02040503050406030204" pitchFamily="18" charset="0"/>
+                                    </a:rPr>
+                                    <m:t>𝑠𝑖𝑔</m:t>
+                                  </m:r>
+                                  <m:r>
+                                    <a:rPr lang="en-US" sz="1100" i="1">
+                                      <a:latin typeface="Cambria Math" panose="02040503050406030204" pitchFamily="18" charset="0"/>
+                                    </a:rPr>
+                                    <m:t>.</m:t>
+                                  </m:r>
+                                  <m:r>
+                                    <a:rPr lang="en-US" sz="1100" i="1">
+                                      <a:latin typeface="Cambria Math" panose="02040503050406030204" pitchFamily="18" charset="0"/>
+                                    </a:rPr>
+                                    <m:t>𝑎𝑙𝑝h𝑎</m:t>
+                                  </m:r>
+                                  <m:r>
+                                    <a:rPr lang="en-US" sz="1100" i="1">
+                                      <a:latin typeface="Cambria Math" panose="02040503050406030204" pitchFamily="18" charset="0"/>
+                                    </a:rPr>
+                                    <m:t>.</m:t>
+                                  </m:r>
+                                  <m:r>
+                                    <a:rPr lang="en-US" sz="1100" i="1">
+                                      <a:latin typeface="Cambria Math" panose="02040503050406030204" pitchFamily="18" charset="0"/>
+                                    </a:rPr>
+                                    <m:t>𝑚𝑢</m:t>
+                                  </m:r>
+                                  <m:r>
+                                    <a:rPr lang="en-US" sz="1100" i="1">
+                                      <a:latin typeface="Cambria Math" panose="02040503050406030204" pitchFamily="18" charset="0"/>
+                                    </a:rPr>
+                                    <m:t>+</m:t>
+                                  </m:r>
+                                  <m:r>
+                                    <a:rPr lang="en-US" sz="1100" i="1">
+                                      <a:latin typeface="Cambria Math" panose="02040503050406030204" pitchFamily="18" charset="0"/>
+                                    </a:rPr>
+                                    <m:t>𝑠𝑖𝑔</m:t>
+                                  </m:r>
+                                  <m:r>
+                                    <a:rPr lang="en-US" sz="1100" i="1">
+                                      <a:latin typeface="Cambria Math" panose="02040503050406030204" pitchFamily="18" charset="0"/>
+                                    </a:rPr>
+                                    <m:t>.</m:t>
+                                  </m:r>
+                                  <m:r>
+                                    <a:rPr lang="en-US" sz="1100" i="1">
+                                      <a:latin typeface="Cambria Math" panose="02040503050406030204" pitchFamily="18" charset="0"/>
+                                    </a:rPr>
+                                    <m:t>𝑏𝑒𝑡𝑎</m:t>
+                                  </m:r>
+                                  <m:r>
+                                    <a:rPr lang="en-US" sz="1100" i="1">
+                                      <a:latin typeface="Cambria Math" panose="02040503050406030204" pitchFamily="18" charset="0"/>
+                                    </a:rPr>
+                                    <m:t>.</m:t>
+                                  </m:r>
+                                  <m:r>
+                                    <a:rPr lang="en-US" sz="1100" i="1">
+                                      <a:latin typeface="Cambria Math" panose="02040503050406030204" pitchFamily="18" charset="0"/>
+                                    </a:rPr>
+                                    <m:t>𝑚𝑢</m:t>
+                                  </m:r>
+                                  <m:r>
+                                    <a:rPr lang="en-US" sz="1100" i="1">
+                                      <a:latin typeface="Cambria Math" panose="02040503050406030204" pitchFamily="18" charset="0"/>
+                                    </a:rPr>
+                                    <m:t>∗</m:t>
+                                  </m:r>
+                                  <m:r>
+                                    <a:rPr lang="en-US" sz="1100" i="1">
+                                      <a:latin typeface="Cambria Math" panose="02040503050406030204" pitchFamily="18" charset="0"/>
+                                    </a:rPr>
+                                    <m:t>𝑥</m:t>
+                                  </m:r>
+                                </m:sup>
+                              </m:sSup>
+                            </m:e>
+                          </m:d>
+                        </m:e>
+                        <m:sup>
+                          <m:r>
+                            <a:rPr lang="en-US" sz="1100" i="1">
+                              <a:latin typeface="Cambria Math" panose="02040503050406030204" pitchFamily="18" charset="0"/>
+                            </a:rPr>
+                            <m:t>2</m:t>
+                          </m:r>
+                        </m:sup>
+                      </m:sSup>
+                    </m:oMath>
+                  </m:oMathPara>
+                </a14:m>
+                <a:endParaRPr lang="en-US" sz="1100" dirty="0"/>
+              </a:p>
+            </p:txBody>
+          </p:sp>
+        </mc:Choice>
+        <mc:Fallback>
+          <p:sp>
+            <p:nvSpPr>
+              <p:cNvPr id="9" name="TextBox 8">
+                <a:extLst>
+                  <a:ext uri="{FF2B5EF4-FFF2-40B4-BE49-F238E27FC236}">
+                    <a16:creationId xmlns:a16="http://schemas.microsoft.com/office/drawing/2014/main" id="{52B000AD-6E5C-AF7C-D400-CD2015409A5B}"/>
+                  </a:ext>
+                </a:extLst>
+              </p:cNvPr>
+              <p:cNvSpPr txBox="1">
+                <a:spLocks noRot="1" noChangeAspect="1" noMove="1" noResize="1" noEditPoints="1" noAdjustHandles="1" noChangeArrowheads="1" noChangeShapeType="1" noTextEdit="1"/>
+              </p:cNvSpPr>
+              <p:nvPr/>
+            </p:nvSpPr>
+            <p:spPr>
+              <a:xfrm>
+                <a:off x="4254853" y="2945764"/>
+                <a:ext cx="3203121" cy="224549"/>
+              </a:xfrm>
+              <a:prstGeom prst="rect">
+                <a:avLst/>
+              </a:prstGeom>
+              <a:blipFill>
+                <a:blip r:embed="rId7"/>
+                <a:stretch>
+                  <a:fillRect l="-571" r="-190" b="-8108"/>
+                </a:stretch>
+              </a:blipFill>
+            </p:spPr>
+            <p:txBody>
+              <a:bodyPr/>
+              <a:lstStyle/>
+              <a:p>
+                <a:r>
+                  <a:rPr lang="en-US">
+                    <a:noFill/>
+                  </a:rPr>
+                  <a:t> </a:t>
+                </a:r>
+              </a:p>
+            </p:txBody>
+          </p:sp>
+        </mc:Fallback>
+      </mc:AlternateContent>
+      <p:pic>
+        <p:nvPicPr>
+          <p:cNvPr id="52" name="Picture 51" descr="Chart&#10;&#10;Description automatically generated">
+            <a:extLst>
+              <a:ext uri="{FF2B5EF4-FFF2-40B4-BE49-F238E27FC236}">
+                <a16:creationId xmlns:a16="http://schemas.microsoft.com/office/drawing/2014/main" id="{4E61533C-A5F7-F3D0-BC80-846DF53371B5}"/>
+              </a:ext>
+            </a:extLst>
+          </p:cNvPr>
+          <p:cNvPicPr>
+            <a:picLocks noChangeAspect="1"/>
+          </p:cNvPicPr>
+          <p:nvPr/>
+        </p:nvPicPr>
+        <p:blipFill rotWithShape="1">
+          <a:blip r:embed="rId8">
+            <a:extLst>
+              <a:ext uri="{28A0092B-C50C-407E-A947-70E740481C1C}">
+                <a14:useLocalDpi xmlns:a14="http://schemas.microsoft.com/office/drawing/2010/main" val="0"/>
+              </a:ext>
+            </a:extLst>
+          </a:blip>
+          <a:srcRect r="58616"/>
+          <a:stretch/>
+        </p:blipFill>
+        <p:spPr>
+          <a:xfrm>
+            <a:off x="8751218" y="3049446"/>
+            <a:ext cx="3320142" cy="3382231"/>
+          </a:xfrm>
+          <a:prstGeom prst="rect">
+            <a:avLst/>
+          </a:prstGeom>
+        </p:spPr>
+      </p:pic>
+      <p:sp>
+        <p:nvSpPr>
+          <p:cNvPr id="10" name="TextBox 9">
+            <a:extLst>
+              <a:ext uri="{FF2B5EF4-FFF2-40B4-BE49-F238E27FC236}">
+                <a16:creationId xmlns:a16="http://schemas.microsoft.com/office/drawing/2014/main" id="{217B569A-04B4-3857-8392-EF6BA2F9CAF8}"/>
+              </a:ext>
+            </a:extLst>
+          </p:cNvPr>
+          <p:cNvSpPr txBox="1"/>
+          <p:nvPr/>
+        </p:nvSpPr>
+        <p:spPr>
+          <a:xfrm>
+            <a:off x="4138565" y="6310809"/>
+            <a:ext cx="6409692" cy="461665"/>
+          </a:xfrm>
+          <a:prstGeom prst="rect">
+            <a:avLst/>
+          </a:prstGeom>
+          <a:noFill/>
+        </p:spPr>
+        <p:txBody>
+          <a:bodyPr wrap="square" rtlCol="0">
+            <a:spAutoFit/>
+          </a:bodyPr>
+          <a:lstStyle/>
+          <a:p>
+            <a:pPr marL="171450" indent="-171450">
+              <a:buFont typeface="Arial" panose="020B0604020202020204" pitchFamily="34" charset="0"/>
+              <a:buChar char="•"/>
+            </a:pPr>
+            <a:r>
+              <a:rPr lang="en-US" sz="1200" dirty="0">
+                <a:solidFill>
+                  <a:srgbClr val="C00000"/>
+                </a:solidFill>
+              </a:rPr>
+              <a:t>Ignores site-level differences in flow effects on sigma</a:t>
+            </a:r>
+          </a:p>
+          <a:p>
+            <a:pPr marL="171450" indent="-171450">
+              <a:buFont typeface="Arial" panose="020B0604020202020204" pitchFamily="34" charset="0"/>
+              <a:buChar char="•"/>
+            </a:pPr>
+            <a:r>
+              <a:rPr lang="en-US" sz="1200" dirty="0">
+                <a:solidFill>
+                  <a:srgbClr val="C00000"/>
+                </a:solidFill>
+              </a:rPr>
+              <a:t>In S&amp;N model, hierarchical intercepts/slopes are modeled as offsets to global parameters</a:t>
+            </a:r>
+          </a:p>
+        </p:txBody>
+      </p:sp>
+    </p:spTree>
+    <p:extLst>
+      <p:ext uri="{BB962C8B-B14F-4D97-AF65-F5344CB8AC3E}">
+        <p14:creationId xmlns:p14="http://schemas.microsoft.com/office/powerpoint/2010/main" val="1252221003"/>
+      </p:ext>
+    </p:extLst>
+  </p:cSld>
+  <p:clrMapOvr>
+    <a:masterClrMapping/>
+  </p:clrMapOvr>
+</p:sld>
+</file>
+
 <file path=ppt/theme/theme1.xml><?xml version="1.0" encoding="utf-8"?>
 <a:theme xmlns:a="http://schemas.openxmlformats.org/drawingml/2006/main" name="Office Theme">
   <a:themeElements>
